--- a/Presentaties/tussentijdse_presentatie_arno_willaert_POGING_TWEE.pptx
+++ b/Presentaties/tussentijdse_presentatie_arno_willaert_POGING_TWEE.pptx
@@ -4,20 +4,33 @@
   <p:sldMasterIdLst>
     <p:sldMasterId id="2147483660" r:id="rId1"/>
   </p:sldMasterIdLst>
+  <p:notesMasterIdLst>
+    <p:notesMasterId r:id="rId25"/>
+  </p:notesMasterIdLst>
   <p:sldIdLst>
     <p:sldId id="256" r:id="rId2"/>
-    <p:sldId id="275" r:id="rId3"/>
+    <p:sldId id="295" r:id="rId3"/>
     <p:sldId id="257" r:id="rId4"/>
     <p:sldId id="276" r:id="rId5"/>
-    <p:sldId id="258" r:id="rId6"/>
-    <p:sldId id="260" r:id="rId7"/>
-    <p:sldId id="264" r:id="rId8"/>
-    <p:sldId id="265" r:id="rId9"/>
-    <p:sldId id="267" r:id="rId10"/>
-    <p:sldId id="266" r:id="rId11"/>
-    <p:sldId id="263" r:id="rId12"/>
-    <p:sldId id="269" r:id="rId13"/>
-    <p:sldId id="273" r:id="rId14"/>
+    <p:sldId id="294" r:id="rId6"/>
+    <p:sldId id="300" r:id="rId7"/>
+    <p:sldId id="258" r:id="rId8"/>
+    <p:sldId id="293" r:id="rId9"/>
+    <p:sldId id="260" r:id="rId10"/>
+    <p:sldId id="292" r:id="rId11"/>
+    <p:sldId id="264" r:id="rId12"/>
+    <p:sldId id="265" r:id="rId13"/>
+    <p:sldId id="279" r:id="rId14"/>
+    <p:sldId id="291" r:id="rId15"/>
+    <p:sldId id="299" r:id="rId16"/>
+    <p:sldId id="283" r:id="rId17"/>
+    <p:sldId id="278" r:id="rId18"/>
+    <p:sldId id="296" r:id="rId19"/>
+    <p:sldId id="289" r:id="rId20"/>
+    <p:sldId id="263" r:id="rId21"/>
+    <p:sldId id="269" r:id="rId22"/>
+    <p:sldId id="290" r:id="rId23"/>
+    <p:sldId id="273" r:id="rId24"/>
   </p:sldIdLst>
   <p:sldSz cx="12192000" cy="6858000"/>
   <p:notesSz cx="6858000" cy="9144000"/>
@@ -124,6 +137,2857 @@
 </p:presentation>
 </file>
 
+<file path=ppt/diagrams/colors1.xml><?xml version="1.0" encoding="utf-8"?>
+<dgm:colorsDef xmlns:dgm="http://schemas.openxmlformats.org/drawingml/2006/diagram" xmlns:a="http://schemas.openxmlformats.org/drawingml/2006/main" uniqueId="urn:microsoft.com/office/officeart/2005/8/colors/accent1_2">
+  <dgm:title val=""/>
+  <dgm:desc val=""/>
+  <dgm:catLst>
+    <dgm:cat type="accent1" pri="11200"/>
+  </dgm:catLst>
+  <dgm:styleLbl name="node0">
+    <dgm:fillClrLst meth="repeat">
+      <a:schemeClr val="accent1"/>
+    </dgm:fillClrLst>
+    <dgm:linClrLst meth="repeat">
+      <a:schemeClr val="lt1"/>
+    </dgm:linClrLst>
+    <dgm:effectClrLst/>
+    <dgm:txLinClrLst/>
+    <dgm:txFillClrLst/>
+    <dgm:txEffectClrLst/>
+  </dgm:styleLbl>
+  <dgm:styleLbl name="alignNode1">
+    <dgm:fillClrLst meth="repeat">
+      <a:schemeClr val="accent1"/>
+    </dgm:fillClrLst>
+    <dgm:linClrLst meth="repeat">
+      <a:schemeClr val="accent1"/>
+    </dgm:linClrLst>
+    <dgm:effectClrLst/>
+    <dgm:txLinClrLst/>
+    <dgm:txFillClrLst/>
+    <dgm:txEffectClrLst/>
+  </dgm:styleLbl>
+  <dgm:styleLbl name="node1">
+    <dgm:fillClrLst meth="repeat">
+      <a:schemeClr val="accent1"/>
+    </dgm:fillClrLst>
+    <dgm:linClrLst meth="repeat">
+      <a:schemeClr val="lt1"/>
+    </dgm:linClrLst>
+    <dgm:effectClrLst/>
+    <dgm:txLinClrLst/>
+    <dgm:txFillClrLst/>
+    <dgm:txEffectClrLst/>
+  </dgm:styleLbl>
+  <dgm:styleLbl name="lnNode1">
+    <dgm:fillClrLst meth="repeat">
+      <a:schemeClr val="accent1"/>
+    </dgm:fillClrLst>
+    <dgm:linClrLst meth="repeat">
+      <a:schemeClr val="lt1"/>
+    </dgm:linClrLst>
+    <dgm:effectClrLst/>
+    <dgm:txLinClrLst/>
+    <dgm:txFillClrLst/>
+    <dgm:txEffectClrLst/>
+  </dgm:styleLbl>
+  <dgm:styleLbl name="vennNode1">
+    <dgm:fillClrLst meth="repeat">
+      <a:schemeClr val="accent1">
+        <a:alpha val="50000"/>
+      </a:schemeClr>
+    </dgm:fillClrLst>
+    <dgm:linClrLst meth="repeat">
+      <a:schemeClr val="lt1"/>
+    </dgm:linClrLst>
+    <dgm:effectClrLst/>
+    <dgm:txLinClrLst/>
+    <dgm:txFillClrLst/>
+    <dgm:txEffectClrLst/>
+  </dgm:styleLbl>
+  <dgm:styleLbl name="node2">
+    <dgm:fillClrLst meth="repeat">
+      <a:schemeClr val="accent1"/>
+    </dgm:fillClrLst>
+    <dgm:linClrLst meth="repeat">
+      <a:schemeClr val="lt1"/>
+    </dgm:linClrLst>
+    <dgm:effectClrLst/>
+    <dgm:txLinClrLst/>
+    <dgm:txFillClrLst/>
+    <dgm:txEffectClrLst/>
+  </dgm:styleLbl>
+  <dgm:styleLbl name="node3">
+    <dgm:fillClrLst meth="repeat">
+      <a:schemeClr val="accent1"/>
+    </dgm:fillClrLst>
+    <dgm:linClrLst meth="repeat">
+      <a:schemeClr val="lt1"/>
+    </dgm:linClrLst>
+    <dgm:effectClrLst/>
+    <dgm:txLinClrLst/>
+    <dgm:txFillClrLst/>
+    <dgm:txEffectClrLst/>
+  </dgm:styleLbl>
+  <dgm:styleLbl name="node4">
+    <dgm:fillClrLst meth="repeat">
+      <a:schemeClr val="accent1"/>
+    </dgm:fillClrLst>
+    <dgm:linClrLst meth="repeat">
+      <a:schemeClr val="lt1"/>
+    </dgm:linClrLst>
+    <dgm:effectClrLst/>
+    <dgm:txLinClrLst/>
+    <dgm:txFillClrLst/>
+    <dgm:txEffectClrLst/>
+  </dgm:styleLbl>
+  <dgm:styleLbl name="fgImgPlace1">
+    <dgm:fillClrLst meth="repeat">
+      <a:schemeClr val="accent1">
+        <a:tint val="50000"/>
+      </a:schemeClr>
+    </dgm:fillClrLst>
+    <dgm:linClrLst meth="repeat">
+      <a:schemeClr val="lt1"/>
+    </dgm:linClrLst>
+    <dgm:effectClrLst/>
+    <dgm:txLinClrLst/>
+    <dgm:txFillClrLst meth="repeat">
+      <a:schemeClr val="lt1"/>
+    </dgm:txFillClrLst>
+    <dgm:txEffectClrLst/>
+  </dgm:styleLbl>
+  <dgm:styleLbl name="alignImgPlace1">
+    <dgm:fillClrLst meth="repeat">
+      <a:schemeClr val="accent1">
+        <a:tint val="50000"/>
+      </a:schemeClr>
+    </dgm:fillClrLst>
+    <dgm:linClrLst meth="repeat">
+      <a:schemeClr val="lt1"/>
+    </dgm:linClrLst>
+    <dgm:effectClrLst/>
+    <dgm:txLinClrLst/>
+    <dgm:txFillClrLst meth="repeat">
+      <a:schemeClr val="lt1"/>
+    </dgm:txFillClrLst>
+    <dgm:txEffectClrLst/>
+  </dgm:styleLbl>
+  <dgm:styleLbl name="bgImgPlace1">
+    <dgm:fillClrLst meth="repeat">
+      <a:schemeClr val="accent1">
+        <a:tint val="50000"/>
+      </a:schemeClr>
+    </dgm:fillClrLst>
+    <dgm:linClrLst meth="repeat">
+      <a:schemeClr val="lt1"/>
+    </dgm:linClrLst>
+    <dgm:effectClrLst/>
+    <dgm:txLinClrLst/>
+    <dgm:txFillClrLst meth="repeat">
+      <a:schemeClr val="lt1"/>
+    </dgm:txFillClrLst>
+    <dgm:txEffectClrLst/>
+  </dgm:styleLbl>
+  <dgm:styleLbl name="sibTrans2D1">
+    <dgm:fillClrLst meth="repeat">
+      <a:schemeClr val="accent1">
+        <a:tint val="60000"/>
+      </a:schemeClr>
+    </dgm:fillClrLst>
+    <dgm:linClrLst meth="repeat">
+      <a:schemeClr val="accent1">
+        <a:tint val="60000"/>
+      </a:schemeClr>
+    </dgm:linClrLst>
+    <dgm:effectClrLst/>
+    <dgm:txLinClrLst/>
+    <dgm:txFillClrLst/>
+    <dgm:txEffectClrLst/>
+  </dgm:styleLbl>
+  <dgm:styleLbl name="fgSibTrans2D1">
+    <dgm:fillClrLst meth="repeat">
+      <a:schemeClr val="accent1">
+        <a:tint val="60000"/>
+      </a:schemeClr>
+    </dgm:fillClrLst>
+    <dgm:linClrLst meth="repeat">
+      <a:schemeClr val="accent1">
+        <a:tint val="60000"/>
+      </a:schemeClr>
+    </dgm:linClrLst>
+    <dgm:effectClrLst/>
+    <dgm:txLinClrLst/>
+    <dgm:txFillClrLst/>
+    <dgm:txEffectClrLst/>
+  </dgm:styleLbl>
+  <dgm:styleLbl name="bgSibTrans2D1">
+    <dgm:fillClrLst meth="repeat">
+      <a:schemeClr val="accent1">
+        <a:tint val="60000"/>
+      </a:schemeClr>
+    </dgm:fillClrLst>
+    <dgm:linClrLst meth="repeat">
+      <a:schemeClr val="accent1">
+        <a:tint val="60000"/>
+      </a:schemeClr>
+    </dgm:linClrLst>
+    <dgm:effectClrLst/>
+    <dgm:txLinClrLst/>
+    <dgm:txFillClrLst/>
+    <dgm:txEffectClrLst/>
+  </dgm:styleLbl>
+  <dgm:styleLbl name="sibTrans1D1">
+    <dgm:fillClrLst meth="repeat">
+      <a:schemeClr val="accent1"/>
+    </dgm:fillClrLst>
+    <dgm:linClrLst meth="repeat">
+      <a:schemeClr val="accent1"/>
+    </dgm:linClrLst>
+    <dgm:effectClrLst/>
+    <dgm:txLinClrLst/>
+    <dgm:txFillClrLst meth="repeat">
+      <a:schemeClr val="tx1"/>
+    </dgm:txFillClrLst>
+    <dgm:txEffectClrLst/>
+  </dgm:styleLbl>
+  <dgm:styleLbl name="callout">
+    <dgm:fillClrLst meth="repeat">
+      <a:schemeClr val="accent1"/>
+    </dgm:fillClrLst>
+    <dgm:linClrLst meth="repeat">
+      <a:schemeClr val="accent1">
+        <a:tint val="50000"/>
+      </a:schemeClr>
+    </dgm:linClrLst>
+    <dgm:effectClrLst/>
+    <dgm:txLinClrLst/>
+    <dgm:txFillClrLst meth="repeat">
+      <a:schemeClr val="tx1"/>
+    </dgm:txFillClrLst>
+    <dgm:txEffectClrLst/>
+  </dgm:styleLbl>
+  <dgm:styleLbl name="asst0">
+    <dgm:fillClrLst meth="repeat">
+      <a:schemeClr val="accent1"/>
+    </dgm:fillClrLst>
+    <dgm:linClrLst meth="repeat">
+      <a:schemeClr val="lt1"/>
+    </dgm:linClrLst>
+    <dgm:effectClrLst/>
+    <dgm:txLinClrLst/>
+    <dgm:txFillClrLst/>
+    <dgm:txEffectClrLst/>
+  </dgm:styleLbl>
+  <dgm:styleLbl name="asst1">
+    <dgm:fillClrLst meth="repeat">
+      <a:schemeClr val="accent1"/>
+    </dgm:fillClrLst>
+    <dgm:linClrLst meth="repeat">
+      <a:schemeClr val="lt1"/>
+    </dgm:linClrLst>
+    <dgm:effectClrLst/>
+    <dgm:txLinClrLst/>
+    <dgm:txFillClrLst/>
+    <dgm:txEffectClrLst/>
+  </dgm:styleLbl>
+  <dgm:styleLbl name="asst2">
+    <dgm:fillClrLst meth="repeat">
+      <a:schemeClr val="accent1"/>
+    </dgm:fillClrLst>
+    <dgm:linClrLst meth="repeat">
+      <a:schemeClr val="lt1"/>
+    </dgm:linClrLst>
+    <dgm:effectClrLst/>
+    <dgm:txLinClrLst/>
+    <dgm:txFillClrLst/>
+    <dgm:txEffectClrLst/>
+  </dgm:styleLbl>
+  <dgm:styleLbl name="asst3">
+    <dgm:fillClrLst meth="repeat">
+      <a:schemeClr val="accent1"/>
+    </dgm:fillClrLst>
+    <dgm:linClrLst meth="repeat">
+      <a:schemeClr val="lt1"/>
+    </dgm:linClrLst>
+    <dgm:effectClrLst/>
+    <dgm:txLinClrLst/>
+    <dgm:txFillClrLst/>
+    <dgm:txEffectClrLst/>
+  </dgm:styleLbl>
+  <dgm:styleLbl name="asst4">
+    <dgm:fillClrLst meth="repeat">
+      <a:schemeClr val="accent1"/>
+    </dgm:fillClrLst>
+    <dgm:linClrLst meth="repeat">
+      <a:schemeClr val="lt1"/>
+    </dgm:linClrLst>
+    <dgm:effectClrLst/>
+    <dgm:txLinClrLst/>
+    <dgm:txFillClrLst/>
+    <dgm:txEffectClrLst/>
+  </dgm:styleLbl>
+  <dgm:styleLbl name="parChTrans2D1">
+    <dgm:fillClrLst meth="repeat">
+      <a:schemeClr val="accent1">
+        <a:tint val="60000"/>
+      </a:schemeClr>
+    </dgm:fillClrLst>
+    <dgm:linClrLst meth="repeat">
+      <a:schemeClr val="accent1">
+        <a:tint val="60000"/>
+      </a:schemeClr>
+    </dgm:linClrLst>
+    <dgm:effectClrLst/>
+    <dgm:txLinClrLst/>
+    <dgm:txFillClrLst meth="repeat">
+      <a:schemeClr val="lt1"/>
+    </dgm:txFillClrLst>
+    <dgm:txEffectClrLst/>
+  </dgm:styleLbl>
+  <dgm:styleLbl name="parChTrans2D2">
+    <dgm:fillClrLst meth="repeat">
+      <a:schemeClr val="accent1"/>
+    </dgm:fillClrLst>
+    <dgm:linClrLst meth="repeat">
+      <a:schemeClr val="accent1"/>
+    </dgm:linClrLst>
+    <dgm:effectClrLst/>
+    <dgm:txLinClrLst/>
+    <dgm:txFillClrLst meth="repeat">
+      <a:schemeClr val="lt1"/>
+    </dgm:txFillClrLst>
+    <dgm:txEffectClrLst/>
+  </dgm:styleLbl>
+  <dgm:styleLbl name="parChTrans2D3">
+    <dgm:fillClrLst meth="repeat">
+      <a:schemeClr val="accent1"/>
+    </dgm:fillClrLst>
+    <dgm:linClrLst meth="repeat">
+      <a:schemeClr val="accent1"/>
+    </dgm:linClrLst>
+    <dgm:effectClrLst/>
+    <dgm:txLinClrLst/>
+    <dgm:txFillClrLst meth="repeat">
+      <a:schemeClr val="lt1"/>
+    </dgm:txFillClrLst>
+    <dgm:txEffectClrLst/>
+  </dgm:styleLbl>
+  <dgm:styleLbl name="parChTrans2D4">
+    <dgm:fillClrLst meth="repeat">
+      <a:schemeClr val="accent1"/>
+    </dgm:fillClrLst>
+    <dgm:linClrLst meth="repeat">
+      <a:schemeClr val="accent1"/>
+    </dgm:linClrLst>
+    <dgm:effectClrLst/>
+    <dgm:txLinClrLst/>
+    <dgm:txFillClrLst meth="repeat">
+      <a:schemeClr val="lt1"/>
+    </dgm:txFillClrLst>
+    <dgm:txEffectClrLst/>
+  </dgm:styleLbl>
+  <dgm:styleLbl name="parChTrans1D1">
+    <dgm:fillClrLst meth="repeat">
+      <a:schemeClr val="accent1"/>
+    </dgm:fillClrLst>
+    <dgm:linClrLst meth="repeat">
+      <a:schemeClr val="accent1">
+        <a:shade val="60000"/>
+      </a:schemeClr>
+    </dgm:linClrLst>
+    <dgm:effectClrLst/>
+    <dgm:txLinClrLst/>
+    <dgm:txFillClrLst meth="repeat">
+      <a:schemeClr val="tx1"/>
+    </dgm:txFillClrLst>
+    <dgm:txEffectClrLst/>
+  </dgm:styleLbl>
+  <dgm:styleLbl name="parChTrans1D2">
+    <dgm:fillClrLst meth="repeat">
+      <a:schemeClr val="accent1"/>
+    </dgm:fillClrLst>
+    <dgm:linClrLst meth="repeat">
+      <a:schemeClr val="accent1">
+        <a:shade val="60000"/>
+      </a:schemeClr>
+    </dgm:linClrLst>
+    <dgm:effectClrLst/>
+    <dgm:txLinClrLst/>
+    <dgm:txFillClrLst meth="repeat">
+      <a:schemeClr val="tx1"/>
+    </dgm:txFillClrLst>
+    <dgm:txEffectClrLst/>
+  </dgm:styleLbl>
+  <dgm:styleLbl name="parChTrans1D3">
+    <dgm:fillClrLst meth="repeat">
+      <a:schemeClr val="accent1"/>
+    </dgm:fillClrLst>
+    <dgm:linClrLst meth="repeat">
+      <a:schemeClr val="accent1">
+        <a:shade val="80000"/>
+      </a:schemeClr>
+    </dgm:linClrLst>
+    <dgm:effectClrLst/>
+    <dgm:txLinClrLst/>
+    <dgm:txFillClrLst meth="repeat">
+      <a:schemeClr val="tx1"/>
+    </dgm:txFillClrLst>
+    <dgm:txEffectClrLst/>
+  </dgm:styleLbl>
+  <dgm:styleLbl name="parChTrans1D4">
+    <dgm:fillClrLst meth="repeat">
+      <a:schemeClr val="accent1"/>
+    </dgm:fillClrLst>
+    <dgm:linClrLst meth="repeat">
+      <a:schemeClr val="accent1">
+        <a:shade val="80000"/>
+      </a:schemeClr>
+    </dgm:linClrLst>
+    <dgm:effectClrLst/>
+    <dgm:txLinClrLst/>
+    <dgm:txFillClrLst meth="repeat">
+      <a:schemeClr val="tx1"/>
+    </dgm:txFillClrLst>
+    <dgm:txEffectClrLst/>
+  </dgm:styleLbl>
+  <dgm:styleLbl name="fgAcc1">
+    <dgm:fillClrLst meth="repeat">
+      <a:schemeClr val="lt1">
+        <a:alpha val="90000"/>
+      </a:schemeClr>
+    </dgm:fillClrLst>
+    <dgm:linClrLst meth="repeat">
+      <a:schemeClr val="accent1"/>
+    </dgm:linClrLst>
+    <dgm:effectClrLst/>
+    <dgm:txLinClrLst/>
+    <dgm:txFillClrLst meth="repeat">
+      <a:schemeClr val="dk1"/>
+    </dgm:txFillClrLst>
+    <dgm:txEffectClrLst/>
+  </dgm:styleLbl>
+  <dgm:styleLbl name="conFgAcc1">
+    <dgm:fillClrLst meth="repeat">
+      <a:schemeClr val="lt1">
+        <a:alpha val="90000"/>
+      </a:schemeClr>
+    </dgm:fillClrLst>
+    <dgm:linClrLst meth="repeat">
+      <a:schemeClr val="accent1"/>
+    </dgm:linClrLst>
+    <dgm:effectClrLst/>
+    <dgm:txLinClrLst/>
+    <dgm:txFillClrLst meth="repeat">
+      <a:schemeClr val="dk1"/>
+    </dgm:txFillClrLst>
+    <dgm:txEffectClrLst/>
+  </dgm:styleLbl>
+  <dgm:styleLbl name="alignAcc1">
+    <dgm:fillClrLst meth="repeat">
+      <a:schemeClr val="lt1">
+        <a:alpha val="90000"/>
+      </a:schemeClr>
+    </dgm:fillClrLst>
+    <dgm:linClrLst meth="repeat">
+      <a:schemeClr val="accent1"/>
+    </dgm:linClrLst>
+    <dgm:effectClrLst/>
+    <dgm:txLinClrLst/>
+    <dgm:txFillClrLst meth="repeat">
+      <a:schemeClr val="dk1"/>
+    </dgm:txFillClrLst>
+    <dgm:txEffectClrLst/>
+  </dgm:styleLbl>
+  <dgm:styleLbl name="trAlignAcc1">
+    <dgm:fillClrLst meth="repeat">
+      <a:schemeClr val="lt1">
+        <a:alpha val="40000"/>
+      </a:schemeClr>
+    </dgm:fillClrLst>
+    <dgm:linClrLst meth="repeat">
+      <a:schemeClr val="accent1"/>
+    </dgm:linClrLst>
+    <dgm:effectClrLst/>
+    <dgm:txLinClrLst/>
+    <dgm:txFillClrLst meth="repeat">
+      <a:schemeClr val="dk1"/>
+    </dgm:txFillClrLst>
+    <dgm:txEffectClrLst/>
+  </dgm:styleLbl>
+  <dgm:styleLbl name="bgAcc1">
+    <dgm:fillClrLst meth="repeat">
+      <a:schemeClr val="lt1">
+        <a:alpha val="90000"/>
+      </a:schemeClr>
+    </dgm:fillClrLst>
+    <dgm:linClrLst meth="repeat">
+      <a:schemeClr val="accent1"/>
+    </dgm:linClrLst>
+    <dgm:effectClrLst/>
+    <dgm:txLinClrLst/>
+    <dgm:txFillClrLst meth="repeat">
+      <a:schemeClr val="dk1"/>
+    </dgm:txFillClrLst>
+    <dgm:txEffectClrLst/>
+  </dgm:styleLbl>
+  <dgm:styleLbl name="solidFgAcc1">
+    <dgm:fillClrLst meth="repeat">
+      <a:schemeClr val="lt1"/>
+    </dgm:fillClrLst>
+    <dgm:linClrLst meth="repeat">
+      <a:schemeClr val="accent1"/>
+    </dgm:linClrLst>
+    <dgm:effectClrLst/>
+    <dgm:txLinClrLst/>
+    <dgm:txFillClrLst meth="repeat">
+      <a:schemeClr val="dk1"/>
+    </dgm:txFillClrLst>
+    <dgm:txEffectClrLst/>
+  </dgm:styleLbl>
+  <dgm:styleLbl name="solidAlignAcc1">
+    <dgm:fillClrLst meth="repeat">
+      <a:schemeClr val="lt1"/>
+    </dgm:fillClrLst>
+    <dgm:linClrLst meth="repeat">
+      <a:schemeClr val="accent1"/>
+    </dgm:linClrLst>
+    <dgm:effectClrLst/>
+    <dgm:txLinClrLst/>
+    <dgm:txFillClrLst meth="repeat">
+      <a:schemeClr val="dk1"/>
+    </dgm:txFillClrLst>
+    <dgm:txEffectClrLst/>
+  </dgm:styleLbl>
+  <dgm:styleLbl name="solidBgAcc1">
+    <dgm:fillClrLst meth="repeat">
+      <a:schemeClr val="lt1"/>
+    </dgm:fillClrLst>
+    <dgm:linClrLst meth="repeat">
+      <a:schemeClr val="accent1"/>
+    </dgm:linClrLst>
+    <dgm:effectClrLst/>
+    <dgm:txLinClrLst/>
+    <dgm:txFillClrLst meth="repeat">
+      <a:schemeClr val="dk1"/>
+    </dgm:txFillClrLst>
+    <dgm:txEffectClrLst/>
+  </dgm:styleLbl>
+  <dgm:styleLbl name="fgAccFollowNode1">
+    <dgm:fillClrLst meth="repeat">
+      <a:schemeClr val="accent1">
+        <a:alpha val="90000"/>
+        <a:tint val="40000"/>
+      </a:schemeClr>
+    </dgm:fillClrLst>
+    <dgm:linClrLst meth="repeat">
+      <a:schemeClr val="accent1">
+        <a:alpha val="90000"/>
+        <a:tint val="40000"/>
+      </a:schemeClr>
+    </dgm:linClrLst>
+    <dgm:effectClrLst/>
+    <dgm:txLinClrLst/>
+    <dgm:txFillClrLst meth="repeat">
+      <a:schemeClr val="dk1"/>
+    </dgm:txFillClrLst>
+    <dgm:txEffectClrLst/>
+  </dgm:styleLbl>
+  <dgm:styleLbl name="alignAccFollowNode1">
+    <dgm:fillClrLst meth="repeat">
+      <a:schemeClr val="accent1">
+        <a:alpha val="90000"/>
+        <a:tint val="40000"/>
+      </a:schemeClr>
+    </dgm:fillClrLst>
+    <dgm:linClrLst meth="repeat">
+      <a:schemeClr val="accent1">
+        <a:alpha val="90000"/>
+        <a:tint val="40000"/>
+      </a:schemeClr>
+    </dgm:linClrLst>
+    <dgm:effectClrLst/>
+    <dgm:txLinClrLst/>
+    <dgm:txFillClrLst meth="repeat">
+      <a:schemeClr val="dk1"/>
+    </dgm:txFillClrLst>
+    <dgm:txEffectClrLst/>
+  </dgm:styleLbl>
+  <dgm:styleLbl name="bgAccFollowNode1">
+    <dgm:fillClrLst meth="repeat">
+      <a:schemeClr val="accent1">
+        <a:alpha val="90000"/>
+        <a:tint val="40000"/>
+      </a:schemeClr>
+    </dgm:fillClrLst>
+    <dgm:linClrLst meth="repeat">
+      <a:schemeClr val="accent1">
+        <a:alpha val="90000"/>
+        <a:tint val="40000"/>
+      </a:schemeClr>
+    </dgm:linClrLst>
+    <dgm:effectClrLst/>
+    <dgm:txLinClrLst/>
+    <dgm:txFillClrLst meth="repeat">
+      <a:schemeClr val="dk1"/>
+    </dgm:txFillClrLst>
+    <dgm:txEffectClrLst/>
+  </dgm:styleLbl>
+  <dgm:styleLbl name="fgAcc0">
+    <dgm:fillClrLst meth="repeat">
+      <a:schemeClr val="lt1">
+        <a:alpha val="90000"/>
+      </a:schemeClr>
+    </dgm:fillClrLst>
+    <dgm:linClrLst meth="repeat">
+      <a:schemeClr val="accent1"/>
+    </dgm:linClrLst>
+    <dgm:effectClrLst/>
+    <dgm:txLinClrLst/>
+    <dgm:txFillClrLst meth="repeat">
+      <a:schemeClr val="dk1"/>
+    </dgm:txFillClrLst>
+    <dgm:txEffectClrLst/>
+  </dgm:styleLbl>
+  <dgm:styleLbl name="fgAcc2">
+    <dgm:fillClrLst meth="repeat">
+      <a:schemeClr val="lt1">
+        <a:alpha val="90000"/>
+      </a:schemeClr>
+    </dgm:fillClrLst>
+    <dgm:linClrLst meth="repeat">
+      <a:schemeClr val="accent1"/>
+    </dgm:linClrLst>
+    <dgm:effectClrLst/>
+    <dgm:txLinClrLst/>
+    <dgm:txFillClrLst meth="repeat">
+      <a:schemeClr val="dk1"/>
+    </dgm:txFillClrLst>
+    <dgm:txEffectClrLst/>
+  </dgm:styleLbl>
+  <dgm:styleLbl name="fgAcc3">
+    <dgm:fillClrLst meth="repeat">
+      <a:schemeClr val="lt1">
+        <a:alpha val="90000"/>
+      </a:schemeClr>
+    </dgm:fillClrLst>
+    <dgm:linClrLst meth="repeat">
+      <a:schemeClr val="accent1"/>
+    </dgm:linClrLst>
+    <dgm:effectClrLst/>
+    <dgm:txLinClrLst/>
+    <dgm:txFillClrLst meth="repeat">
+      <a:schemeClr val="dk1"/>
+    </dgm:txFillClrLst>
+    <dgm:txEffectClrLst/>
+  </dgm:styleLbl>
+  <dgm:styleLbl name="fgAcc4">
+    <dgm:fillClrLst meth="repeat">
+      <a:schemeClr val="lt1">
+        <a:alpha val="90000"/>
+      </a:schemeClr>
+    </dgm:fillClrLst>
+    <dgm:linClrLst meth="repeat">
+      <a:schemeClr val="accent1"/>
+    </dgm:linClrLst>
+    <dgm:effectClrLst/>
+    <dgm:txLinClrLst/>
+    <dgm:txFillClrLst meth="repeat">
+      <a:schemeClr val="dk1"/>
+    </dgm:txFillClrLst>
+    <dgm:txEffectClrLst/>
+  </dgm:styleLbl>
+  <dgm:styleLbl name="bgShp">
+    <dgm:fillClrLst meth="repeat">
+      <a:schemeClr val="accent1">
+        <a:tint val="40000"/>
+      </a:schemeClr>
+    </dgm:fillClrLst>
+    <dgm:linClrLst meth="repeat">
+      <a:schemeClr val="accent1"/>
+    </dgm:linClrLst>
+    <dgm:effectClrLst/>
+    <dgm:txLinClrLst/>
+    <dgm:txFillClrLst meth="repeat">
+      <a:schemeClr val="dk1"/>
+    </dgm:txFillClrLst>
+    <dgm:txEffectClrLst/>
+  </dgm:styleLbl>
+  <dgm:styleLbl name="dkBgShp">
+    <dgm:fillClrLst meth="repeat">
+      <a:schemeClr val="accent1">
+        <a:shade val="80000"/>
+      </a:schemeClr>
+    </dgm:fillClrLst>
+    <dgm:linClrLst meth="repeat">
+      <a:schemeClr val="accent1"/>
+    </dgm:linClrLst>
+    <dgm:effectClrLst/>
+    <dgm:txLinClrLst/>
+    <dgm:txFillClrLst meth="repeat">
+      <a:schemeClr val="lt1"/>
+    </dgm:txFillClrLst>
+    <dgm:txEffectClrLst/>
+  </dgm:styleLbl>
+  <dgm:styleLbl name="trBgShp">
+    <dgm:fillClrLst meth="repeat">
+      <a:schemeClr val="accent1">
+        <a:tint val="50000"/>
+        <a:alpha val="40000"/>
+      </a:schemeClr>
+    </dgm:fillClrLst>
+    <dgm:linClrLst meth="repeat">
+      <a:schemeClr val="accent1"/>
+    </dgm:linClrLst>
+    <dgm:effectClrLst/>
+    <dgm:txLinClrLst/>
+    <dgm:txFillClrLst meth="repeat">
+      <a:schemeClr val="lt1"/>
+    </dgm:txFillClrLst>
+    <dgm:txEffectClrLst/>
+  </dgm:styleLbl>
+  <dgm:styleLbl name="fgShp">
+    <dgm:fillClrLst meth="repeat">
+      <a:schemeClr val="accent1">
+        <a:tint val="60000"/>
+      </a:schemeClr>
+    </dgm:fillClrLst>
+    <dgm:linClrLst meth="repeat">
+      <a:schemeClr val="lt1"/>
+    </dgm:linClrLst>
+    <dgm:effectClrLst/>
+    <dgm:txLinClrLst/>
+    <dgm:txFillClrLst meth="repeat">
+      <a:schemeClr val="dk1"/>
+    </dgm:txFillClrLst>
+    <dgm:txEffectClrLst/>
+  </dgm:styleLbl>
+  <dgm:styleLbl name="revTx">
+    <dgm:fillClrLst meth="repeat">
+      <a:schemeClr val="lt1">
+        <a:alpha val="0"/>
+      </a:schemeClr>
+    </dgm:fillClrLst>
+    <dgm:linClrLst meth="repeat">
+      <a:schemeClr val="dk1">
+        <a:alpha val="0"/>
+      </a:schemeClr>
+    </dgm:linClrLst>
+    <dgm:effectClrLst/>
+    <dgm:txLinClrLst/>
+    <dgm:txFillClrLst meth="repeat">
+      <a:schemeClr val="tx1"/>
+    </dgm:txFillClrLst>
+    <dgm:txEffectClrLst/>
+  </dgm:styleLbl>
+</dgm:colorsDef>
+</file>
+
+<file path=ppt/diagrams/data1.xml><?xml version="1.0" encoding="utf-8"?>
+<dgm:dataModel xmlns:dgm="http://schemas.openxmlformats.org/drawingml/2006/diagram" xmlns:a="http://schemas.openxmlformats.org/drawingml/2006/main">
+  <dgm:ptLst>
+    <dgm:pt modelId="{D54CAC42-5519-4514-B5BC-D1A0BFEB27EE}" type="doc">
+      <dgm:prSet loTypeId="urn:microsoft.com/office/officeart/2005/8/layout/chevron1" loCatId="process" qsTypeId="urn:microsoft.com/office/officeart/2005/8/quickstyle/simple1" qsCatId="simple" csTypeId="urn:microsoft.com/office/officeart/2005/8/colors/accent1_2" csCatId="accent1" phldr="1"/>
+      <dgm:spPr/>
+    </dgm:pt>
+    <dgm:pt modelId="{4D00676F-88CA-4FBD-9FCD-4B528C4E5E85}">
+      <dgm:prSet phldrT="[Text]"/>
+      <dgm:spPr/>
+      <dgm:t>
+        <a:bodyPr/>
+        <a:lstStyle/>
+        <a:p>
+          <a:r>
+            <a:rPr lang="en-US" dirty="0" smtClean="0"/>
+            <a:t>Chrome</a:t>
+          </a:r>
+          <a:endParaRPr lang="en-US" dirty="0"/>
+        </a:p>
+      </dgm:t>
+    </dgm:pt>
+    <dgm:pt modelId="{5C7FDEB1-05A7-4CDF-9A4C-ACBA12CA7813}" type="parTrans" cxnId="{0AC763E6-3052-4A5B-870C-5C35D2A571BB}">
+      <dgm:prSet/>
+      <dgm:spPr/>
+      <dgm:t>
+        <a:bodyPr/>
+        <a:lstStyle/>
+        <a:p>
+          <a:endParaRPr lang="en-US"/>
+        </a:p>
+      </dgm:t>
+    </dgm:pt>
+    <dgm:pt modelId="{84317895-0ADC-47A4-A6E9-C37E0F4360B2}" type="sibTrans" cxnId="{0AC763E6-3052-4A5B-870C-5C35D2A571BB}">
+      <dgm:prSet/>
+      <dgm:spPr/>
+      <dgm:t>
+        <a:bodyPr/>
+        <a:lstStyle/>
+        <a:p>
+          <a:endParaRPr lang="en-US"/>
+        </a:p>
+      </dgm:t>
+    </dgm:pt>
+    <dgm:pt modelId="{CC8118E3-463D-41BD-97AC-20DA81FEB650}">
+      <dgm:prSet phldrT="[Text]"/>
+      <dgm:spPr/>
+      <dgm:t>
+        <a:bodyPr/>
+        <a:lstStyle/>
+        <a:p>
+          <a:r>
+            <a:rPr lang="en-US" dirty="0" smtClean="0"/>
+            <a:t>Firefox</a:t>
+          </a:r>
+          <a:endParaRPr lang="en-US" dirty="0"/>
+        </a:p>
+      </dgm:t>
+    </dgm:pt>
+    <dgm:pt modelId="{3C5CD225-CDEB-45F9-8FDE-8F4B06C81555}" type="parTrans" cxnId="{47AD9B8E-EE6D-4D69-BC20-C5F0C08482D2}">
+      <dgm:prSet/>
+      <dgm:spPr/>
+      <dgm:t>
+        <a:bodyPr/>
+        <a:lstStyle/>
+        <a:p>
+          <a:endParaRPr lang="en-US"/>
+        </a:p>
+      </dgm:t>
+    </dgm:pt>
+    <dgm:pt modelId="{9B09435D-7632-4F04-B4AE-5538836CF0C6}" type="sibTrans" cxnId="{47AD9B8E-EE6D-4D69-BC20-C5F0C08482D2}">
+      <dgm:prSet/>
+      <dgm:spPr/>
+      <dgm:t>
+        <a:bodyPr/>
+        <a:lstStyle/>
+        <a:p>
+          <a:endParaRPr lang="en-US"/>
+        </a:p>
+      </dgm:t>
+    </dgm:pt>
+    <dgm:pt modelId="{920914B2-706A-468D-876B-84B824FACA21}">
+      <dgm:prSet phldrT="[Text]"/>
+      <dgm:spPr/>
+      <dgm:t>
+        <a:bodyPr/>
+        <a:lstStyle/>
+        <a:p>
+          <a:r>
+            <a:rPr lang="en-US" dirty="0" smtClean="0"/>
+            <a:t>Internet Explorer</a:t>
+          </a:r>
+          <a:endParaRPr lang="en-US" dirty="0"/>
+        </a:p>
+      </dgm:t>
+    </dgm:pt>
+    <dgm:pt modelId="{6D59028D-B202-4799-8728-1EF81F99605E}" type="parTrans" cxnId="{7B600BE2-EF44-4113-9934-3E1F01ED0847}">
+      <dgm:prSet/>
+      <dgm:spPr/>
+      <dgm:t>
+        <a:bodyPr/>
+        <a:lstStyle/>
+        <a:p>
+          <a:endParaRPr lang="en-US"/>
+        </a:p>
+      </dgm:t>
+    </dgm:pt>
+    <dgm:pt modelId="{3A3092AB-FC8A-404B-B5A4-8561BFC8DE21}" type="sibTrans" cxnId="{7B600BE2-EF44-4113-9934-3E1F01ED0847}">
+      <dgm:prSet/>
+      <dgm:spPr/>
+      <dgm:t>
+        <a:bodyPr/>
+        <a:lstStyle/>
+        <a:p>
+          <a:endParaRPr lang="en-US"/>
+        </a:p>
+      </dgm:t>
+    </dgm:pt>
+    <dgm:pt modelId="{160292AB-C4E3-4563-BCAD-87885076AF30}" type="pres">
+      <dgm:prSet presAssocID="{D54CAC42-5519-4514-B5BC-D1A0BFEB27EE}" presName="Name0" presStyleCnt="0">
+        <dgm:presLayoutVars>
+          <dgm:dir/>
+          <dgm:animLvl val="lvl"/>
+          <dgm:resizeHandles val="exact"/>
+        </dgm:presLayoutVars>
+      </dgm:prSet>
+      <dgm:spPr/>
+    </dgm:pt>
+    <dgm:pt modelId="{33791715-CF7F-495B-9CB8-A408D7F1C291}" type="pres">
+      <dgm:prSet presAssocID="{4D00676F-88CA-4FBD-9FCD-4B528C4E5E85}" presName="parTxOnly" presStyleLbl="node1" presStyleIdx="0" presStyleCnt="3">
+        <dgm:presLayoutVars>
+          <dgm:chMax val="0"/>
+          <dgm:chPref val="0"/>
+          <dgm:bulletEnabled val="1"/>
+        </dgm:presLayoutVars>
+      </dgm:prSet>
+      <dgm:spPr/>
+    </dgm:pt>
+    <dgm:pt modelId="{A0E85F1E-39CD-4A83-866A-A285064CECAD}" type="pres">
+      <dgm:prSet presAssocID="{84317895-0ADC-47A4-A6E9-C37E0F4360B2}" presName="parTxOnlySpace" presStyleCnt="0"/>
+      <dgm:spPr/>
+    </dgm:pt>
+    <dgm:pt modelId="{57B10E05-A8F4-4D3D-A28B-E74945B10759}" type="pres">
+      <dgm:prSet presAssocID="{CC8118E3-463D-41BD-97AC-20DA81FEB650}" presName="parTxOnly" presStyleLbl="node1" presStyleIdx="1" presStyleCnt="3">
+        <dgm:presLayoutVars>
+          <dgm:chMax val="0"/>
+          <dgm:chPref val="0"/>
+          <dgm:bulletEnabled val="1"/>
+        </dgm:presLayoutVars>
+      </dgm:prSet>
+      <dgm:spPr/>
+    </dgm:pt>
+    <dgm:pt modelId="{1CA8CA9C-42A0-4417-9E7F-EBE4F9D06D00}" type="pres">
+      <dgm:prSet presAssocID="{9B09435D-7632-4F04-B4AE-5538836CF0C6}" presName="parTxOnlySpace" presStyleCnt="0"/>
+      <dgm:spPr/>
+    </dgm:pt>
+    <dgm:pt modelId="{CABBE020-5913-4E63-A83D-46317209DA3C}" type="pres">
+      <dgm:prSet presAssocID="{920914B2-706A-468D-876B-84B824FACA21}" presName="parTxOnly" presStyleLbl="node1" presStyleIdx="2" presStyleCnt="3">
+        <dgm:presLayoutVars>
+          <dgm:chMax val="0"/>
+          <dgm:chPref val="0"/>
+          <dgm:bulletEnabled val="1"/>
+        </dgm:presLayoutVars>
+      </dgm:prSet>
+      <dgm:spPr/>
+    </dgm:pt>
+  </dgm:ptLst>
+  <dgm:cxnLst>
+    <dgm:cxn modelId="{F5556A58-434D-4786-8563-99E5265548D4}" type="presOf" srcId="{4D00676F-88CA-4FBD-9FCD-4B528C4E5E85}" destId="{33791715-CF7F-495B-9CB8-A408D7F1C291}" srcOrd="0" destOrd="0" presId="urn:microsoft.com/office/officeart/2005/8/layout/chevron1"/>
+    <dgm:cxn modelId="{9C0BDA17-3F3E-4BD2-BFE1-C32F573AF480}" type="presOf" srcId="{920914B2-706A-468D-876B-84B824FACA21}" destId="{CABBE020-5913-4E63-A83D-46317209DA3C}" srcOrd="0" destOrd="0" presId="urn:microsoft.com/office/officeart/2005/8/layout/chevron1"/>
+    <dgm:cxn modelId="{47AD9B8E-EE6D-4D69-BC20-C5F0C08482D2}" srcId="{D54CAC42-5519-4514-B5BC-D1A0BFEB27EE}" destId="{CC8118E3-463D-41BD-97AC-20DA81FEB650}" srcOrd="1" destOrd="0" parTransId="{3C5CD225-CDEB-45F9-8FDE-8F4B06C81555}" sibTransId="{9B09435D-7632-4F04-B4AE-5538836CF0C6}"/>
+    <dgm:cxn modelId="{0AC763E6-3052-4A5B-870C-5C35D2A571BB}" srcId="{D54CAC42-5519-4514-B5BC-D1A0BFEB27EE}" destId="{4D00676F-88CA-4FBD-9FCD-4B528C4E5E85}" srcOrd="0" destOrd="0" parTransId="{5C7FDEB1-05A7-4CDF-9A4C-ACBA12CA7813}" sibTransId="{84317895-0ADC-47A4-A6E9-C37E0F4360B2}"/>
+    <dgm:cxn modelId="{7B600BE2-EF44-4113-9934-3E1F01ED0847}" srcId="{D54CAC42-5519-4514-B5BC-D1A0BFEB27EE}" destId="{920914B2-706A-468D-876B-84B824FACA21}" srcOrd="2" destOrd="0" parTransId="{6D59028D-B202-4799-8728-1EF81F99605E}" sibTransId="{3A3092AB-FC8A-404B-B5A4-8561BFC8DE21}"/>
+    <dgm:cxn modelId="{ACAB3778-8918-4B36-9091-BFD83925D3CB}" type="presOf" srcId="{CC8118E3-463D-41BD-97AC-20DA81FEB650}" destId="{57B10E05-A8F4-4D3D-A28B-E74945B10759}" srcOrd="0" destOrd="0" presId="urn:microsoft.com/office/officeart/2005/8/layout/chevron1"/>
+    <dgm:cxn modelId="{FB26E2CB-B941-47CB-AFFA-5EB3D1843F51}" type="presOf" srcId="{D54CAC42-5519-4514-B5BC-D1A0BFEB27EE}" destId="{160292AB-C4E3-4563-BCAD-87885076AF30}" srcOrd="0" destOrd="0" presId="urn:microsoft.com/office/officeart/2005/8/layout/chevron1"/>
+    <dgm:cxn modelId="{0879F2D8-8096-4B9C-9C0B-4343A385143F}" type="presParOf" srcId="{160292AB-C4E3-4563-BCAD-87885076AF30}" destId="{33791715-CF7F-495B-9CB8-A408D7F1C291}" srcOrd="0" destOrd="0" presId="urn:microsoft.com/office/officeart/2005/8/layout/chevron1"/>
+    <dgm:cxn modelId="{B47AD79E-7D8C-4E16-835C-185558135CB0}" type="presParOf" srcId="{160292AB-C4E3-4563-BCAD-87885076AF30}" destId="{A0E85F1E-39CD-4A83-866A-A285064CECAD}" srcOrd="1" destOrd="0" presId="urn:microsoft.com/office/officeart/2005/8/layout/chevron1"/>
+    <dgm:cxn modelId="{ED970E19-7BF4-44BC-8060-EE0E994BE4EB}" type="presParOf" srcId="{160292AB-C4E3-4563-BCAD-87885076AF30}" destId="{57B10E05-A8F4-4D3D-A28B-E74945B10759}" srcOrd="2" destOrd="0" presId="urn:microsoft.com/office/officeart/2005/8/layout/chevron1"/>
+    <dgm:cxn modelId="{EF66ACFE-0AD1-4AC0-9232-1081E873519D}" type="presParOf" srcId="{160292AB-C4E3-4563-BCAD-87885076AF30}" destId="{1CA8CA9C-42A0-4417-9E7F-EBE4F9D06D00}" srcOrd="3" destOrd="0" presId="urn:microsoft.com/office/officeart/2005/8/layout/chevron1"/>
+    <dgm:cxn modelId="{AC1BE13C-3F55-43B4-BD9C-A565CC1493C6}" type="presParOf" srcId="{160292AB-C4E3-4563-BCAD-87885076AF30}" destId="{CABBE020-5913-4E63-A83D-46317209DA3C}" srcOrd="4" destOrd="0" presId="urn:microsoft.com/office/officeart/2005/8/layout/chevron1"/>
+  </dgm:cxnLst>
+  <dgm:bg/>
+  <dgm:whole/>
+  <dgm:extLst>
+    <a:ext uri="http://schemas.microsoft.com/office/drawing/2008/diagram">
+      <dsp:dataModelExt xmlns:dsp="http://schemas.microsoft.com/office/drawing/2008/diagram" relId="rId6" minVer="http://schemas.openxmlformats.org/drawingml/2006/diagram"/>
+    </a:ext>
+  </dgm:extLst>
+</dgm:dataModel>
+</file>
+
+<file path=ppt/diagrams/drawing1.xml><?xml version="1.0" encoding="utf-8"?>
+<dsp:drawing xmlns:dgm="http://schemas.openxmlformats.org/drawingml/2006/diagram" xmlns:dsp="http://schemas.microsoft.com/office/drawing/2008/diagram" xmlns:a="http://schemas.openxmlformats.org/drawingml/2006/main">
+  <dsp:spTree>
+    <dsp:nvGrpSpPr>
+      <dsp:cNvPr id="0" name=""/>
+      <dsp:cNvGrpSpPr/>
+    </dsp:nvGrpSpPr>
+    <dsp:grpSpPr/>
+    <dsp:sp modelId="{33791715-CF7F-495B-9CB8-A408D7F1C291}">
+      <dsp:nvSpPr>
+        <dsp:cNvPr id="0" name=""/>
+        <dsp:cNvSpPr/>
+      </dsp:nvSpPr>
+      <dsp:spPr>
+        <a:xfrm>
+          <a:off x="3080" y="1424994"/>
+          <a:ext cx="3753370" cy="1501348"/>
+        </a:xfrm>
+        <a:prstGeom prst="chevron">
+          <a:avLst/>
+        </a:prstGeom>
+        <a:solidFill>
+          <a:schemeClr val="accent1">
+            <a:hueOff val="0"/>
+            <a:satOff val="0"/>
+            <a:lumOff val="0"/>
+            <a:alphaOff val="0"/>
+          </a:schemeClr>
+        </a:solidFill>
+        <a:ln w="12700" cap="flat" cmpd="sng" algn="ctr">
+          <a:solidFill>
+            <a:schemeClr val="lt1">
+              <a:hueOff val="0"/>
+              <a:satOff val="0"/>
+              <a:lumOff val="0"/>
+              <a:alphaOff val="0"/>
+            </a:schemeClr>
+          </a:solidFill>
+          <a:prstDash val="solid"/>
+          <a:miter lim="800000"/>
+        </a:ln>
+        <a:effectLst/>
+      </dsp:spPr>
+      <dsp:style>
+        <a:lnRef idx="2">
+          <a:scrgbClr r="0" g="0" b="0"/>
+        </a:lnRef>
+        <a:fillRef idx="1">
+          <a:scrgbClr r="0" g="0" b="0"/>
+        </a:fillRef>
+        <a:effectRef idx="0">
+          <a:scrgbClr r="0" g="0" b="0"/>
+        </a:effectRef>
+        <a:fontRef idx="minor">
+          <a:schemeClr val="lt1"/>
+        </a:fontRef>
+      </dsp:style>
+      <dsp:txBody>
+        <a:bodyPr spcFirstLastPara="0" vert="horz" wrap="square" lIns="176022" tIns="58674" rIns="58674" bIns="58674" numCol="1" spcCol="1270" anchor="ctr" anchorCtr="0">
+          <a:noAutofit/>
+        </a:bodyPr>
+        <a:lstStyle/>
+        <a:p>
+          <a:pPr lvl="0" algn="ctr" defTabSz="1955800">
+            <a:lnSpc>
+              <a:spcPct val="90000"/>
+            </a:lnSpc>
+            <a:spcBef>
+              <a:spcPct val="0"/>
+            </a:spcBef>
+            <a:spcAft>
+              <a:spcPct val="35000"/>
+            </a:spcAft>
+          </a:pPr>
+          <a:r>
+            <a:rPr lang="en-US" sz="4400" kern="1200" dirty="0" smtClean="0"/>
+            <a:t>Chrome</a:t>
+          </a:r>
+          <a:endParaRPr lang="en-US" sz="4400" kern="1200" dirty="0"/>
+        </a:p>
+      </dsp:txBody>
+      <dsp:txXfrm>
+        <a:off x="753754" y="1424994"/>
+        <a:ext cx="2252022" cy="1501348"/>
+      </dsp:txXfrm>
+    </dsp:sp>
+    <dsp:sp modelId="{57B10E05-A8F4-4D3D-A28B-E74945B10759}">
+      <dsp:nvSpPr>
+        <dsp:cNvPr id="0" name=""/>
+        <dsp:cNvSpPr/>
+      </dsp:nvSpPr>
+      <dsp:spPr>
+        <a:xfrm>
+          <a:off x="3381114" y="1424994"/>
+          <a:ext cx="3753370" cy="1501348"/>
+        </a:xfrm>
+        <a:prstGeom prst="chevron">
+          <a:avLst/>
+        </a:prstGeom>
+        <a:solidFill>
+          <a:schemeClr val="accent1">
+            <a:hueOff val="0"/>
+            <a:satOff val="0"/>
+            <a:lumOff val="0"/>
+            <a:alphaOff val="0"/>
+          </a:schemeClr>
+        </a:solidFill>
+        <a:ln w="12700" cap="flat" cmpd="sng" algn="ctr">
+          <a:solidFill>
+            <a:schemeClr val="lt1">
+              <a:hueOff val="0"/>
+              <a:satOff val="0"/>
+              <a:lumOff val="0"/>
+              <a:alphaOff val="0"/>
+            </a:schemeClr>
+          </a:solidFill>
+          <a:prstDash val="solid"/>
+          <a:miter lim="800000"/>
+        </a:ln>
+        <a:effectLst/>
+      </dsp:spPr>
+      <dsp:style>
+        <a:lnRef idx="2">
+          <a:scrgbClr r="0" g="0" b="0"/>
+        </a:lnRef>
+        <a:fillRef idx="1">
+          <a:scrgbClr r="0" g="0" b="0"/>
+        </a:fillRef>
+        <a:effectRef idx="0">
+          <a:scrgbClr r="0" g="0" b="0"/>
+        </a:effectRef>
+        <a:fontRef idx="minor">
+          <a:schemeClr val="lt1"/>
+        </a:fontRef>
+      </dsp:style>
+      <dsp:txBody>
+        <a:bodyPr spcFirstLastPara="0" vert="horz" wrap="square" lIns="176022" tIns="58674" rIns="58674" bIns="58674" numCol="1" spcCol="1270" anchor="ctr" anchorCtr="0">
+          <a:noAutofit/>
+        </a:bodyPr>
+        <a:lstStyle/>
+        <a:p>
+          <a:pPr lvl="0" algn="ctr" defTabSz="1955800">
+            <a:lnSpc>
+              <a:spcPct val="90000"/>
+            </a:lnSpc>
+            <a:spcBef>
+              <a:spcPct val="0"/>
+            </a:spcBef>
+            <a:spcAft>
+              <a:spcPct val="35000"/>
+            </a:spcAft>
+          </a:pPr>
+          <a:r>
+            <a:rPr lang="en-US" sz="4400" kern="1200" dirty="0" smtClean="0"/>
+            <a:t>Firefox</a:t>
+          </a:r>
+          <a:endParaRPr lang="en-US" sz="4400" kern="1200" dirty="0"/>
+        </a:p>
+      </dsp:txBody>
+      <dsp:txXfrm>
+        <a:off x="4131788" y="1424994"/>
+        <a:ext cx="2252022" cy="1501348"/>
+      </dsp:txXfrm>
+    </dsp:sp>
+    <dsp:sp modelId="{CABBE020-5913-4E63-A83D-46317209DA3C}">
+      <dsp:nvSpPr>
+        <dsp:cNvPr id="0" name=""/>
+        <dsp:cNvSpPr/>
+      </dsp:nvSpPr>
+      <dsp:spPr>
+        <a:xfrm>
+          <a:off x="6759148" y="1424994"/>
+          <a:ext cx="3753370" cy="1501348"/>
+        </a:xfrm>
+        <a:prstGeom prst="chevron">
+          <a:avLst/>
+        </a:prstGeom>
+        <a:solidFill>
+          <a:schemeClr val="accent1">
+            <a:hueOff val="0"/>
+            <a:satOff val="0"/>
+            <a:lumOff val="0"/>
+            <a:alphaOff val="0"/>
+          </a:schemeClr>
+        </a:solidFill>
+        <a:ln w="12700" cap="flat" cmpd="sng" algn="ctr">
+          <a:solidFill>
+            <a:schemeClr val="lt1">
+              <a:hueOff val="0"/>
+              <a:satOff val="0"/>
+              <a:lumOff val="0"/>
+              <a:alphaOff val="0"/>
+            </a:schemeClr>
+          </a:solidFill>
+          <a:prstDash val="solid"/>
+          <a:miter lim="800000"/>
+        </a:ln>
+        <a:effectLst/>
+      </dsp:spPr>
+      <dsp:style>
+        <a:lnRef idx="2">
+          <a:scrgbClr r="0" g="0" b="0"/>
+        </a:lnRef>
+        <a:fillRef idx="1">
+          <a:scrgbClr r="0" g="0" b="0"/>
+        </a:fillRef>
+        <a:effectRef idx="0">
+          <a:scrgbClr r="0" g="0" b="0"/>
+        </a:effectRef>
+        <a:fontRef idx="minor">
+          <a:schemeClr val="lt1"/>
+        </a:fontRef>
+      </dsp:style>
+      <dsp:txBody>
+        <a:bodyPr spcFirstLastPara="0" vert="horz" wrap="square" lIns="176022" tIns="58674" rIns="58674" bIns="58674" numCol="1" spcCol="1270" anchor="ctr" anchorCtr="0">
+          <a:noAutofit/>
+        </a:bodyPr>
+        <a:lstStyle/>
+        <a:p>
+          <a:pPr lvl="0" algn="ctr" defTabSz="1955800">
+            <a:lnSpc>
+              <a:spcPct val="90000"/>
+            </a:lnSpc>
+            <a:spcBef>
+              <a:spcPct val="0"/>
+            </a:spcBef>
+            <a:spcAft>
+              <a:spcPct val="35000"/>
+            </a:spcAft>
+          </a:pPr>
+          <a:r>
+            <a:rPr lang="en-US" sz="4400" kern="1200" dirty="0" smtClean="0"/>
+            <a:t>Internet Explorer</a:t>
+          </a:r>
+          <a:endParaRPr lang="en-US" sz="4400" kern="1200" dirty="0"/>
+        </a:p>
+      </dsp:txBody>
+      <dsp:txXfrm>
+        <a:off x="7509822" y="1424994"/>
+        <a:ext cx="2252022" cy="1501348"/>
+      </dsp:txXfrm>
+    </dsp:sp>
+  </dsp:spTree>
+</dsp:drawing>
+</file>
+
+<file path=ppt/diagrams/layout1.xml><?xml version="1.0" encoding="utf-8"?>
+<dgm:layoutDef xmlns:dgm="http://schemas.openxmlformats.org/drawingml/2006/diagram" xmlns:a="http://schemas.openxmlformats.org/drawingml/2006/main" uniqueId="urn:microsoft.com/office/officeart/2005/8/layout/chevron1">
+  <dgm:title val=""/>
+  <dgm:desc val=""/>
+  <dgm:catLst>
+    <dgm:cat type="process" pri="9000"/>
+  </dgm:catLst>
+  <dgm:sampData useDef="1">
+    <dgm:dataModel>
+      <dgm:ptLst/>
+      <dgm:bg/>
+      <dgm:whole/>
+    </dgm:dataModel>
+  </dgm:sampData>
+  <dgm:styleData>
+    <dgm:dataModel>
+      <dgm:ptLst>
+        <dgm:pt modelId="0" type="doc"/>
+        <dgm:pt modelId="1"/>
+        <dgm:pt modelId="2"/>
+      </dgm:ptLst>
+      <dgm:cxnLst>
+        <dgm:cxn modelId="3" srcId="0" destId="1" srcOrd="0" destOrd="0"/>
+        <dgm:cxn modelId="4" srcId="0" destId="2" srcOrd="1" destOrd="0"/>
+      </dgm:cxnLst>
+      <dgm:bg/>
+      <dgm:whole/>
+    </dgm:dataModel>
+  </dgm:styleData>
+  <dgm:clrData>
+    <dgm:dataModel>
+      <dgm:ptLst>
+        <dgm:pt modelId="0" type="doc"/>
+        <dgm:pt modelId="1"/>
+        <dgm:pt modelId="2"/>
+        <dgm:pt modelId="3"/>
+        <dgm:pt modelId="4"/>
+      </dgm:ptLst>
+      <dgm:cxnLst>
+        <dgm:cxn modelId="5" srcId="0" destId="1" srcOrd="0" destOrd="0"/>
+        <dgm:cxn modelId="6" srcId="0" destId="2" srcOrd="1" destOrd="0"/>
+        <dgm:cxn modelId="7" srcId="0" destId="3" srcOrd="2" destOrd="0"/>
+        <dgm:cxn modelId="8" srcId="0" destId="4" srcOrd="3" destOrd="0"/>
+      </dgm:cxnLst>
+      <dgm:bg/>
+      <dgm:whole/>
+    </dgm:dataModel>
+  </dgm:clrData>
+  <dgm:layoutNode name="Name0">
+    <dgm:varLst>
+      <dgm:dir/>
+      <dgm:animLvl val="lvl"/>
+      <dgm:resizeHandles val="exact"/>
+    </dgm:varLst>
+    <dgm:choose name="Name1">
+      <dgm:if name="Name2" func="var" arg="dir" op="equ" val="norm">
+        <dgm:alg type="lin"/>
+      </dgm:if>
+      <dgm:else name="Name3">
+        <dgm:alg type="lin">
+          <dgm:param type="linDir" val="fromR"/>
+        </dgm:alg>
+      </dgm:else>
+    </dgm:choose>
+    <dgm:shape xmlns:r="http://schemas.openxmlformats.org/officeDocument/2006/relationships" r:blip="">
+      <dgm:adjLst/>
+    </dgm:shape>
+    <dgm:presOf/>
+    <dgm:choose name="Name4">
+      <dgm:if name="Name5" axis="des" func="maxDepth" op="gte" val="2">
+        <dgm:constrLst>
+          <dgm:constr type="h" for="ch" forName="composite" refType="h"/>
+          <dgm:constr type="w" for="ch" forName="composite" refType="w"/>
+          <dgm:constr type="w" for="des" forName="parTx"/>
+          <dgm:constr type="h" for="des" forName="parTx" op="equ"/>
+          <dgm:constr type="w" for="des" forName="desTx"/>
+          <dgm:constr type="h" for="des" forName="desTx" op="equ"/>
+          <dgm:constr type="primFontSz" for="des" forName="parTx" val="65"/>
+          <dgm:constr type="secFontSz" for="des" forName="desTx" refType="primFontSz" refFor="des" refForName="parTx" op="equ"/>
+          <dgm:constr type="h" for="des" forName="parTx" refType="primFontSz" refFor="des" refForName="parTx" fact="1.5"/>
+          <dgm:constr type="h" for="des" forName="desTx" refType="primFontSz" refFor="des" refForName="parTx" fact="0.5"/>
+          <dgm:constr type="w" for="ch" forName="space" op="equ" val="-6"/>
+        </dgm:constrLst>
+        <dgm:ruleLst>
+          <dgm:rule type="w" for="ch" forName="composite" val="0" fact="NaN" max="NaN"/>
+          <dgm:rule type="primFontSz" for="des" forName="parTx" val="5" fact="NaN" max="NaN"/>
+        </dgm:ruleLst>
+        <dgm:forEach name="Name6" axis="ch" ptType="node">
+          <dgm:layoutNode name="composite">
+            <dgm:alg type="composite"/>
+            <dgm:shape xmlns:r="http://schemas.openxmlformats.org/officeDocument/2006/relationships" r:blip="">
+              <dgm:adjLst/>
+            </dgm:shape>
+            <dgm:presOf/>
+            <dgm:choose name="Name7">
+              <dgm:if name="Name8" func="var" arg="dir" op="equ" val="norm">
+                <dgm:constrLst>
+                  <dgm:constr type="l" for="ch" forName="parTx"/>
+                  <dgm:constr type="w" for="ch" forName="parTx" refType="w"/>
+                  <dgm:constr type="t" for="ch" forName="parTx"/>
+                  <dgm:constr type="l" for="ch" forName="desTx"/>
+                  <dgm:constr type="w" for="ch" forName="desTx" refType="w" refFor="ch" refForName="parTx" fact="0.8"/>
+                  <dgm:constr type="t" for="ch" forName="desTx" refType="h" refFor="ch" refForName="parTx" fact="1.125"/>
+                </dgm:constrLst>
+              </dgm:if>
+              <dgm:else name="Name9">
+                <dgm:constrLst>
+                  <dgm:constr type="l" for="ch" forName="parTx"/>
+                  <dgm:constr type="w" for="ch" forName="parTx" refType="w"/>
+                  <dgm:constr type="t" for="ch" forName="parTx"/>
+                  <dgm:constr type="l" for="ch" forName="desTx" refType="w" fact="0.2"/>
+                  <dgm:constr type="w" for="ch" forName="desTx" refType="w" refFor="ch" refForName="parTx" fact="0.8"/>
+                  <dgm:constr type="t" for="ch" forName="desTx" refType="h" refFor="ch" refForName="parTx" fact="1.125"/>
+                </dgm:constrLst>
+              </dgm:else>
+            </dgm:choose>
+            <dgm:ruleLst>
+              <dgm:rule type="h" val="INF" fact="NaN" max="NaN"/>
+            </dgm:ruleLst>
+            <dgm:layoutNode name="parTx">
+              <dgm:varLst>
+                <dgm:chMax val="0"/>
+                <dgm:chPref val="0"/>
+                <dgm:bulletEnabled val="1"/>
+              </dgm:varLst>
+              <dgm:alg type="tx"/>
+              <dgm:choose name="Name10">
+                <dgm:if name="Name11" func="var" arg="dir" op="equ" val="norm">
+                  <dgm:shape xmlns:r="http://schemas.openxmlformats.org/officeDocument/2006/relationships" type="chevron" r:blip="">
+                    <dgm:adjLst/>
+                  </dgm:shape>
+                </dgm:if>
+                <dgm:else name="Name12">
+                  <dgm:shape xmlns:r="http://schemas.openxmlformats.org/officeDocument/2006/relationships" rot="180" type="chevron" r:blip="">
+                    <dgm:adjLst/>
+                  </dgm:shape>
+                </dgm:else>
+              </dgm:choose>
+              <dgm:presOf axis="self" ptType="node"/>
+              <dgm:choose name="Name13">
+                <dgm:if name="Name14" func="var" arg="dir" op="equ" val="norm">
+                  <dgm:constrLst>
+                    <dgm:constr type="h" refType="w" op="lte" fact="0.4"/>
+                    <dgm:constr type="h"/>
+                    <dgm:constr type="tMarg" refType="primFontSz" fact="0.105"/>
+                    <dgm:constr type="bMarg" refType="primFontSz" fact="0.105"/>
+                    <dgm:constr type="lMarg" refType="primFontSz" fact="0.315"/>
+                    <dgm:constr type="rMarg" refType="primFontSz" fact="0.105"/>
+                  </dgm:constrLst>
+                </dgm:if>
+                <dgm:else name="Name15">
+                  <dgm:constrLst>
+                    <dgm:constr type="h" refType="w" op="lte" fact="0.4"/>
+                    <dgm:constr type="h"/>
+                    <dgm:constr type="tMarg" refType="primFontSz" fact="0.105"/>
+                    <dgm:constr type="bMarg" refType="primFontSz" fact="0.105"/>
+                    <dgm:constr type="lMarg" refType="primFontSz" fact="0.105"/>
+                    <dgm:constr type="rMarg" refType="primFontSz" fact="0.315"/>
+                  </dgm:constrLst>
+                </dgm:else>
+              </dgm:choose>
+              <dgm:ruleLst>
+                <dgm:rule type="h" val="INF" fact="NaN" max="NaN"/>
+              </dgm:ruleLst>
+            </dgm:layoutNode>
+            <dgm:layoutNode name="desTx" styleLbl="revTx">
+              <dgm:varLst>
+                <dgm:bulletEnabled val="1"/>
+              </dgm:varLst>
+              <dgm:alg type="tx">
+                <dgm:param type="stBulletLvl" val="1"/>
+              </dgm:alg>
+              <dgm:choose name="Name16">
+                <dgm:if name="Name17" axis="ch" ptType="node" func="cnt" op="gte" val="1">
+                  <dgm:shape xmlns:r="http://schemas.openxmlformats.org/officeDocument/2006/relationships" type="rect" r:blip="">
+                    <dgm:adjLst/>
+                  </dgm:shape>
+                </dgm:if>
+                <dgm:else name="Name18">
+                  <dgm:shape xmlns:r="http://schemas.openxmlformats.org/officeDocument/2006/relationships" type="rect" r:blip="" hideGeom="1">
+                    <dgm:adjLst/>
+                  </dgm:shape>
+                </dgm:else>
+              </dgm:choose>
+              <dgm:presOf axis="des" ptType="node"/>
+              <dgm:constrLst>
+                <dgm:constr type="secFontSz" val="65"/>
+                <dgm:constr type="primFontSz" refType="secFontSz"/>
+                <dgm:constr type="h"/>
+                <dgm:constr type="tMarg"/>
+                <dgm:constr type="bMarg"/>
+                <dgm:constr type="rMarg"/>
+                <dgm:constr type="lMarg"/>
+              </dgm:constrLst>
+              <dgm:ruleLst>
+                <dgm:rule type="h" val="INF" fact="NaN" max="NaN"/>
+              </dgm:ruleLst>
+            </dgm:layoutNode>
+          </dgm:layoutNode>
+          <dgm:forEach name="Name19" axis="followSib" ptType="sibTrans" cnt="1">
+            <dgm:layoutNode name="space">
+              <dgm:alg type="sp"/>
+              <dgm:shape xmlns:r="http://schemas.openxmlformats.org/officeDocument/2006/relationships" r:blip="">
+                <dgm:adjLst/>
+              </dgm:shape>
+              <dgm:presOf/>
+              <dgm:constrLst/>
+              <dgm:ruleLst/>
+            </dgm:layoutNode>
+          </dgm:forEach>
+        </dgm:forEach>
+      </dgm:if>
+      <dgm:else name="Name20">
+        <dgm:constrLst>
+          <dgm:constr type="w" for="ch" forName="parTxOnly" refType="w"/>
+          <dgm:constr type="h" for="des" forName="parTxOnly" op="equ"/>
+          <dgm:constr type="primFontSz" for="des" forName="parTxOnly" op="equ" val="65"/>
+          <dgm:constr type="w" for="ch" forName="parTxOnlySpace" refType="w" refFor="ch" refForName="parTxOnly" fact="-0.1"/>
+        </dgm:constrLst>
+        <dgm:ruleLst/>
+        <dgm:forEach name="Name21" axis="ch" ptType="node">
+          <dgm:layoutNode name="parTxOnly">
+            <dgm:varLst>
+              <dgm:chMax val="0"/>
+              <dgm:chPref val="0"/>
+              <dgm:bulletEnabled val="1"/>
+            </dgm:varLst>
+            <dgm:alg type="tx"/>
+            <dgm:choose name="Name22">
+              <dgm:if name="Name23" func="var" arg="dir" op="equ" val="norm">
+                <dgm:shape xmlns:r="http://schemas.openxmlformats.org/officeDocument/2006/relationships" type="chevron" r:blip="">
+                  <dgm:adjLst/>
+                </dgm:shape>
+              </dgm:if>
+              <dgm:else name="Name24">
+                <dgm:shape xmlns:r="http://schemas.openxmlformats.org/officeDocument/2006/relationships" rot="180" type="chevron" r:blip="">
+                  <dgm:adjLst/>
+                </dgm:shape>
+              </dgm:else>
+            </dgm:choose>
+            <dgm:presOf axis="self" ptType="node"/>
+            <dgm:choose name="Name25">
+              <dgm:if name="Name26" func="var" arg="dir" op="equ" val="norm">
+                <dgm:constrLst>
+                  <dgm:constr type="h" refType="w" op="equ" fact="0.4"/>
+                  <dgm:constr type="tMarg" refType="primFontSz" fact="0.105"/>
+                  <dgm:constr type="bMarg" refType="primFontSz" fact="0.105"/>
+                  <dgm:constr type="lMarg" refType="primFontSz" fact="0.315"/>
+                  <dgm:constr type="rMarg" refType="primFontSz" fact="0.105"/>
+                </dgm:constrLst>
+              </dgm:if>
+              <dgm:else name="Name27">
+                <dgm:constrLst>
+                  <dgm:constr type="h" refType="w" op="equ" fact="0.4"/>
+                  <dgm:constr type="tMarg" refType="primFontSz" fact="0.105"/>
+                  <dgm:constr type="bMarg" refType="primFontSz" fact="0.105"/>
+                  <dgm:constr type="lMarg" refType="primFontSz" fact="0.105"/>
+                  <dgm:constr type="rMarg" refType="primFontSz" fact="0.315"/>
+                </dgm:constrLst>
+              </dgm:else>
+            </dgm:choose>
+            <dgm:ruleLst>
+              <dgm:rule type="primFontSz" val="5" fact="NaN" max="NaN"/>
+            </dgm:ruleLst>
+          </dgm:layoutNode>
+          <dgm:forEach name="Name28" axis="followSib" ptType="sibTrans" cnt="1">
+            <dgm:layoutNode name="parTxOnlySpace">
+              <dgm:alg type="sp"/>
+              <dgm:shape xmlns:r="http://schemas.openxmlformats.org/officeDocument/2006/relationships" r:blip="">
+                <dgm:adjLst/>
+              </dgm:shape>
+              <dgm:presOf/>
+              <dgm:constrLst/>
+              <dgm:ruleLst/>
+            </dgm:layoutNode>
+          </dgm:forEach>
+        </dgm:forEach>
+      </dgm:else>
+    </dgm:choose>
+  </dgm:layoutNode>
+</dgm:layoutDef>
+</file>
+
+<file path=ppt/diagrams/quickStyle1.xml><?xml version="1.0" encoding="utf-8"?>
+<dgm:styleDef xmlns:dgm="http://schemas.openxmlformats.org/drawingml/2006/diagram" xmlns:a="http://schemas.openxmlformats.org/drawingml/2006/main" uniqueId="urn:microsoft.com/office/officeart/2005/8/quickstyle/simple1">
+  <dgm:title val=""/>
+  <dgm:desc val=""/>
+  <dgm:catLst>
+    <dgm:cat type="simple" pri="10100"/>
+  </dgm:catLst>
+  <dgm:scene3d>
+    <a:camera prst="orthographicFront"/>
+    <a:lightRig rig="threePt" dir="t"/>
+  </dgm:scene3d>
+  <dgm:styleLbl name="node0">
+    <dgm:scene3d>
+      <a:camera prst="orthographicFront"/>
+      <a:lightRig rig="threePt" dir="t"/>
+    </dgm:scene3d>
+    <dgm:sp3d/>
+    <dgm:txPr/>
+    <dgm:style>
+      <a:lnRef idx="2">
+        <a:scrgbClr r="0" g="0" b="0"/>
+      </a:lnRef>
+      <a:fillRef idx="1">
+        <a:scrgbClr r="0" g="0" b="0"/>
+      </a:fillRef>
+      <a:effectRef idx="0">
+        <a:scrgbClr r="0" g="0" b="0"/>
+      </a:effectRef>
+      <a:fontRef idx="minor">
+        <a:schemeClr val="lt1"/>
+      </a:fontRef>
+    </dgm:style>
+  </dgm:styleLbl>
+  <dgm:styleLbl name="lnNode1">
+    <dgm:scene3d>
+      <a:camera prst="orthographicFront"/>
+      <a:lightRig rig="threePt" dir="t"/>
+    </dgm:scene3d>
+    <dgm:sp3d/>
+    <dgm:txPr/>
+    <dgm:style>
+      <a:lnRef idx="2">
+        <a:scrgbClr r="0" g="0" b="0"/>
+      </a:lnRef>
+      <a:fillRef idx="1">
+        <a:scrgbClr r="0" g="0" b="0"/>
+      </a:fillRef>
+      <a:effectRef idx="0">
+        <a:scrgbClr r="0" g="0" b="0"/>
+      </a:effectRef>
+      <a:fontRef idx="minor">
+        <a:schemeClr val="lt1"/>
+      </a:fontRef>
+    </dgm:style>
+  </dgm:styleLbl>
+  <dgm:styleLbl name="vennNode1">
+    <dgm:scene3d>
+      <a:camera prst="orthographicFront"/>
+      <a:lightRig rig="threePt" dir="t"/>
+    </dgm:scene3d>
+    <dgm:sp3d/>
+    <dgm:txPr/>
+    <dgm:style>
+      <a:lnRef idx="2">
+        <a:scrgbClr r="0" g="0" b="0"/>
+      </a:lnRef>
+      <a:fillRef idx="1">
+        <a:scrgbClr r="0" g="0" b="0"/>
+      </a:fillRef>
+      <a:effectRef idx="0">
+        <a:scrgbClr r="0" g="0" b="0"/>
+      </a:effectRef>
+      <a:fontRef idx="minor">
+        <a:schemeClr val="tx1"/>
+      </a:fontRef>
+    </dgm:style>
+  </dgm:styleLbl>
+  <dgm:styleLbl name="alignNode1">
+    <dgm:scene3d>
+      <a:camera prst="orthographicFront"/>
+      <a:lightRig rig="threePt" dir="t"/>
+    </dgm:scene3d>
+    <dgm:sp3d/>
+    <dgm:txPr/>
+    <dgm:style>
+      <a:lnRef idx="2">
+        <a:scrgbClr r="0" g="0" b="0"/>
+      </a:lnRef>
+      <a:fillRef idx="1">
+        <a:scrgbClr r="0" g="0" b="0"/>
+      </a:fillRef>
+      <a:effectRef idx="0">
+        <a:scrgbClr r="0" g="0" b="0"/>
+      </a:effectRef>
+      <a:fontRef idx="minor">
+        <a:schemeClr val="lt1"/>
+      </a:fontRef>
+    </dgm:style>
+  </dgm:styleLbl>
+  <dgm:styleLbl name="node1">
+    <dgm:scene3d>
+      <a:camera prst="orthographicFront"/>
+      <a:lightRig rig="threePt" dir="t"/>
+    </dgm:scene3d>
+    <dgm:sp3d/>
+    <dgm:txPr/>
+    <dgm:style>
+      <a:lnRef idx="2">
+        <a:scrgbClr r="0" g="0" b="0"/>
+      </a:lnRef>
+      <a:fillRef idx="1">
+        <a:scrgbClr r="0" g="0" b="0"/>
+      </a:fillRef>
+      <a:effectRef idx="0">
+        <a:scrgbClr r="0" g="0" b="0"/>
+      </a:effectRef>
+      <a:fontRef idx="minor">
+        <a:schemeClr val="lt1"/>
+      </a:fontRef>
+    </dgm:style>
+  </dgm:styleLbl>
+  <dgm:styleLbl name="node2">
+    <dgm:scene3d>
+      <a:camera prst="orthographicFront"/>
+      <a:lightRig rig="threePt" dir="t"/>
+    </dgm:scene3d>
+    <dgm:sp3d/>
+    <dgm:txPr/>
+    <dgm:style>
+      <a:lnRef idx="2">
+        <a:scrgbClr r="0" g="0" b="0"/>
+      </a:lnRef>
+      <a:fillRef idx="1">
+        <a:scrgbClr r="0" g="0" b="0"/>
+      </a:fillRef>
+      <a:effectRef idx="0">
+        <a:scrgbClr r="0" g="0" b="0"/>
+      </a:effectRef>
+      <a:fontRef idx="minor">
+        <a:schemeClr val="lt1"/>
+      </a:fontRef>
+    </dgm:style>
+  </dgm:styleLbl>
+  <dgm:styleLbl name="node3">
+    <dgm:scene3d>
+      <a:camera prst="orthographicFront"/>
+      <a:lightRig rig="threePt" dir="t"/>
+    </dgm:scene3d>
+    <dgm:sp3d/>
+    <dgm:txPr/>
+    <dgm:style>
+      <a:lnRef idx="2">
+        <a:scrgbClr r="0" g="0" b="0"/>
+      </a:lnRef>
+      <a:fillRef idx="1">
+        <a:scrgbClr r="0" g="0" b="0"/>
+      </a:fillRef>
+      <a:effectRef idx="0">
+        <a:scrgbClr r="0" g="0" b="0"/>
+      </a:effectRef>
+      <a:fontRef idx="minor">
+        <a:schemeClr val="lt1"/>
+      </a:fontRef>
+    </dgm:style>
+  </dgm:styleLbl>
+  <dgm:styleLbl name="node4">
+    <dgm:scene3d>
+      <a:camera prst="orthographicFront"/>
+      <a:lightRig rig="threePt" dir="t"/>
+    </dgm:scene3d>
+    <dgm:sp3d/>
+    <dgm:txPr/>
+    <dgm:style>
+      <a:lnRef idx="2">
+        <a:scrgbClr r="0" g="0" b="0"/>
+      </a:lnRef>
+      <a:fillRef idx="1">
+        <a:scrgbClr r="0" g="0" b="0"/>
+      </a:fillRef>
+      <a:effectRef idx="0">
+        <a:scrgbClr r="0" g="0" b="0"/>
+      </a:effectRef>
+      <a:fontRef idx="minor">
+        <a:schemeClr val="lt1"/>
+      </a:fontRef>
+    </dgm:style>
+  </dgm:styleLbl>
+  <dgm:styleLbl name="fgImgPlace1">
+    <dgm:scene3d>
+      <a:camera prst="orthographicFront"/>
+      <a:lightRig rig="threePt" dir="t"/>
+    </dgm:scene3d>
+    <dgm:sp3d/>
+    <dgm:txPr/>
+    <dgm:style>
+      <a:lnRef idx="2">
+        <a:scrgbClr r="0" g="0" b="0"/>
+      </a:lnRef>
+      <a:fillRef idx="1">
+        <a:scrgbClr r="0" g="0" b="0"/>
+      </a:fillRef>
+      <a:effectRef idx="0">
+        <a:scrgbClr r="0" g="0" b="0"/>
+      </a:effectRef>
+      <a:fontRef idx="minor"/>
+    </dgm:style>
+  </dgm:styleLbl>
+  <dgm:styleLbl name="alignImgPlace1">
+    <dgm:scene3d>
+      <a:camera prst="orthographicFront"/>
+      <a:lightRig rig="threePt" dir="t"/>
+    </dgm:scene3d>
+    <dgm:sp3d/>
+    <dgm:txPr/>
+    <dgm:style>
+      <a:lnRef idx="2">
+        <a:scrgbClr r="0" g="0" b="0"/>
+      </a:lnRef>
+      <a:fillRef idx="1">
+        <a:scrgbClr r="0" g="0" b="0"/>
+      </a:fillRef>
+      <a:effectRef idx="0">
+        <a:scrgbClr r="0" g="0" b="0"/>
+      </a:effectRef>
+      <a:fontRef idx="minor"/>
+    </dgm:style>
+  </dgm:styleLbl>
+  <dgm:styleLbl name="bgImgPlace1">
+    <dgm:scene3d>
+      <a:camera prst="orthographicFront"/>
+      <a:lightRig rig="threePt" dir="t"/>
+    </dgm:scene3d>
+    <dgm:sp3d/>
+    <dgm:txPr/>
+    <dgm:style>
+      <a:lnRef idx="2">
+        <a:scrgbClr r="0" g="0" b="0"/>
+      </a:lnRef>
+      <a:fillRef idx="1">
+        <a:scrgbClr r="0" g="0" b="0"/>
+      </a:fillRef>
+      <a:effectRef idx="0">
+        <a:scrgbClr r="0" g="0" b="0"/>
+      </a:effectRef>
+      <a:fontRef idx="minor"/>
+    </dgm:style>
+  </dgm:styleLbl>
+  <dgm:styleLbl name="sibTrans2D1">
+    <dgm:scene3d>
+      <a:camera prst="orthographicFront"/>
+      <a:lightRig rig="threePt" dir="t"/>
+    </dgm:scene3d>
+    <dgm:sp3d/>
+    <dgm:txPr/>
+    <dgm:style>
+      <a:lnRef idx="0">
+        <a:scrgbClr r="0" g="0" b="0"/>
+      </a:lnRef>
+      <a:fillRef idx="1">
+        <a:scrgbClr r="0" g="0" b="0"/>
+      </a:fillRef>
+      <a:effectRef idx="0">
+        <a:scrgbClr r="0" g="0" b="0"/>
+      </a:effectRef>
+      <a:fontRef idx="minor">
+        <a:schemeClr val="lt1"/>
+      </a:fontRef>
+    </dgm:style>
+  </dgm:styleLbl>
+  <dgm:styleLbl name="fgSibTrans2D1">
+    <dgm:scene3d>
+      <a:camera prst="orthographicFront"/>
+      <a:lightRig rig="threePt" dir="t"/>
+    </dgm:scene3d>
+    <dgm:sp3d/>
+    <dgm:txPr/>
+    <dgm:style>
+      <a:lnRef idx="0">
+        <a:scrgbClr r="0" g="0" b="0"/>
+      </a:lnRef>
+      <a:fillRef idx="1">
+        <a:scrgbClr r="0" g="0" b="0"/>
+      </a:fillRef>
+      <a:effectRef idx="0">
+        <a:scrgbClr r="0" g="0" b="0"/>
+      </a:effectRef>
+      <a:fontRef idx="minor">
+        <a:schemeClr val="lt1"/>
+      </a:fontRef>
+    </dgm:style>
+  </dgm:styleLbl>
+  <dgm:styleLbl name="bgSibTrans2D1">
+    <dgm:scene3d>
+      <a:camera prst="orthographicFront"/>
+      <a:lightRig rig="threePt" dir="t"/>
+    </dgm:scene3d>
+    <dgm:sp3d/>
+    <dgm:txPr/>
+    <dgm:style>
+      <a:lnRef idx="0">
+        <a:scrgbClr r="0" g="0" b="0"/>
+      </a:lnRef>
+      <a:fillRef idx="1">
+        <a:scrgbClr r="0" g="0" b="0"/>
+      </a:fillRef>
+      <a:effectRef idx="0">
+        <a:scrgbClr r="0" g="0" b="0"/>
+      </a:effectRef>
+      <a:fontRef idx="minor">
+        <a:schemeClr val="lt1"/>
+      </a:fontRef>
+    </dgm:style>
+  </dgm:styleLbl>
+  <dgm:styleLbl name="sibTrans1D1">
+    <dgm:scene3d>
+      <a:camera prst="orthographicFront"/>
+      <a:lightRig rig="threePt" dir="t"/>
+    </dgm:scene3d>
+    <dgm:sp3d/>
+    <dgm:txPr/>
+    <dgm:style>
+      <a:lnRef idx="1">
+        <a:scrgbClr r="0" g="0" b="0"/>
+      </a:lnRef>
+      <a:fillRef idx="0">
+        <a:scrgbClr r="0" g="0" b="0"/>
+      </a:fillRef>
+      <a:effectRef idx="0">
+        <a:scrgbClr r="0" g="0" b="0"/>
+      </a:effectRef>
+      <a:fontRef idx="minor"/>
+    </dgm:style>
+  </dgm:styleLbl>
+  <dgm:styleLbl name="callout">
+    <dgm:scene3d>
+      <a:camera prst="orthographicFront"/>
+      <a:lightRig rig="threePt" dir="t"/>
+    </dgm:scene3d>
+    <dgm:sp3d/>
+    <dgm:txPr/>
+    <dgm:style>
+      <a:lnRef idx="2">
+        <a:scrgbClr r="0" g="0" b="0"/>
+      </a:lnRef>
+      <a:fillRef idx="1">
+        <a:scrgbClr r="0" g="0" b="0"/>
+      </a:fillRef>
+      <a:effectRef idx="0">
+        <a:scrgbClr r="0" g="0" b="0"/>
+      </a:effectRef>
+      <a:fontRef idx="minor"/>
+    </dgm:style>
+  </dgm:styleLbl>
+  <dgm:styleLbl name="asst0">
+    <dgm:scene3d>
+      <a:camera prst="orthographicFront"/>
+      <a:lightRig rig="threePt" dir="t"/>
+    </dgm:scene3d>
+    <dgm:sp3d/>
+    <dgm:txPr/>
+    <dgm:style>
+      <a:lnRef idx="2">
+        <a:scrgbClr r="0" g="0" b="0"/>
+      </a:lnRef>
+      <a:fillRef idx="1">
+        <a:scrgbClr r="0" g="0" b="0"/>
+      </a:fillRef>
+      <a:effectRef idx="0">
+        <a:scrgbClr r="0" g="0" b="0"/>
+      </a:effectRef>
+      <a:fontRef idx="minor">
+        <a:schemeClr val="lt1"/>
+      </a:fontRef>
+    </dgm:style>
+  </dgm:styleLbl>
+  <dgm:styleLbl name="asst1">
+    <dgm:scene3d>
+      <a:camera prst="orthographicFront"/>
+      <a:lightRig rig="threePt" dir="t"/>
+    </dgm:scene3d>
+    <dgm:sp3d/>
+    <dgm:txPr/>
+    <dgm:style>
+      <a:lnRef idx="2">
+        <a:scrgbClr r="0" g="0" b="0"/>
+      </a:lnRef>
+      <a:fillRef idx="1">
+        <a:scrgbClr r="0" g="0" b="0"/>
+      </a:fillRef>
+      <a:effectRef idx="0">
+        <a:scrgbClr r="0" g="0" b="0"/>
+      </a:effectRef>
+      <a:fontRef idx="minor">
+        <a:schemeClr val="lt1"/>
+      </a:fontRef>
+    </dgm:style>
+  </dgm:styleLbl>
+  <dgm:styleLbl name="asst2">
+    <dgm:scene3d>
+      <a:camera prst="orthographicFront"/>
+      <a:lightRig rig="threePt" dir="t"/>
+    </dgm:scene3d>
+    <dgm:sp3d/>
+    <dgm:txPr/>
+    <dgm:style>
+      <a:lnRef idx="2">
+        <a:scrgbClr r="0" g="0" b="0"/>
+      </a:lnRef>
+      <a:fillRef idx="1">
+        <a:scrgbClr r="0" g="0" b="0"/>
+      </a:fillRef>
+      <a:effectRef idx="0">
+        <a:scrgbClr r="0" g="0" b="0"/>
+      </a:effectRef>
+      <a:fontRef idx="minor">
+        <a:schemeClr val="lt1"/>
+      </a:fontRef>
+    </dgm:style>
+  </dgm:styleLbl>
+  <dgm:styleLbl name="asst3">
+    <dgm:scene3d>
+      <a:camera prst="orthographicFront"/>
+      <a:lightRig rig="threePt" dir="t"/>
+    </dgm:scene3d>
+    <dgm:sp3d/>
+    <dgm:txPr/>
+    <dgm:style>
+      <a:lnRef idx="2">
+        <a:scrgbClr r="0" g="0" b="0"/>
+      </a:lnRef>
+      <a:fillRef idx="1">
+        <a:scrgbClr r="0" g="0" b="0"/>
+      </a:fillRef>
+      <a:effectRef idx="0">
+        <a:scrgbClr r="0" g="0" b="0"/>
+      </a:effectRef>
+      <a:fontRef idx="minor">
+        <a:schemeClr val="lt1"/>
+      </a:fontRef>
+    </dgm:style>
+  </dgm:styleLbl>
+  <dgm:styleLbl name="asst4">
+    <dgm:scene3d>
+      <a:camera prst="orthographicFront"/>
+      <a:lightRig rig="threePt" dir="t"/>
+    </dgm:scene3d>
+    <dgm:sp3d/>
+    <dgm:txPr/>
+    <dgm:style>
+      <a:lnRef idx="2">
+        <a:scrgbClr r="0" g="0" b="0"/>
+      </a:lnRef>
+      <a:fillRef idx="1">
+        <a:scrgbClr r="0" g="0" b="0"/>
+      </a:fillRef>
+      <a:effectRef idx="0">
+        <a:scrgbClr r="0" g="0" b="0"/>
+      </a:effectRef>
+      <a:fontRef idx="minor">
+        <a:schemeClr val="lt1"/>
+      </a:fontRef>
+    </dgm:style>
+  </dgm:styleLbl>
+  <dgm:styleLbl name="parChTrans2D1">
+    <dgm:scene3d>
+      <a:camera prst="orthographicFront"/>
+      <a:lightRig rig="threePt" dir="t"/>
+    </dgm:scene3d>
+    <dgm:sp3d/>
+    <dgm:txPr/>
+    <dgm:style>
+      <a:lnRef idx="2">
+        <a:scrgbClr r="0" g="0" b="0"/>
+      </a:lnRef>
+      <a:fillRef idx="1">
+        <a:scrgbClr r="0" g="0" b="0"/>
+      </a:fillRef>
+      <a:effectRef idx="0">
+        <a:scrgbClr r="0" g="0" b="0"/>
+      </a:effectRef>
+      <a:fontRef idx="minor">
+        <a:schemeClr val="lt1"/>
+      </a:fontRef>
+    </dgm:style>
+  </dgm:styleLbl>
+  <dgm:styleLbl name="parChTrans2D2">
+    <dgm:scene3d>
+      <a:camera prst="orthographicFront"/>
+      <a:lightRig rig="threePt" dir="t"/>
+    </dgm:scene3d>
+    <dgm:sp3d/>
+    <dgm:txPr/>
+    <dgm:style>
+      <a:lnRef idx="2">
+        <a:scrgbClr r="0" g="0" b="0"/>
+      </a:lnRef>
+      <a:fillRef idx="1">
+        <a:scrgbClr r="0" g="0" b="0"/>
+      </a:fillRef>
+      <a:effectRef idx="0">
+        <a:scrgbClr r="0" g="0" b="0"/>
+      </a:effectRef>
+      <a:fontRef idx="minor">
+        <a:schemeClr val="lt1"/>
+      </a:fontRef>
+    </dgm:style>
+  </dgm:styleLbl>
+  <dgm:styleLbl name="parChTrans2D3">
+    <dgm:scene3d>
+      <a:camera prst="orthographicFront"/>
+      <a:lightRig rig="threePt" dir="t"/>
+    </dgm:scene3d>
+    <dgm:sp3d/>
+    <dgm:txPr/>
+    <dgm:style>
+      <a:lnRef idx="2">
+        <a:scrgbClr r="0" g="0" b="0"/>
+      </a:lnRef>
+      <a:fillRef idx="1">
+        <a:scrgbClr r="0" g="0" b="0"/>
+      </a:fillRef>
+      <a:effectRef idx="0">
+        <a:scrgbClr r="0" g="0" b="0"/>
+      </a:effectRef>
+      <a:fontRef idx="minor">
+        <a:schemeClr val="lt1"/>
+      </a:fontRef>
+    </dgm:style>
+  </dgm:styleLbl>
+  <dgm:styleLbl name="parChTrans2D4">
+    <dgm:scene3d>
+      <a:camera prst="orthographicFront"/>
+      <a:lightRig rig="threePt" dir="t"/>
+    </dgm:scene3d>
+    <dgm:sp3d/>
+    <dgm:txPr/>
+    <dgm:style>
+      <a:lnRef idx="2">
+        <a:scrgbClr r="0" g="0" b="0"/>
+      </a:lnRef>
+      <a:fillRef idx="1">
+        <a:scrgbClr r="0" g="0" b="0"/>
+      </a:fillRef>
+      <a:effectRef idx="0">
+        <a:scrgbClr r="0" g="0" b="0"/>
+      </a:effectRef>
+      <a:fontRef idx="minor">
+        <a:schemeClr val="lt1"/>
+      </a:fontRef>
+    </dgm:style>
+  </dgm:styleLbl>
+  <dgm:styleLbl name="parChTrans1D1">
+    <dgm:scene3d>
+      <a:camera prst="orthographicFront"/>
+      <a:lightRig rig="threePt" dir="t"/>
+    </dgm:scene3d>
+    <dgm:sp3d/>
+    <dgm:txPr/>
+    <dgm:style>
+      <a:lnRef idx="2">
+        <a:scrgbClr r="0" g="0" b="0"/>
+      </a:lnRef>
+      <a:fillRef idx="0">
+        <a:scrgbClr r="0" g="0" b="0"/>
+      </a:fillRef>
+      <a:effectRef idx="0">
+        <a:scrgbClr r="0" g="0" b="0"/>
+      </a:effectRef>
+      <a:fontRef idx="minor"/>
+    </dgm:style>
+  </dgm:styleLbl>
+  <dgm:styleLbl name="parChTrans1D2">
+    <dgm:scene3d>
+      <a:camera prst="orthographicFront"/>
+      <a:lightRig rig="threePt" dir="t"/>
+    </dgm:scene3d>
+    <dgm:sp3d/>
+    <dgm:txPr/>
+    <dgm:style>
+      <a:lnRef idx="2">
+        <a:scrgbClr r="0" g="0" b="0"/>
+      </a:lnRef>
+      <a:fillRef idx="0">
+        <a:scrgbClr r="0" g="0" b="0"/>
+      </a:fillRef>
+      <a:effectRef idx="0">
+        <a:scrgbClr r="0" g="0" b="0"/>
+      </a:effectRef>
+      <a:fontRef idx="minor"/>
+    </dgm:style>
+  </dgm:styleLbl>
+  <dgm:styleLbl name="parChTrans1D3">
+    <dgm:scene3d>
+      <a:camera prst="orthographicFront"/>
+      <a:lightRig rig="threePt" dir="t"/>
+    </dgm:scene3d>
+    <dgm:sp3d/>
+    <dgm:txPr/>
+    <dgm:style>
+      <a:lnRef idx="2">
+        <a:scrgbClr r="0" g="0" b="0"/>
+      </a:lnRef>
+      <a:fillRef idx="0">
+        <a:scrgbClr r="0" g="0" b="0"/>
+      </a:fillRef>
+      <a:effectRef idx="0">
+        <a:scrgbClr r="0" g="0" b="0"/>
+      </a:effectRef>
+      <a:fontRef idx="minor"/>
+    </dgm:style>
+  </dgm:styleLbl>
+  <dgm:styleLbl name="parChTrans1D4">
+    <dgm:scene3d>
+      <a:camera prst="orthographicFront"/>
+      <a:lightRig rig="threePt" dir="t"/>
+    </dgm:scene3d>
+    <dgm:sp3d/>
+    <dgm:txPr/>
+    <dgm:style>
+      <a:lnRef idx="2">
+        <a:scrgbClr r="0" g="0" b="0"/>
+      </a:lnRef>
+      <a:fillRef idx="0">
+        <a:scrgbClr r="0" g="0" b="0"/>
+      </a:fillRef>
+      <a:effectRef idx="0">
+        <a:scrgbClr r="0" g="0" b="0"/>
+      </a:effectRef>
+      <a:fontRef idx="minor"/>
+    </dgm:style>
+  </dgm:styleLbl>
+  <dgm:styleLbl name="fgAcc1">
+    <dgm:scene3d>
+      <a:camera prst="orthographicFront"/>
+      <a:lightRig rig="threePt" dir="t"/>
+    </dgm:scene3d>
+    <dgm:sp3d/>
+    <dgm:txPr/>
+    <dgm:style>
+      <a:lnRef idx="2">
+        <a:scrgbClr r="0" g="0" b="0"/>
+      </a:lnRef>
+      <a:fillRef idx="1">
+        <a:scrgbClr r="0" g="0" b="0"/>
+      </a:fillRef>
+      <a:effectRef idx="0">
+        <a:scrgbClr r="0" g="0" b="0"/>
+      </a:effectRef>
+      <a:fontRef idx="minor"/>
+    </dgm:style>
+  </dgm:styleLbl>
+  <dgm:styleLbl name="conFgAcc1">
+    <dgm:scene3d>
+      <a:camera prst="orthographicFront"/>
+      <a:lightRig rig="threePt" dir="t"/>
+    </dgm:scene3d>
+    <dgm:sp3d/>
+    <dgm:txPr/>
+    <dgm:style>
+      <a:lnRef idx="2">
+        <a:scrgbClr r="0" g="0" b="0"/>
+      </a:lnRef>
+      <a:fillRef idx="1">
+        <a:scrgbClr r="0" g="0" b="0"/>
+      </a:fillRef>
+      <a:effectRef idx="0">
+        <a:scrgbClr r="0" g="0" b="0"/>
+      </a:effectRef>
+      <a:fontRef idx="minor"/>
+    </dgm:style>
+  </dgm:styleLbl>
+  <dgm:styleLbl name="alignAcc1">
+    <dgm:scene3d>
+      <a:camera prst="orthographicFront"/>
+      <a:lightRig rig="threePt" dir="t"/>
+    </dgm:scene3d>
+    <dgm:sp3d/>
+    <dgm:txPr/>
+    <dgm:style>
+      <a:lnRef idx="2">
+        <a:scrgbClr r="0" g="0" b="0"/>
+      </a:lnRef>
+      <a:fillRef idx="1">
+        <a:scrgbClr r="0" g="0" b="0"/>
+      </a:fillRef>
+      <a:effectRef idx="0">
+        <a:scrgbClr r="0" g="0" b="0"/>
+      </a:effectRef>
+      <a:fontRef idx="minor"/>
+    </dgm:style>
+  </dgm:styleLbl>
+  <dgm:styleLbl name="trAlignAcc1">
+    <dgm:scene3d>
+      <a:camera prst="orthographicFront"/>
+      <a:lightRig rig="threePt" dir="t"/>
+    </dgm:scene3d>
+    <dgm:sp3d/>
+    <dgm:txPr/>
+    <dgm:style>
+      <a:lnRef idx="1">
+        <a:scrgbClr r="0" g="0" b="0"/>
+      </a:lnRef>
+      <a:fillRef idx="1">
+        <a:scrgbClr r="0" g="0" b="0"/>
+      </a:fillRef>
+      <a:effectRef idx="0">
+        <a:scrgbClr r="0" g="0" b="0"/>
+      </a:effectRef>
+      <a:fontRef idx="minor"/>
+    </dgm:style>
+  </dgm:styleLbl>
+  <dgm:styleLbl name="bgAcc1">
+    <dgm:scene3d>
+      <a:camera prst="orthographicFront"/>
+      <a:lightRig rig="threePt" dir="t"/>
+    </dgm:scene3d>
+    <dgm:sp3d/>
+    <dgm:txPr/>
+    <dgm:style>
+      <a:lnRef idx="2">
+        <a:scrgbClr r="0" g="0" b="0"/>
+      </a:lnRef>
+      <a:fillRef idx="1">
+        <a:scrgbClr r="0" g="0" b="0"/>
+      </a:fillRef>
+      <a:effectRef idx="0">
+        <a:scrgbClr r="0" g="0" b="0"/>
+      </a:effectRef>
+      <a:fontRef idx="minor"/>
+    </dgm:style>
+  </dgm:styleLbl>
+  <dgm:styleLbl name="solidFgAcc1">
+    <dgm:scene3d>
+      <a:camera prst="orthographicFront"/>
+      <a:lightRig rig="threePt" dir="t"/>
+    </dgm:scene3d>
+    <dgm:sp3d/>
+    <dgm:txPr/>
+    <dgm:style>
+      <a:lnRef idx="2">
+        <a:scrgbClr r="0" g="0" b="0"/>
+      </a:lnRef>
+      <a:fillRef idx="1">
+        <a:scrgbClr r="0" g="0" b="0"/>
+      </a:fillRef>
+      <a:effectRef idx="0">
+        <a:scrgbClr r="0" g="0" b="0"/>
+      </a:effectRef>
+      <a:fontRef idx="minor"/>
+    </dgm:style>
+  </dgm:styleLbl>
+  <dgm:styleLbl name="solidAlignAcc1">
+    <dgm:scene3d>
+      <a:camera prst="orthographicFront"/>
+      <a:lightRig rig="threePt" dir="t"/>
+    </dgm:scene3d>
+    <dgm:sp3d/>
+    <dgm:txPr/>
+    <dgm:style>
+      <a:lnRef idx="2">
+        <a:scrgbClr r="0" g="0" b="0"/>
+      </a:lnRef>
+      <a:fillRef idx="1">
+        <a:scrgbClr r="0" g="0" b="0"/>
+      </a:fillRef>
+      <a:effectRef idx="0">
+        <a:scrgbClr r="0" g="0" b="0"/>
+      </a:effectRef>
+      <a:fontRef idx="minor"/>
+    </dgm:style>
+  </dgm:styleLbl>
+  <dgm:styleLbl name="solidBgAcc1">
+    <dgm:scene3d>
+      <a:camera prst="orthographicFront"/>
+      <a:lightRig rig="threePt" dir="t"/>
+    </dgm:scene3d>
+    <dgm:sp3d/>
+    <dgm:txPr/>
+    <dgm:style>
+      <a:lnRef idx="2">
+        <a:scrgbClr r="0" g="0" b="0"/>
+      </a:lnRef>
+      <a:fillRef idx="1">
+        <a:scrgbClr r="0" g="0" b="0"/>
+      </a:fillRef>
+      <a:effectRef idx="0">
+        <a:scrgbClr r="0" g="0" b="0"/>
+      </a:effectRef>
+      <a:fontRef idx="minor"/>
+    </dgm:style>
+  </dgm:styleLbl>
+  <dgm:styleLbl name="fgAccFollowNode1">
+    <dgm:scene3d>
+      <a:camera prst="orthographicFront"/>
+      <a:lightRig rig="threePt" dir="t"/>
+    </dgm:scene3d>
+    <dgm:sp3d/>
+    <dgm:txPr/>
+    <dgm:style>
+      <a:lnRef idx="2">
+        <a:scrgbClr r="0" g="0" b="0"/>
+      </a:lnRef>
+      <a:fillRef idx="1">
+        <a:scrgbClr r="0" g="0" b="0"/>
+      </a:fillRef>
+      <a:effectRef idx="0">
+        <a:scrgbClr r="0" g="0" b="0"/>
+      </a:effectRef>
+      <a:fontRef idx="minor"/>
+    </dgm:style>
+  </dgm:styleLbl>
+  <dgm:styleLbl name="alignAccFollowNode1">
+    <dgm:scene3d>
+      <a:camera prst="orthographicFront"/>
+      <a:lightRig rig="threePt" dir="t"/>
+    </dgm:scene3d>
+    <dgm:sp3d/>
+    <dgm:txPr/>
+    <dgm:style>
+      <a:lnRef idx="2">
+        <a:scrgbClr r="0" g="0" b="0"/>
+      </a:lnRef>
+      <a:fillRef idx="1">
+        <a:scrgbClr r="0" g="0" b="0"/>
+      </a:fillRef>
+      <a:effectRef idx="0">
+        <a:scrgbClr r="0" g="0" b="0"/>
+      </a:effectRef>
+      <a:fontRef idx="minor"/>
+    </dgm:style>
+  </dgm:styleLbl>
+  <dgm:styleLbl name="bgAccFollowNode1">
+    <dgm:scene3d>
+      <a:camera prst="orthographicFront"/>
+      <a:lightRig rig="threePt" dir="t"/>
+    </dgm:scene3d>
+    <dgm:sp3d/>
+    <dgm:txPr/>
+    <dgm:style>
+      <a:lnRef idx="2">
+        <a:scrgbClr r="0" g="0" b="0"/>
+      </a:lnRef>
+      <a:fillRef idx="1">
+        <a:scrgbClr r="0" g="0" b="0"/>
+      </a:fillRef>
+      <a:effectRef idx="0">
+        <a:scrgbClr r="0" g="0" b="0"/>
+      </a:effectRef>
+      <a:fontRef idx="minor"/>
+    </dgm:style>
+  </dgm:styleLbl>
+  <dgm:styleLbl name="fgAcc0">
+    <dgm:scene3d>
+      <a:camera prst="orthographicFront"/>
+      <a:lightRig rig="threePt" dir="t"/>
+    </dgm:scene3d>
+    <dgm:sp3d/>
+    <dgm:txPr/>
+    <dgm:style>
+      <a:lnRef idx="2">
+        <a:scrgbClr r="0" g="0" b="0"/>
+      </a:lnRef>
+      <a:fillRef idx="1">
+        <a:scrgbClr r="0" g="0" b="0"/>
+      </a:fillRef>
+      <a:effectRef idx="0">
+        <a:scrgbClr r="0" g="0" b="0"/>
+      </a:effectRef>
+      <a:fontRef idx="minor"/>
+    </dgm:style>
+  </dgm:styleLbl>
+  <dgm:styleLbl name="fgAcc2">
+    <dgm:scene3d>
+      <a:camera prst="orthographicFront"/>
+      <a:lightRig rig="threePt" dir="t"/>
+    </dgm:scene3d>
+    <dgm:sp3d/>
+    <dgm:txPr/>
+    <dgm:style>
+      <a:lnRef idx="2">
+        <a:scrgbClr r="0" g="0" b="0"/>
+      </a:lnRef>
+      <a:fillRef idx="1">
+        <a:scrgbClr r="0" g="0" b="0"/>
+      </a:fillRef>
+      <a:effectRef idx="0">
+        <a:scrgbClr r="0" g="0" b="0"/>
+      </a:effectRef>
+      <a:fontRef idx="minor"/>
+    </dgm:style>
+  </dgm:styleLbl>
+  <dgm:styleLbl name="fgAcc3">
+    <dgm:scene3d>
+      <a:camera prst="orthographicFront"/>
+      <a:lightRig rig="threePt" dir="t"/>
+    </dgm:scene3d>
+    <dgm:sp3d/>
+    <dgm:txPr/>
+    <dgm:style>
+      <a:lnRef idx="2">
+        <a:scrgbClr r="0" g="0" b="0"/>
+      </a:lnRef>
+      <a:fillRef idx="1">
+        <a:scrgbClr r="0" g="0" b="0"/>
+      </a:fillRef>
+      <a:effectRef idx="0">
+        <a:scrgbClr r="0" g="0" b="0"/>
+      </a:effectRef>
+      <a:fontRef idx="minor"/>
+    </dgm:style>
+  </dgm:styleLbl>
+  <dgm:styleLbl name="fgAcc4">
+    <dgm:scene3d>
+      <a:camera prst="orthographicFront"/>
+      <a:lightRig rig="threePt" dir="t"/>
+    </dgm:scene3d>
+    <dgm:sp3d/>
+    <dgm:txPr/>
+    <dgm:style>
+      <a:lnRef idx="2">
+        <a:scrgbClr r="0" g="0" b="0"/>
+      </a:lnRef>
+      <a:fillRef idx="1">
+        <a:scrgbClr r="0" g="0" b="0"/>
+      </a:fillRef>
+      <a:effectRef idx="0">
+        <a:scrgbClr r="0" g="0" b="0"/>
+      </a:effectRef>
+      <a:fontRef idx="minor"/>
+    </dgm:style>
+  </dgm:styleLbl>
+  <dgm:styleLbl name="bgShp">
+    <dgm:scene3d>
+      <a:camera prst="orthographicFront"/>
+      <a:lightRig rig="threePt" dir="t"/>
+    </dgm:scene3d>
+    <dgm:sp3d/>
+    <dgm:txPr/>
+    <dgm:style>
+      <a:lnRef idx="0">
+        <a:scrgbClr r="0" g="0" b="0"/>
+      </a:lnRef>
+      <a:fillRef idx="1">
+        <a:scrgbClr r="0" g="0" b="0"/>
+      </a:fillRef>
+      <a:effectRef idx="0">
+        <a:scrgbClr r="0" g="0" b="0"/>
+      </a:effectRef>
+      <a:fontRef idx="minor"/>
+    </dgm:style>
+  </dgm:styleLbl>
+  <dgm:styleLbl name="dkBgShp">
+    <dgm:scene3d>
+      <a:camera prst="orthographicFront"/>
+      <a:lightRig rig="threePt" dir="t"/>
+    </dgm:scene3d>
+    <dgm:sp3d/>
+    <dgm:txPr/>
+    <dgm:style>
+      <a:lnRef idx="0">
+        <a:scrgbClr r="0" g="0" b="0"/>
+      </a:lnRef>
+      <a:fillRef idx="1">
+        <a:scrgbClr r="0" g="0" b="0"/>
+      </a:fillRef>
+      <a:effectRef idx="0">
+        <a:scrgbClr r="0" g="0" b="0"/>
+      </a:effectRef>
+      <a:fontRef idx="minor"/>
+    </dgm:style>
+  </dgm:styleLbl>
+  <dgm:styleLbl name="trBgShp">
+    <dgm:scene3d>
+      <a:camera prst="orthographicFront"/>
+      <a:lightRig rig="threePt" dir="t"/>
+    </dgm:scene3d>
+    <dgm:sp3d/>
+    <dgm:txPr/>
+    <dgm:style>
+      <a:lnRef idx="0">
+        <a:scrgbClr r="0" g="0" b="0"/>
+      </a:lnRef>
+      <a:fillRef idx="1">
+        <a:scrgbClr r="0" g="0" b="0"/>
+      </a:fillRef>
+      <a:effectRef idx="0">
+        <a:scrgbClr r="0" g="0" b="0"/>
+      </a:effectRef>
+      <a:fontRef idx="minor"/>
+    </dgm:style>
+  </dgm:styleLbl>
+  <dgm:styleLbl name="fgShp">
+    <dgm:scene3d>
+      <a:camera prst="orthographicFront"/>
+      <a:lightRig rig="threePt" dir="t"/>
+    </dgm:scene3d>
+    <dgm:sp3d/>
+    <dgm:txPr/>
+    <dgm:style>
+      <a:lnRef idx="2">
+        <a:scrgbClr r="0" g="0" b="0"/>
+      </a:lnRef>
+      <a:fillRef idx="1">
+        <a:scrgbClr r="0" g="0" b="0"/>
+      </a:fillRef>
+      <a:effectRef idx="0">
+        <a:scrgbClr r="0" g="0" b="0"/>
+      </a:effectRef>
+      <a:fontRef idx="minor"/>
+    </dgm:style>
+  </dgm:styleLbl>
+  <dgm:styleLbl name="revTx">
+    <dgm:scene3d>
+      <a:camera prst="orthographicFront"/>
+      <a:lightRig rig="threePt" dir="t"/>
+    </dgm:scene3d>
+    <dgm:sp3d/>
+    <dgm:txPr/>
+    <dgm:style>
+      <a:lnRef idx="0">
+        <a:scrgbClr r="0" g="0" b="0"/>
+      </a:lnRef>
+      <a:fillRef idx="0">
+        <a:scrgbClr r="0" g="0" b="0"/>
+      </a:fillRef>
+      <a:effectRef idx="0">
+        <a:scrgbClr r="0" g="0" b="0"/>
+      </a:effectRef>
+      <a:fontRef idx="minor"/>
+    </dgm:style>
+  </dgm:styleLbl>
+</dgm:styleDef>
+</file>
+
+<file path=ppt/notesMasters/notesMaster1.xml><?xml version="1.0" encoding="utf-8"?>
+<p:notesMaster xmlns:a="http://schemas.openxmlformats.org/drawingml/2006/main" xmlns:r="http://schemas.openxmlformats.org/officeDocument/2006/relationships" xmlns:p="http://schemas.openxmlformats.org/presentationml/2006/main">
+  <p:cSld>
+    <p:bg>
+      <p:bgRef idx="1001">
+        <a:schemeClr val="bg1"/>
+      </p:bgRef>
+    </p:bg>
+    <p:spTree>
+      <p:nvGrpSpPr>
+        <p:cNvPr id="1" name=""/>
+        <p:cNvGrpSpPr/>
+        <p:nvPr/>
+      </p:nvGrpSpPr>
+      <p:grpSpPr>
+        <a:xfrm>
+          <a:off x="0" y="0"/>
+          <a:ext cx="0" cy="0"/>
+          <a:chOff x="0" y="0"/>
+          <a:chExt cx="0" cy="0"/>
+        </a:xfrm>
+      </p:grpSpPr>
+      <p:sp>
+        <p:nvSpPr>
+          <p:cNvPr id="2" name="Header Placeholder 1"/>
+          <p:cNvSpPr>
+            <a:spLocks noGrp="1"/>
+          </p:cNvSpPr>
+          <p:nvPr>
+            <p:ph type="hdr" sz="quarter"/>
+          </p:nvPr>
+        </p:nvSpPr>
+        <p:spPr>
+          <a:xfrm>
+            <a:off x="0" y="0"/>
+            <a:ext cx="2971800" cy="458788"/>
+          </a:xfrm>
+          <a:prstGeom prst="rect">
+            <a:avLst/>
+          </a:prstGeom>
+        </p:spPr>
+        <p:txBody>
+          <a:bodyPr vert="horz" lIns="91440" tIns="45720" rIns="91440" bIns="45720" rtlCol="0"/>
+          <a:lstStyle>
+            <a:lvl1pPr algn="l">
+              <a:defRPr sz="1200"/>
+            </a:lvl1pPr>
+          </a:lstStyle>
+          <a:p>
+            <a:endParaRPr lang="de-DE"/>
+          </a:p>
+        </p:txBody>
+      </p:sp>
+      <p:sp>
+        <p:nvSpPr>
+          <p:cNvPr id="3" name="Date Placeholder 2"/>
+          <p:cNvSpPr>
+            <a:spLocks noGrp="1"/>
+          </p:cNvSpPr>
+          <p:nvPr>
+            <p:ph type="dt" idx="1"/>
+          </p:nvPr>
+        </p:nvSpPr>
+        <p:spPr>
+          <a:xfrm>
+            <a:off x="3884613" y="0"/>
+            <a:ext cx="2971800" cy="458788"/>
+          </a:xfrm>
+          <a:prstGeom prst="rect">
+            <a:avLst/>
+          </a:prstGeom>
+        </p:spPr>
+        <p:txBody>
+          <a:bodyPr vert="horz" lIns="91440" tIns="45720" rIns="91440" bIns="45720" rtlCol="0"/>
+          <a:lstStyle>
+            <a:lvl1pPr algn="r">
+              <a:defRPr sz="1200"/>
+            </a:lvl1pPr>
+          </a:lstStyle>
+          <a:p>
+            <a:fld id="{4861581F-369C-4915-897D-E22B02354B02}" type="datetimeFigureOut">
+              <a:rPr lang="de-DE" smtClean="0"/>
+              <a:t>27.03.2018</a:t>
+            </a:fld>
+            <a:endParaRPr lang="de-DE"/>
+          </a:p>
+        </p:txBody>
+      </p:sp>
+      <p:sp>
+        <p:nvSpPr>
+          <p:cNvPr id="4" name="Slide Image Placeholder 3"/>
+          <p:cNvSpPr>
+            <a:spLocks noGrp="1" noRot="1" noChangeAspect="1"/>
+          </p:cNvSpPr>
+          <p:nvPr>
+            <p:ph type="sldImg" idx="2"/>
+          </p:nvPr>
+        </p:nvSpPr>
+        <p:spPr>
+          <a:xfrm>
+            <a:off x="685800" y="1143000"/>
+            <a:ext cx="5486400" cy="3086100"/>
+          </a:xfrm>
+          <a:prstGeom prst="rect">
+            <a:avLst/>
+          </a:prstGeom>
+          <a:noFill/>
+          <a:ln w="12700">
+            <a:solidFill>
+              <a:prstClr val="black"/>
+            </a:solidFill>
+          </a:ln>
+        </p:spPr>
+        <p:txBody>
+          <a:bodyPr vert="horz" lIns="91440" tIns="45720" rIns="91440" bIns="45720" rtlCol="0" anchor="ctr"/>
+          <a:lstStyle/>
+          <a:p>
+            <a:endParaRPr lang="de-DE"/>
+          </a:p>
+        </p:txBody>
+      </p:sp>
+      <p:sp>
+        <p:nvSpPr>
+          <p:cNvPr id="5" name="Notes Placeholder 4"/>
+          <p:cNvSpPr>
+            <a:spLocks noGrp="1"/>
+          </p:cNvSpPr>
+          <p:nvPr>
+            <p:ph type="body" sz="quarter" idx="3"/>
+          </p:nvPr>
+        </p:nvSpPr>
+        <p:spPr>
+          <a:xfrm>
+            <a:off x="685800" y="4400550"/>
+            <a:ext cx="5486400" cy="3600450"/>
+          </a:xfrm>
+          <a:prstGeom prst="rect">
+            <a:avLst/>
+          </a:prstGeom>
+        </p:spPr>
+        <p:txBody>
+          <a:bodyPr vert="horz" lIns="91440" tIns="45720" rIns="91440" bIns="45720" rtlCol="0"/>
+          <a:lstStyle/>
+          <a:p>
+            <a:pPr lvl="0"/>
+            <a:r>
+              <a:rPr lang="en-US" smtClean="0"/>
+              <a:t>Edit Master text styles</a:t>
+            </a:r>
+          </a:p>
+          <a:p>
+            <a:pPr lvl="1"/>
+            <a:r>
+              <a:rPr lang="en-US" smtClean="0"/>
+              <a:t>Second level</a:t>
+            </a:r>
+          </a:p>
+          <a:p>
+            <a:pPr lvl="2"/>
+            <a:r>
+              <a:rPr lang="en-US" smtClean="0"/>
+              <a:t>Third level</a:t>
+            </a:r>
+          </a:p>
+          <a:p>
+            <a:pPr lvl="3"/>
+            <a:r>
+              <a:rPr lang="en-US" smtClean="0"/>
+              <a:t>Fourth level</a:t>
+            </a:r>
+          </a:p>
+          <a:p>
+            <a:pPr lvl="4"/>
+            <a:r>
+              <a:rPr lang="en-US" smtClean="0"/>
+              <a:t>Fifth level</a:t>
+            </a:r>
+            <a:endParaRPr lang="de-DE"/>
+          </a:p>
+        </p:txBody>
+      </p:sp>
+      <p:sp>
+        <p:nvSpPr>
+          <p:cNvPr id="6" name="Footer Placeholder 5"/>
+          <p:cNvSpPr>
+            <a:spLocks noGrp="1"/>
+          </p:cNvSpPr>
+          <p:nvPr>
+            <p:ph type="ftr" sz="quarter" idx="4"/>
+          </p:nvPr>
+        </p:nvSpPr>
+        <p:spPr>
+          <a:xfrm>
+            <a:off x="0" y="8685213"/>
+            <a:ext cx="2971800" cy="458787"/>
+          </a:xfrm>
+          <a:prstGeom prst="rect">
+            <a:avLst/>
+          </a:prstGeom>
+        </p:spPr>
+        <p:txBody>
+          <a:bodyPr vert="horz" lIns="91440" tIns="45720" rIns="91440" bIns="45720" rtlCol="0" anchor="b"/>
+          <a:lstStyle>
+            <a:lvl1pPr algn="l">
+              <a:defRPr sz="1200"/>
+            </a:lvl1pPr>
+          </a:lstStyle>
+          <a:p>
+            <a:endParaRPr lang="de-DE"/>
+          </a:p>
+        </p:txBody>
+      </p:sp>
+      <p:sp>
+        <p:nvSpPr>
+          <p:cNvPr id="7" name="Slide Number Placeholder 6"/>
+          <p:cNvSpPr>
+            <a:spLocks noGrp="1"/>
+          </p:cNvSpPr>
+          <p:nvPr>
+            <p:ph type="sldNum" sz="quarter" idx="5"/>
+          </p:nvPr>
+        </p:nvSpPr>
+        <p:spPr>
+          <a:xfrm>
+            <a:off x="3884613" y="8685213"/>
+            <a:ext cx="2971800" cy="458787"/>
+          </a:xfrm>
+          <a:prstGeom prst="rect">
+            <a:avLst/>
+          </a:prstGeom>
+        </p:spPr>
+        <p:txBody>
+          <a:bodyPr vert="horz" lIns="91440" tIns="45720" rIns="91440" bIns="45720" rtlCol="0" anchor="b"/>
+          <a:lstStyle>
+            <a:lvl1pPr algn="r">
+              <a:defRPr sz="1200"/>
+            </a:lvl1pPr>
+          </a:lstStyle>
+          <a:p>
+            <a:fld id="{6912056C-79A9-4308-92DD-60CD1D5AB598}" type="slidenum">
+              <a:rPr lang="de-DE" smtClean="0"/>
+              <a:t>‹#›</a:t>
+            </a:fld>
+            <a:endParaRPr lang="de-DE"/>
+          </a:p>
+        </p:txBody>
+      </p:sp>
+    </p:spTree>
+    <p:extLst>
+      <p:ext uri="{BB962C8B-B14F-4D97-AF65-F5344CB8AC3E}">
+        <p14:creationId xmlns:p14="http://schemas.microsoft.com/office/powerpoint/2010/main" val="1370632463"/>
+      </p:ext>
+    </p:extLst>
+  </p:cSld>
+  <p:clrMap bg1="lt1" tx1="dk1" bg2="lt2" tx2="dk2" accent1="accent1" accent2="accent2" accent3="accent3" accent4="accent4" accent5="accent5" accent6="accent6" hlink="hlink" folHlink="folHlink"/>
+  <p:notesStyle>
+    <a:lvl1pPr marL="0" algn="l" defTabSz="914400" rtl="0" eaLnBrk="1" latinLnBrk="0" hangingPunct="1">
+      <a:defRPr sz="1200" kern="1200">
+        <a:solidFill>
+          <a:schemeClr val="tx1"/>
+        </a:solidFill>
+        <a:latin typeface="+mn-lt"/>
+        <a:ea typeface="+mn-ea"/>
+        <a:cs typeface="+mn-cs"/>
+      </a:defRPr>
+    </a:lvl1pPr>
+    <a:lvl2pPr marL="457200" algn="l" defTabSz="914400" rtl="0" eaLnBrk="1" latinLnBrk="0" hangingPunct="1">
+      <a:defRPr sz="1200" kern="1200">
+        <a:solidFill>
+          <a:schemeClr val="tx1"/>
+        </a:solidFill>
+        <a:latin typeface="+mn-lt"/>
+        <a:ea typeface="+mn-ea"/>
+        <a:cs typeface="+mn-cs"/>
+      </a:defRPr>
+    </a:lvl2pPr>
+    <a:lvl3pPr marL="914400" algn="l" defTabSz="914400" rtl="0" eaLnBrk="1" latinLnBrk="0" hangingPunct="1">
+      <a:defRPr sz="1200" kern="1200">
+        <a:solidFill>
+          <a:schemeClr val="tx1"/>
+        </a:solidFill>
+        <a:latin typeface="+mn-lt"/>
+        <a:ea typeface="+mn-ea"/>
+        <a:cs typeface="+mn-cs"/>
+      </a:defRPr>
+    </a:lvl3pPr>
+    <a:lvl4pPr marL="1371600" algn="l" defTabSz="914400" rtl="0" eaLnBrk="1" latinLnBrk="0" hangingPunct="1">
+      <a:defRPr sz="1200" kern="1200">
+        <a:solidFill>
+          <a:schemeClr val="tx1"/>
+        </a:solidFill>
+        <a:latin typeface="+mn-lt"/>
+        <a:ea typeface="+mn-ea"/>
+        <a:cs typeface="+mn-cs"/>
+      </a:defRPr>
+    </a:lvl4pPr>
+    <a:lvl5pPr marL="1828800" algn="l" defTabSz="914400" rtl="0" eaLnBrk="1" latinLnBrk="0" hangingPunct="1">
+      <a:defRPr sz="1200" kern="1200">
+        <a:solidFill>
+          <a:schemeClr val="tx1"/>
+        </a:solidFill>
+        <a:latin typeface="+mn-lt"/>
+        <a:ea typeface="+mn-ea"/>
+        <a:cs typeface="+mn-cs"/>
+      </a:defRPr>
+    </a:lvl5pPr>
+    <a:lvl6pPr marL="2286000" algn="l" defTabSz="914400" rtl="0" eaLnBrk="1" latinLnBrk="0" hangingPunct="1">
+      <a:defRPr sz="1200" kern="1200">
+        <a:solidFill>
+          <a:schemeClr val="tx1"/>
+        </a:solidFill>
+        <a:latin typeface="+mn-lt"/>
+        <a:ea typeface="+mn-ea"/>
+        <a:cs typeface="+mn-cs"/>
+      </a:defRPr>
+    </a:lvl6pPr>
+    <a:lvl7pPr marL="2743200" algn="l" defTabSz="914400" rtl="0" eaLnBrk="1" latinLnBrk="0" hangingPunct="1">
+      <a:defRPr sz="1200" kern="1200">
+        <a:solidFill>
+          <a:schemeClr val="tx1"/>
+        </a:solidFill>
+        <a:latin typeface="+mn-lt"/>
+        <a:ea typeface="+mn-ea"/>
+        <a:cs typeface="+mn-cs"/>
+      </a:defRPr>
+    </a:lvl7pPr>
+    <a:lvl8pPr marL="3200400" algn="l" defTabSz="914400" rtl="0" eaLnBrk="1" latinLnBrk="0" hangingPunct="1">
+      <a:defRPr sz="1200" kern="1200">
+        <a:solidFill>
+          <a:schemeClr val="tx1"/>
+        </a:solidFill>
+        <a:latin typeface="+mn-lt"/>
+        <a:ea typeface="+mn-ea"/>
+        <a:cs typeface="+mn-cs"/>
+      </a:defRPr>
+    </a:lvl8pPr>
+    <a:lvl9pPr marL="3657600" algn="l" defTabSz="914400" rtl="0" eaLnBrk="1" latinLnBrk="0" hangingPunct="1">
+      <a:defRPr sz="1200" kern="1200">
+        <a:solidFill>
+          <a:schemeClr val="tx1"/>
+        </a:solidFill>
+        <a:latin typeface="+mn-lt"/>
+        <a:ea typeface="+mn-ea"/>
+        <a:cs typeface="+mn-cs"/>
+      </a:defRPr>
+    </a:lvl9pPr>
+  </p:notesStyle>
+</p:notesMaster>
+</file>
+
 <file path=ppt/slideLayouts/slideLayout1.xml><?xml version="1.0" encoding="utf-8"?>
 <p:sldLayout xmlns:a="http://schemas.openxmlformats.org/drawingml/2006/main" xmlns:r="http://schemas.openxmlformats.org/officeDocument/2006/relationships" xmlns:p="http://schemas.openxmlformats.org/presentationml/2006/main" type="title" preserve="1">
   <p:cSld name="Title Slide">
@@ -253,9 +3117,9 @@
           <a:bodyPr/>
           <a:lstStyle/>
           <a:p>
-            <a:fld id="{BA630C36-0887-417B-A692-714736A76333}" type="datetimeFigureOut">
+            <a:fld id="{23F022BE-6813-4DC5-BACD-C9FF425E620C}" type="datetime1">
               <a:rPr lang="de-DE" smtClean="0"/>
-              <a:t>26.03.2018</a:t>
+              <a:t>27.03.2018</a:t>
             </a:fld>
             <a:endParaRPr lang="de-DE"/>
           </a:p>
@@ -423,9 +3287,9 @@
           <a:bodyPr/>
           <a:lstStyle/>
           <a:p>
-            <a:fld id="{BA630C36-0887-417B-A692-714736A76333}" type="datetimeFigureOut">
+            <a:fld id="{B86485C2-1BD5-4307-A3AC-F4A4D4EDE029}" type="datetime1">
               <a:rPr lang="de-DE" smtClean="0"/>
-              <a:t>26.03.2018</a:t>
+              <a:t>27.03.2018</a:t>
             </a:fld>
             <a:endParaRPr lang="de-DE"/>
           </a:p>
@@ -603,9 +3467,9 @@
           <a:bodyPr/>
           <a:lstStyle/>
           <a:p>
-            <a:fld id="{BA630C36-0887-417B-A692-714736A76333}" type="datetimeFigureOut">
+            <a:fld id="{6F8CEBA8-67D3-4F7D-A9B0-D6C69736FD6A}" type="datetime1">
               <a:rPr lang="de-DE" smtClean="0"/>
-              <a:t>26.03.2018</a:t>
+              <a:t>27.03.2018</a:t>
             </a:fld>
             <a:endParaRPr lang="de-DE"/>
           </a:p>
@@ -773,9 +3637,9 @@
           <a:bodyPr/>
           <a:lstStyle/>
           <a:p>
-            <a:fld id="{BA630C36-0887-417B-A692-714736A76333}" type="datetimeFigureOut">
+            <a:fld id="{9E0B539E-757D-4A62-83E1-3044ED0376B2}" type="datetime1">
               <a:rPr lang="de-DE" smtClean="0"/>
-              <a:t>26.03.2018</a:t>
+              <a:t>27.03.2018</a:t>
             </a:fld>
             <a:endParaRPr lang="de-DE"/>
           </a:p>
@@ -1019,9 +3883,9 @@
           <a:bodyPr/>
           <a:lstStyle/>
           <a:p>
-            <a:fld id="{BA630C36-0887-417B-A692-714736A76333}" type="datetimeFigureOut">
+            <a:fld id="{8CD0900A-7B6A-4180-887E-1786ECDE19EC}" type="datetime1">
               <a:rPr lang="de-DE" smtClean="0"/>
-              <a:t>26.03.2018</a:t>
+              <a:t>27.03.2018</a:t>
             </a:fld>
             <a:endParaRPr lang="de-DE"/>
           </a:p>
@@ -1251,9 +4115,9 @@
           <a:bodyPr/>
           <a:lstStyle/>
           <a:p>
-            <a:fld id="{BA630C36-0887-417B-A692-714736A76333}" type="datetimeFigureOut">
+            <a:fld id="{6AB6F8AA-5B6B-4CDF-909C-676DC501A1A1}" type="datetime1">
               <a:rPr lang="de-DE" smtClean="0"/>
-              <a:t>26.03.2018</a:t>
+              <a:t>27.03.2018</a:t>
             </a:fld>
             <a:endParaRPr lang="de-DE"/>
           </a:p>
@@ -1618,9 +4482,9 @@
           <a:bodyPr/>
           <a:lstStyle/>
           <a:p>
-            <a:fld id="{BA630C36-0887-417B-A692-714736A76333}" type="datetimeFigureOut">
+            <a:fld id="{E0B16D0C-2698-4350-9AE5-9047365E3638}" type="datetime1">
               <a:rPr lang="de-DE" smtClean="0"/>
-              <a:t>26.03.2018</a:t>
+              <a:t>27.03.2018</a:t>
             </a:fld>
             <a:endParaRPr lang="de-DE"/>
           </a:p>
@@ -1736,9 +4600,9 @@
           <a:bodyPr/>
           <a:lstStyle/>
           <a:p>
-            <a:fld id="{BA630C36-0887-417B-A692-714736A76333}" type="datetimeFigureOut">
+            <a:fld id="{2DBD9AAE-236C-47CD-BA4B-CF82F03450F4}" type="datetime1">
               <a:rPr lang="de-DE" smtClean="0"/>
-              <a:t>26.03.2018</a:t>
+              <a:t>27.03.2018</a:t>
             </a:fld>
             <a:endParaRPr lang="de-DE"/>
           </a:p>
@@ -1831,9 +4695,9 @@
           <a:bodyPr/>
           <a:lstStyle/>
           <a:p>
-            <a:fld id="{BA630C36-0887-417B-A692-714736A76333}" type="datetimeFigureOut">
+            <a:fld id="{03DEFBFA-B60E-4F82-8F74-F8751038D1B9}" type="datetime1">
               <a:rPr lang="de-DE" smtClean="0"/>
-              <a:t>26.03.2018</a:t>
+              <a:t>27.03.2018</a:t>
             </a:fld>
             <a:endParaRPr lang="de-DE"/>
           </a:p>
@@ -2108,9 +4972,9 @@
           <a:bodyPr/>
           <a:lstStyle/>
           <a:p>
-            <a:fld id="{BA630C36-0887-417B-A692-714736A76333}" type="datetimeFigureOut">
+            <a:fld id="{579B2A85-903D-482C-B390-22924DF91D87}" type="datetime1">
               <a:rPr lang="de-DE" smtClean="0"/>
-              <a:t>26.03.2018</a:t>
+              <a:t>27.03.2018</a:t>
             </a:fld>
             <a:endParaRPr lang="de-DE"/>
           </a:p>
@@ -2365,9 +5229,9 @@
           <a:bodyPr/>
           <a:lstStyle/>
           <a:p>
-            <a:fld id="{BA630C36-0887-417B-A692-714736A76333}" type="datetimeFigureOut">
+            <a:fld id="{5C4C0DEF-0373-47D4-9D11-EA65492448DB}" type="datetime1">
               <a:rPr lang="de-DE" smtClean="0"/>
-              <a:t>26.03.2018</a:t>
+              <a:t>27.03.2018</a:t>
             </a:fld>
             <a:endParaRPr lang="de-DE"/>
           </a:p>
@@ -2583,9 +5447,9 @@
             </a:lvl1pPr>
           </a:lstStyle>
           <a:p>
-            <a:fld id="{BA630C36-0887-417B-A692-714736A76333}" type="datetimeFigureOut">
+            <a:fld id="{0D5724DE-CC06-4121-800F-5B0B9A08D268}" type="datetime1">
               <a:rPr lang="de-DE" smtClean="0"/>
-              <a:t>26.03.2018</a:t>
+              <a:t>27.03.2018</a:t>
             </a:fld>
             <a:endParaRPr lang="de-DE"/>
           </a:p>
@@ -2690,6 +5554,7 @@
     <p:sldLayoutId id="2147483670" r:id="rId10"/>
     <p:sldLayoutId id="2147483671" r:id="rId11"/>
   </p:sldLayoutIdLst>
+  <p:hf hdr="0" ftr="0" dt="0"/>
   <p:txStyles>
     <p:titleStyle>
       <a:lvl1pPr algn="l" defTabSz="914400" rtl="0" eaLnBrk="1" latinLnBrk="0" hangingPunct="1">
@@ -3000,9 +5865,16 @@
             <p:ph type="ctrTitle"/>
           </p:nvPr>
         </p:nvSpPr>
-        <p:spPr/>
-        <p:txBody>
-          <a:bodyPr/>
+        <p:spPr>
+          <a:xfrm>
+            <a:off x="1524000" y="1122363"/>
+            <a:ext cx="9144000" cy="3059020"/>
+          </a:xfrm>
+        </p:spPr>
+        <p:txBody>
+          <a:bodyPr>
+            <a:normAutofit fontScale="90000"/>
+          </a:bodyPr>
           <a:lstStyle/>
           <a:p>
             <a:pPr algn="l"/>
@@ -3043,7 +5915,20 @@
                 <a:ea typeface="Verdana" panose="020B0604030504040204" pitchFamily="34" charset="0"/>
                 <a:cs typeface="Verdana" panose="020B0604030504040204" pitchFamily="34" charset="0"/>
               </a:rPr>
-              <a:t> in the runtime of SDTF</a:t>
+              <a:t> in the runtime of </a:t>
+            </a:r>
+            <a:r>
+              <a:rPr lang="en-CA" dirty="0" smtClean="0">
+                <a:solidFill>
+                  <a:srgbClr val="663300">
+                    <a:alpha val="90000"/>
+                  </a:srgbClr>
+                </a:solidFill>
+                <a:latin typeface="Gill Sans MT" panose="020B0502020104020203" pitchFamily="34" charset="0"/>
+                <a:ea typeface="Verdana" panose="020B0604030504040204" pitchFamily="34" charset="0"/>
+                <a:cs typeface="Verdana" panose="020B0604030504040204" pitchFamily="34" charset="0"/>
+              </a:rPr>
+              <a:t>a Software Deployment and Testing Framework (SDTF)</a:t>
             </a:r>
             <a:endParaRPr lang="de-DE" dirty="0"/>
           </a:p>
@@ -3130,6 +6015,29 @@
               </a:solidFill>
               <a:latin typeface="Gill Sans MT" panose="020B0502020104020203" pitchFamily="34" charset="0"/>
             </a:endParaRPr>
+          </a:p>
+        </p:txBody>
+      </p:sp>
+      <p:sp>
+        <p:nvSpPr>
+          <p:cNvPr id="4" name="Slide Number Placeholder 3"/>
+          <p:cNvSpPr>
+            <a:spLocks noGrp="1"/>
+          </p:cNvSpPr>
+          <p:nvPr>
+            <p:ph type="sldNum" sz="quarter" idx="12"/>
+          </p:nvPr>
+        </p:nvSpPr>
+        <p:spPr/>
+        <p:txBody>
+          <a:bodyPr/>
+          <a:lstStyle/>
+          <a:p>
+            <a:fld id="{F141D804-3B3B-4646-AFF4-D2AC84DCEC5F}" type="slidenum">
+              <a:rPr lang="de-DE" smtClean="0"/>
+              <a:t>1</a:t>
+            </a:fld>
+            <a:endParaRPr lang="de-DE"/>
           </a:p>
         </p:txBody>
       </p:sp>
@@ -3188,7 +6096,7 @@
           <a:lstStyle/>
           <a:p>
             <a:r>
-              <a:rPr lang="nl-BE" dirty="0">
+              <a:rPr lang="en-US" dirty="0" err="1" smtClean="0">
                 <a:solidFill>
                   <a:srgbClr val="663300">
                     <a:alpha val="90000"/>
@@ -3198,35 +6106,9 @@
                 <a:ea typeface="Verdana" panose="020B0604030504040204" pitchFamily="34" charset="0"/>
                 <a:cs typeface="Verdana" panose="020B0604030504040204" pitchFamily="34" charset="0"/>
               </a:rPr>
-              <a:t>Deployment </a:t>
-            </a:r>
-            <a:r>
-              <a:rPr lang="nl-BE" dirty="0" err="1" smtClean="0">
-                <a:solidFill>
-                  <a:srgbClr val="663300">
-                    <a:alpha val="90000"/>
-                  </a:srgbClr>
-                </a:solidFill>
-                <a:latin typeface="Gill Sans MT" panose="020B0502020104020203" pitchFamily="34" charset="0"/>
-                <a:ea typeface="Verdana" panose="020B0604030504040204" pitchFamily="34" charset="0"/>
-                <a:cs typeface="Verdana" panose="020B0604030504040204" pitchFamily="34" charset="0"/>
-              </a:rPr>
-              <a:t>architecture</a:t>
-            </a:r>
-            <a:r>
-              <a:rPr lang="nl-BE" dirty="0" smtClean="0">
-                <a:solidFill>
-                  <a:srgbClr val="663300">
-                    <a:alpha val="90000"/>
-                  </a:srgbClr>
-                </a:solidFill>
-                <a:latin typeface="Gill Sans MT" panose="020B0502020104020203" pitchFamily="34" charset="0"/>
-                <a:ea typeface="Verdana" panose="020B0604030504040204" pitchFamily="34" charset="0"/>
-                <a:cs typeface="Verdana" panose="020B0604030504040204" pitchFamily="34" charset="0"/>
-              </a:rPr>
-              <a:t> 2</a:t>
-            </a:r>
-            <a:endParaRPr lang="nl-BE" dirty="0">
+              <a:t>Overzicht</a:t>
+            </a:r>
+            <a:endParaRPr lang="de-DE" dirty="0">
               <a:solidFill>
                 <a:srgbClr val="663300">
                   <a:alpha val="90000"/>
@@ -3256,7 +6138,18 @@
           </a:bodyPr>
           <a:lstStyle/>
           <a:p>
-            <a:endParaRPr lang="nl-BE" dirty="0" smtClean="0">
+            <a:r>
+              <a:rPr lang="en-US" dirty="0" err="1" smtClean="0">
+                <a:solidFill>
+                  <a:srgbClr val="663300">
+                    <a:alpha val="88000"/>
+                  </a:srgbClr>
+                </a:solidFill>
+                <a:latin typeface="Gill Sans MT" panose="020B0502020104020203" pitchFamily="34" charset="0"/>
+              </a:rPr>
+              <a:t>Bedrijf</a:t>
+            </a:r>
+            <a:endParaRPr lang="en-US" dirty="0" smtClean="0">
               <a:solidFill>
                 <a:srgbClr val="663300">
                   <a:alpha val="88000"/>
@@ -3266,7 +6159,18 @@
             </a:endParaRPr>
           </a:p>
           <a:p>
-            <a:endParaRPr lang="nl-BE" dirty="0">
+            <a:r>
+              <a:rPr lang="en-US" dirty="0" err="1" smtClean="0">
+                <a:solidFill>
+                  <a:srgbClr val="663300">
+                    <a:alpha val="88000"/>
+                  </a:srgbClr>
+                </a:solidFill>
+                <a:latin typeface="Gill Sans MT" panose="020B0502020104020203" pitchFamily="34" charset="0"/>
+              </a:rPr>
+              <a:t>Probleemstelling</a:t>
+            </a:r>
+            <a:endParaRPr lang="en-US" dirty="0" smtClean="0">
               <a:solidFill>
                 <a:srgbClr val="663300">
                   <a:alpha val="88000"/>
@@ -3275,42 +6179,166 @@
               <a:latin typeface="Gill Sans MT" panose="020B0502020104020203" pitchFamily="34" charset="0"/>
             </a:endParaRPr>
           </a:p>
-        </p:txBody>
-      </p:sp>
-      <p:pic>
-        <p:nvPicPr>
-          <p:cNvPr id="4" name="Picture 3"/>
-          <p:cNvPicPr>
-            <a:picLocks noChangeAspect="1"/>
-          </p:cNvPicPr>
-          <p:nvPr/>
-        </p:nvPicPr>
-        <p:blipFill>
-          <a:blip r:embed="rId2">
-            <a:extLst>
-              <a:ext uri="{28A0092B-C50C-407E-A947-70E740481C1C}">
-                <a14:useLocalDpi xmlns:a14="http://schemas.microsoft.com/office/drawing/2010/main" val="0"/>
-              </a:ext>
-            </a:extLst>
-          </a:blip>
-          <a:stretch>
-            <a:fillRect/>
-          </a:stretch>
-        </p:blipFill>
-        <p:spPr>
-          <a:xfrm>
-            <a:off x="2890390" y="2004813"/>
-            <a:ext cx="6411220" cy="2848373"/>
-          </a:xfrm>
-          <a:prstGeom prst="rect">
-            <a:avLst/>
-          </a:prstGeom>
-        </p:spPr>
-      </p:pic>
+          <a:p>
+            <a:r>
+              <a:rPr lang="en-US" dirty="0" err="1" smtClean="0">
+                <a:solidFill>
+                  <a:srgbClr val="663300">
+                    <a:alpha val="88000"/>
+                  </a:srgbClr>
+                </a:solidFill>
+                <a:latin typeface="Gill Sans MT" panose="020B0502020104020203" pitchFamily="34" charset="0"/>
+              </a:rPr>
+              <a:t>Doelstellingen</a:t>
+            </a:r>
+            <a:endParaRPr lang="en-US" dirty="0" smtClean="0">
+              <a:solidFill>
+                <a:srgbClr val="663300">
+                  <a:alpha val="88000"/>
+                </a:srgbClr>
+              </a:solidFill>
+              <a:latin typeface="Gill Sans MT" panose="020B0502020104020203" pitchFamily="34" charset="0"/>
+            </a:endParaRPr>
+          </a:p>
+          <a:p>
+            <a:r>
+              <a:rPr lang="en-US" b="1" dirty="0" err="1" smtClean="0">
+                <a:solidFill>
+                  <a:srgbClr val="663300">
+                    <a:alpha val="88000"/>
+                  </a:srgbClr>
+                </a:solidFill>
+                <a:latin typeface="Gill Sans MT" panose="020B0502020104020203" pitchFamily="34" charset="0"/>
+              </a:rPr>
+              <a:t>Oplossingsmethode</a:t>
+            </a:r>
+            <a:endParaRPr lang="en-US" b="1" dirty="0" smtClean="0">
+              <a:solidFill>
+                <a:srgbClr val="663300">
+                  <a:alpha val="88000"/>
+                </a:srgbClr>
+              </a:solidFill>
+              <a:latin typeface="Gill Sans MT" panose="020B0502020104020203" pitchFamily="34" charset="0"/>
+            </a:endParaRPr>
+          </a:p>
+          <a:p>
+            <a:r>
+              <a:rPr lang="en-US" dirty="0" smtClean="0">
+                <a:solidFill>
+                  <a:srgbClr val="663300">
+                    <a:alpha val="88000"/>
+                  </a:srgbClr>
+                </a:solidFill>
+                <a:latin typeface="Gill Sans MT" panose="020B0502020104020203" pitchFamily="34" charset="0"/>
+              </a:rPr>
+              <a:t>Done</a:t>
+            </a:r>
+          </a:p>
+          <a:p>
+            <a:r>
+              <a:rPr lang="en-US" dirty="0" smtClean="0">
+                <a:solidFill>
+                  <a:srgbClr val="663300">
+                    <a:alpha val="88000"/>
+                  </a:srgbClr>
+                </a:solidFill>
+                <a:latin typeface="Gill Sans MT" panose="020B0502020104020203" pitchFamily="34" charset="0"/>
+              </a:rPr>
+              <a:t>To do</a:t>
+            </a:r>
+          </a:p>
+          <a:p>
+            <a:r>
+              <a:rPr lang="en-US" dirty="0" err="1" smtClean="0">
+                <a:solidFill>
+                  <a:srgbClr val="663300">
+                    <a:alpha val="88000"/>
+                  </a:srgbClr>
+                </a:solidFill>
+                <a:latin typeface="Gill Sans MT" panose="020B0502020104020203" pitchFamily="34" charset="0"/>
+              </a:rPr>
+              <a:t>Doelstellingen</a:t>
+            </a:r>
+            <a:r>
+              <a:rPr lang="en-US" dirty="0" smtClean="0">
+                <a:solidFill>
+                  <a:srgbClr val="663300">
+                    <a:alpha val="88000"/>
+                  </a:srgbClr>
+                </a:solidFill>
+                <a:latin typeface="Gill Sans MT" panose="020B0502020104020203" pitchFamily="34" charset="0"/>
+              </a:rPr>
+              <a:t> cont.</a:t>
+            </a:r>
+            <a:endParaRPr lang="en-US" dirty="0" smtClean="0">
+              <a:solidFill>
+                <a:srgbClr val="663300">
+                  <a:alpha val="88000"/>
+                </a:srgbClr>
+              </a:solidFill>
+              <a:latin typeface="Gill Sans MT" panose="020B0502020104020203" pitchFamily="34" charset="0"/>
+            </a:endParaRPr>
+          </a:p>
+          <a:p>
+            <a:r>
+              <a:rPr lang="en-US" dirty="0" err="1" smtClean="0">
+                <a:solidFill>
+                  <a:srgbClr val="663300">
+                    <a:alpha val="88000"/>
+                  </a:srgbClr>
+                </a:solidFill>
+                <a:latin typeface="Gill Sans MT" panose="020B0502020104020203" pitchFamily="34" charset="0"/>
+              </a:rPr>
+              <a:t>Vragen</a:t>
+            </a:r>
+            <a:endParaRPr lang="en-US" dirty="0" smtClean="0">
+              <a:solidFill>
+                <a:srgbClr val="663300">
+                  <a:alpha val="88000"/>
+                </a:srgbClr>
+              </a:solidFill>
+              <a:latin typeface="Gill Sans MT" panose="020B0502020104020203" pitchFamily="34" charset="0"/>
+            </a:endParaRPr>
+          </a:p>
+          <a:p>
+            <a:endParaRPr lang="de-DE" dirty="0">
+              <a:solidFill>
+                <a:srgbClr val="663300">
+                  <a:alpha val="88000"/>
+                </a:srgbClr>
+              </a:solidFill>
+              <a:latin typeface="Gill Sans MT" panose="020B0502020104020203" pitchFamily="34" charset="0"/>
+            </a:endParaRPr>
+          </a:p>
+        </p:txBody>
+      </p:sp>
+      <p:sp>
+        <p:nvSpPr>
+          <p:cNvPr id="4" name="Slide Number Placeholder 3"/>
+          <p:cNvSpPr>
+            <a:spLocks noGrp="1"/>
+          </p:cNvSpPr>
+          <p:nvPr>
+            <p:ph type="sldNum" sz="quarter" idx="12"/>
+          </p:nvPr>
+        </p:nvSpPr>
+        <p:spPr/>
+        <p:txBody>
+          <a:bodyPr/>
+          <a:lstStyle/>
+          <a:p>
+            <a:fld id="{F141D804-3B3B-4646-AFF4-D2AC84DCEC5F}" type="slidenum">
+              <a:rPr lang="de-DE" smtClean="0"/>
+              <a:t>10</a:t>
+            </a:fld>
+            <a:endParaRPr lang="de-DE"/>
+          </a:p>
+        </p:txBody>
+      </p:sp>
     </p:spTree>
     <p:extLst>
       <p:ext uri="{BB962C8B-B14F-4D97-AF65-F5344CB8AC3E}">
-        <p14:creationId xmlns:p14="http://schemas.microsoft.com/office/powerpoint/2010/main" val="3888111604"/>
+        <p14:creationId xmlns:p14="http://schemas.microsoft.com/office/powerpoint/2010/main" val="3480302106"/>
       </p:ext>
     </p:extLst>
   </p:cSld>
@@ -3362,7 +6390,7 @@
           <a:lstStyle/>
           <a:p>
             <a:r>
-              <a:rPr lang="nl-BE" dirty="0" smtClean="0">
+              <a:rPr lang="nl-BE" dirty="0" err="1" smtClean="0">
                 <a:solidFill>
                   <a:srgbClr val="663300">
                     <a:alpha val="90000"/>
@@ -3372,7 +6400,46 @@
                 <a:ea typeface="Verdana" panose="020B0604030504040204" pitchFamily="34" charset="0"/>
                 <a:cs typeface="Verdana" panose="020B0604030504040204" pitchFamily="34" charset="0"/>
               </a:rPr>
-              <a:t>Doelstellingen: onderzoek</a:t>
+              <a:t>VM’s</a:t>
+            </a:r>
+            <a:r>
+              <a:rPr lang="nl-BE" dirty="0" smtClean="0">
+                <a:solidFill>
+                  <a:srgbClr val="663300">
+                    <a:alpha val="90000"/>
+                  </a:srgbClr>
+                </a:solidFill>
+                <a:latin typeface="Gill Sans MT" panose="020B0502020104020203" pitchFamily="34" charset="0"/>
+                <a:ea typeface="Verdana" panose="020B0604030504040204" pitchFamily="34" charset="0"/>
+                <a:cs typeface="Verdana" panose="020B0604030504040204" pitchFamily="34" charset="0"/>
+              </a:rPr>
+              <a:t> </a:t>
+            </a:r>
+            <a:r>
+              <a:rPr lang="nl-BE" dirty="0" err="1" smtClean="0">
+                <a:solidFill>
+                  <a:srgbClr val="663300">
+                    <a:alpha val="90000"/>
+                  </a:srgbClr>
+                </a:solidFill>
+                <a:latin typeface="Gill Sans MT" panose="020B0502020104020203" pitchFamily="34" charset="0"/>
+                <a:ea typeface="Verdana" panose="020B0604030504040204" pitchFamily="34" charset="0"/>
+                <a:cs typeface="Verdana" panose="020B0604030504040204" pitchFamily="34" charset="0"/>
+              </a:rPr>
+              <a:t>vs</a:t>
+            </a:r>
+            <a:r>
+              <a:rPr lang="nl-BE" dirty="0" smtClean="0">
+                <a:solidFill>
+                  <a:srgbClr val="663300">
+                    <a:alpha val="90000"/>
+                  </a:srgbClr>
+                </a:solidFill>
+                <a:latin typeface="Gill Sans MT" panose="020B0502020104020203" pitchFamily="34" charset="0"/>
+                <a:ea typeface="Verdana" panose="020B0604030504040204" pitchFamily="34" charset="0"/>
+                <a:cs typeface="Verdana" panose="020B0604030504040204" pitchFamily="34" charset="0"/>
+              </a:rPr>
+              <a:t> container</a:t>
             </a:r>
             <a:endParaRPr lang="nl-BE" dirty="0">
               <a:solidFill>
@@ -3404,45 +6471,6 @@
           </a:bodyPr>
           <a:lstStyle/>
           <a:p>
-            <a:r>
-              <a:rPr lang="nl-BE" dirty="0" smtClean="0">
-                <a:solidFill>
-                  <a:srgbClr val="663300">
-                    <a:alpha val="88000"/>
-                  </a:srgbClr>
-                </a:solidFill>
-                <a:latin typeface="Gill Sans MT" panose="020B0502020104020203" pitchFamily="34" charset="0"/>
-              </a:rPr>
-              <a:t>Documenteer voor- en nadelen</a:t>
-            </a:r>
-          </a:p>
-          <a:p>
-            <a:r>
-              <a:rPr lang="nl-BE" dirty="0" smtClean="0">
-                <a:solidFill>
-                  <a:srgbClr val="663300">
-                    <a:alpha val="88000"/>
-                  </a:srgbClr>
-                </a:solidFill>
-                <a:latin typeface="Gill Sans MT" panose="020B0502020104020203" pitchFamily="34" charset="0"/>
-              </a:rPr>
-              <a:t>Bespreek gebruikte technologieën en moeilijkheden</a:t>
-            </a:r>
-          </a:p>
-          <a:p>
-            <a:r>
-              <a:rPr lang="nl-BE" dirty="0" smtClean="0">
-                <a:solidFill>
-                  <a:srgbClr val="663300">
-                    <a:alpha val="88000"/>
-                  </a:srgbClr>
-                </a:solidFill>
-                <a:latin typeface="Gill Sans MT" panose="020B0502020104020203" pitchFamily="34" charset="0"/>
-              </a:rPr>
-              <a:t>Kwantificeer de impact op de performance</a:t>
-            </a:r>
-          </a:p>
-          <a:p>
             <a:endParaRPr lang="nl-BE" dirty="0" smtClean="0">
               <a:solidFill>
                 <a:srgbClr val="663300">
@@ -3464,10 +6492,63 @@
           </a:p>
         </p:txBody>
       </p:sp>
+      <p:pic>
+        <p:nvPicPr>
+          <p:cNvPr id="4" name="Picture 3"/>
+          <p:cNvPicPr>
+            <a:picLocks noChangeAspect="1"/>
+          </p:cNvPicPr>
+          <p:nvPr/>
+        </p:nvPicPr>
+        <p:blipFill>
+          <a:blip r:embed="rId2">
+            <a:extLst>
+              <a:ext uri="{28A0092B-C50C-407E-A947-70E740481C1C}">
+                <a14:useLocalDpi xmlns:a14="http://schemas.microsoft.com/office/drawing/2010/main" val="0"/>
+              </a:ext>
+            </a:extLst>
+          </a:blip>
+          <a:stretch>
+            <a:fillRect/>
+          </a:stretch>
+        </p:blipFill>
+        <p:spPr>
+          <a:xfrm>
+            <a:off x="1772398" y="1780594"/>
+            <a:ext cx="8647203" cy="4441399"/>
+          </a:xfrm>
+          <a:prstGeom prst="rect">
+            <a:avLst/>
+          </a:prstGeom>
+        </p:spPr>
+      </p:pic>
+      <p:sp>
+        <p:nvSpPr>
+          <p:cNvPr id="5" name="Slide Number Placeholder 4"/>
+          <p:cNvSpPr>
+            <a:spLocks noGrp="1"/>
+          </p:cNvSpPr>
+          <p:nvPr>
+            <p:ph type="sldNum" sz="quarter" idx="12"/>
+          </p:nvPr>
+        </p:nvSpPr>
+        <p:spPr/>
+        <p:txBody>
+          <a:bodyPr/>
+          <a:lstStyle/>
+          <a:p>
+            <a:fld id="{F141D804-3B3B-4646-AFF4-D2AC84DCEC5F}" type="slidenum">
+              <a:rPr lang="de-DE" smtClean="0"/>
+              <a:t>11</a:t>
+            </a:fld>
+            <a:endParaRPr lang="de-DE"/>
+          </a:p>
+        </p:txBody>
+      </p:sp>
     </p:spTree>
     <p:extLst>
       <p:ext uri="{BB962C8B-B14F-4D97-AF65-F5344CB8AC3E}">
-        <p14:creationId xmlns:p14="http://schemas.microsoft.com/office/powerpoint/2010/main" val="1058753443"/>
+        <p14:creationId xmlns:p14="http://schemas.microsoft.com/office/powerpoint/2010/main" val="2774182617"/>
       </p:ext>
     </p:extLst>
   </p:cSld>
@@ -3518,19 +6599,6 @@
           </a:bodyPr>
           <a:lstStyle/>
           <a:p>
-            <a:r>
-              <a:rPr lang="nl-BE" dirty="0" smtClean="0">
-                <a:solidFill>
-                  <a:srgbClr val="663300">
-                    <a:alpha val="90000"/>
-                  </a:srgbClr>
-                </a:solidFill>
-                <a:latin typeface="Gill Sans MT" panose="020B0502020104020203" pitchFamily="34" charset="0"/>
-                <a:ea typeface="Verdana" panose="020B0604030504040204" pitchFamily="34" charset="0"/>
-                <a:cs typeface="Verdana" panose="020B0604030504040204" pitchFamily="34" charset="0"/>
-              </a:rPr>
-              <a:t>Doelstellingen: “stretch goals”</a:t>
-            </a:r>
             <a:endParaRPr lang="nl-BE" dirty="0">
               <a:solidFill>
                 <a:srgbClr val="663300">
@@ -3561,133 +6629,6 @@
           </a:bodyPr>
           <a:lstStyle/>
           <a:p>
-            <a:r>
-              <a:rPr lang="nl-BE" dirty="0" smtClean="0">
-                <a:solidFill>
-                  <a:srgbClr val="663300">
-                    <a:alpha val="88000"/>
-                  </a:srgbClr>
-                </a:solidFill>
-                <a:latin typeface="Gill Sans MT" panose="020B0502020104020203" pitchFamily="34" charset="0"/>
-              </a:rPr>
-              <a:t>Alle browser </a:t>
-            </a:r>
-            <a:r>
-              <a:rPr lang="nl-BE" dirty="0" err="1" smtClean="0">
-                <a:solidFill>
-                  <a:srgbClr val="663300">
-                    <a:alpha val="88000"/>
-                  </a:srgbClr>
-                </a:solidFill>
-                <a:latin typeface="Gill Sans MT" panose="020B0502020104020203" pitchFamily="34" charset="0"/>
-              </a:rPr>
-              <a:t>nodes</a:t>
-            </a:r>
-            <a:r>
-              <a:rPr lang="nl-BE" dirty="0" smtClean="0">
-                <a:solidFill>
-                  <a:srgbClr val="663300">
-                    <a:alpha val="88000"/>
-                  </a:srgbClr>
-                </a:solidFill>
-                <a:latin typeface="Gill Sans MT" panose="020B0502020104020203" pitchFamily="34" charset="0"/>
-              </a:rPr>
-              <a:t> in “</a:t>
-            </a:r>
-            <a:r>
-              <a:rPr lang="nl-BE" dirty="0" err="1" smtClean="0">
-                <a:solidFill>
-                  <a:srgbClr val="663300">
-                    <a:alpha val="88000"/>
-                  </a:srgbClr>
-                </a:solidFill>
-                <a:latin typeface="Gill Sans MT" panose="020B0502020104020203" pitchFamily="34" charset="0"/>
-              </a:rPr>
-              <a:t>headless</a:t>
-            </a:r>
-            <a:r>
-              <a:rPr lang="nl-BE" dirty="0" smtClean="0">
-                <a:solidFill>
-                  <a:srgbClr val="663300">
-                    <a:alpha val="88000"/>
-                  </a:srgbClr>
-                </a:solidFill>
-                <a:latin typeface="Gill Sans MT" panose="020B0502020104020203" pitchFamily="34" charset="0"/>
-              </a:rPr>
-              <a:t> mode”</a:t>
-            </a:r>
-          </a:p>
-          <a:p>
-            <a:r>
-              <a:rPr lang="nl-BE" dirty="0" smtClean="0">
-                <a:solidFill>
-                  <a:srgbClr val="663300">
-                    <a:alpha val="88000"/>
-                  </a:srgbClr>
-                </a:solidFill>
-                <a:latin typeface="Gill Sans MT" panose="020B0502020104020203" pitchFamily="34" charset="0"/>
-              </a:rPr>
-              <a:t>Migreer de </a:t>
-            </a:r>
-            <a:r>
-              <a:rPr lang="nl-BE" dirty="0" err="1" smtClean="0">
-                <a:solidFill>
-                  <a:srgbClr val="663300">
-                    <a:alpha val="88000"/>
-                  </a:srgbClr>
-                </a:solidFill>
-                <a:latin typeface="Gill Sans MT" panose="020B0502020104020203" pitchFamily="34" charset="0"/>
-              </a:rPr>
-              <a:t>Build</a:t>
-            </a:r>
-            <a:r>
-              <a:rPr lang="nl-BE" dirty="0" smtClean="0">
-                <a:solidFill>
-                  <a:srgbClr val="663300">
-                    <a:alpha val="88000"/>
-                  </a:srgbClr>
-                </a:solidFill>
-                <a:latin typeface="Gill Sans MT" panose="020B0502020104020203" pitchFamily="34" charset="0"/>
-              </a:rPr>
-              <a:t> Intake en de Radius </a:t>
-            </a:r>
-            <a:r>
-              <a:rPr lang="nl-BE" dirty="0" err="1" smtClean="0">
-                <a:solidFill>
-                  <a:srgbClr val="663300">
-                    <a:alpha val="88000"/>
-                  </a:srgbClr>
-                </a:solidFill>
-                <a:latin typeface="Gill Sans MT" panose="020B0502020104020203" pitchFamily="34" charset="0"/>
-              </a:rPr>
-              <a:t>Authentication</a:t>
-            </a:r>
-            <a:r>
-              <a:rPr lang="nl-BE" dirty="0" smtClean="0">
-                <a:solidFill>
-                  <a:srgbClr val="663300">
-                    <a:alpha val="88000"/>
-                  </a:srgbClr>
-                </a:solidFill>
-                <a:latin typeface="Gill Sans MT" panose="020B0502020104020203" pitchFamily="34" charset="0"/>
-              </a:rPr>
-              <a:t> suites</a:t>
-            </a:r>
-          </a:p>
-          <a:p>
-            <a:r>
-              <a:rPr lang="nl-BE" dirty="0" smtClean="0">
-                <a:solidFill>
-                  <a:srgbClr val="663300">
-                    <a:alpha val="88000"/>
-                  </a:srgbClr>
-                </a:solidFill>
-                <a:latin typeface="Gill Sans MT" panose="020B0502020104020203" pitchFamily="34" charset="0"/>
-              </a:rPr>
-              <a:t>Dynamisch alloceren van resources/Dynamisch creëren van containers</a:t>
-            </a:r>
-          </a:p>
-          <a:p>
             <a:endParaRPr lang="nl-BE" dirty="0" smtClean="0">
               <a:solidFill>
                 <a:srgbClr val="663300">
@@ -3709,10 +6650,63 @@
           </a:p>
         </p:txBody>
       </p:sp>
+      <p:sp>
+        <p:nvSpPr>
+          <p:cNvPr id="5" name="Slide Number Placeholder 4"/>
+          <p:cNvSpPr>
+            <a:spLocks noGrp="1"/>
+          </p:cNvSpPr>
+          <p:nvPr>
+            <p:ph type="sldNum" sz="quarter" idx="12"/>
+          </p:nvPr>
+        </p:nvSpPr>
+        <p:spPr/>
+        <p:txBody>
+          <a:bodyPr/>
+          <a:lstStyle/>
+          <a:p>
+            <a:fld id="{F141D804-3B3B-4646-AFF4-D2AC84DCEC5F}" type="slidenum">
+              <a:rPr lang="de-DE" smtClean="0"/>
+              <a:t>12</a:t>
+            </a:fld>
+            <a:endParaRPr lang="de-DE"/>
+          </a:p>
+        </p:txBody>
+      </p:sp>
+      <p:pic>
+        <p:nvPicPr>
+          <p:cNvPr id="8" name="Picture 7"/>
+          <p:cNvPicPr>
+            <a:picLocks noChangeAspect="1"/>
+          </p:cNvPicPr>
+          <p:nvPr/>
+        </p:nvPicPr>
+        <p:blipFill>
+          <a:blip r:embed="rId2">
+            <a:extLst>
+              <a:ext uri="{28A0092B-C50C-407E-A947-70E740481C1C}">
+                <a14:useLocalDpi xmlns:a14="http://schemas.microsoft.com/office/drawing/2010/main" val="0"/>
+              </a:ext>
+            </a:extLst>
+          </a:blip>
+          <a:stretch>
+            <a:fillRect/>
+          </a:stretch>
+        </p:blipFill>
+        <p:spPr>
+          <a:xfrm>
+            <a:off x="407900" y="843379"/>
+            <a:ext cx="11376199" cy="4935984"/>
+          </a:xfrm>
+          <a:prstGeom prst="rect">
+            <a:avLst/>
+          </a:prstGeom>
+        </p:spPr>
+      </p:pic>
     </p:spTree>
     <p:extLst>
       <p:ext uri="{BB962C8B-B14F-4D97-AF65-F5344CB8AC3E}">
-        <p14:creationId xmlns:p14="http://schemas.microsoft.com/office/powerpoint/2010/main" val="1861276686"/>
+        <p14:creationId xmlns:p14="http://schemas.microsoft.com/office/powerpoint/2010/main" val="3895039079"/>
       </p:ext>
     </p:extLst>
   </p:cSld>
@@ -3753,7 +6747,7 @@
             <a:spLocks noGrp="1"/>
           </p:cNvSpPr>
           <p:nvPr>
-            <p:ph type="ctrTitle"/>
+            <p:ph type="title"/>
           </p:nvPr>
         </p:nvSpPr>
         <p:spPr/>
@@ -3763,9 +6757,228 @@
           </a:bodyPr>
           <a:lstStyle/>
           <a:p>
-            <a:pPr algn="l"/>
-            <a:r>
-              <a:rPr lang="en-CA" dirty="0" err="1" smtClean="0">
+            <a:endParaRPr lang="nl-BE" dirty="0">
+              <a:solidFill>
+                <a:srgbClr val="663300">
+                  <a:alpha val="90000"/>
+                </a:srgbClr>
+              </a:solidFill>
+              <a:latin typeface="Gill Sans MT" panose="020B0502020104020203" pitchFamily="34" charset="0"/>
+              <a:ea typeface="Verdana" panose="020B0604030504040204" pitchFamily="34" charset="0"/>
+              <a:cs typeface="Verdana" panose="020B0604030504040204" pitchFamily="34" charset="0"/>
+            </a:endParaRPr>
+          </a:p>
+        </p:txBody>
+      </p:sp>
+      <p:graphicFrame>
+        <p:nvGraphicFramePr>
+          <p:cNvPr id="4" name="Content Placeholder 3"/>
+          <p:cNvGraphicFramePr>
+            <a:graphicFrameLocks noGrp="1"/>
+          </p:cNvGraphicFramePr>
+          <p:nvPr>
+            <p:ph idx="1"/>
+            <p:extLst>
+              <p:ext uri="{D42A27DB-BD31-4B8C-83A1-F6EECF244321}">
+                <p14:modId xmlns:p14="http://schemas.microsoft.com/office/powerpoint/2010/main" val="3856276654"/>
+              </p:ext>
+            </p:extLst>
+          </p:nvPr>
+        </p:nvGraphicFramePr>
+        <p:xfrm>
+          <a:off x="838200" y="1134438"/>
+          <a:ext cx="10515600" cy="4351338"/>
+        </p:xfrm>
+        <a:graphic>
+          <a:graphicData uri="http://schemas.openxmlformats.org/drawingml/2006/diagram">
+            <dgm:relIds xmlns:dgm="http://schemas.openxmlformats.org/drawingml/2006/diagram" xmlns:r="http://schemas.openxmlformats.org/officeDocument/2006/relationships" r:dm="rId2" r:lo="rId3" r:qs="rId4" r:cs="rId5"/>
+          </a:graphicData>
+        </a:graphic>
+      </p:graphicFrame>
+      <p:sp>
+        <p:nvSpPr>
+          <p:cNvPr id="5" name="Slide Number Placeholder 4"/>
+          <p:cNvSpPr>
+            <a:spLocks noGrp="1"/>
+          </p:cNvSpPr>
+          <p:nvPr>
+            <p:ph type="sldNum" sz="quarter" idx="12"/>
+          </p:nvPr>
+        </p:nvSpPr>
+        <p:spPr/>
+        <p:txBody>
+          <a:bodyPr/>
+          <a:lstStyle/>
+          <a:p>
+            <a:fld id="{F141D804-3B3B-4646-AFF4-D2AC84DCEC5F}" type="slidenum">
+              <a:rPr lang="de-DE" smtClean="0"/>
+              <a:t>13</a:t>
+            </a:fld>
+            <a:endParaRPr lang="de-DE"/>
+          </a:p>
+        </p:txBody>
+      </p:sp>
+    </p:spTree>
+    <p:extLst>
+      <p:ext uri="{BB962C8B-B14F-4D97-AF65-F5344CB8AC3E}">
+        <p14:creationId xmlns:p14="http://schemas.microsoft.com/office/powerpoint/2010/main" val="4124693884"/>
+      </p:ext>
+    </p:extLst>
+  </p:cSld>
+  <p:clrMapOvr>
+    <a:masterClrMapping/>
+  </p:clrMapOvr>
+  <p:timing>
+    <p:tnLst>
+      <p:par>
+        <p:cTn id="1" dur="indefinite" restart="never" nodeType="tmRoot">
+          <p:childTnLst>
+            <p:seq concurrent="1" nextAc="seek">
+              <p:cTn id="2" dur="indefinite" nodeType="mainSeq">
+                <p:childTnLst>
+                  <p:par>
+                    <p:cTn id="3" fill="hold">
+                      <p:stCondLst>
+                        <p:cond delay="indefinite"/>
+                      </p:stCondLst>
+                      <p:childTnLst>
+                        <p:par>
+                          <p:cTn id="4" fill="hold">
+                            <p:stCondLst>
+                              <p:cond delay="0"/>
+                            </p:stCondLst>
+                            <p:childTnLst>
+                              <p:par>
+                                <p:cTn id="5" presetID="50" presetClass="path" presetSubtype="0" accel="50000" decel="50000" fill="hold" grpId="0" nodeType="clickEffect">
+                                  <p:stCondLst>
+                                    <p:cond delay="0"/>
+                                  </p:stCondLst>
+                                  <p:childTnLst>
+                                    <p:animMotion origin="layout" path="M 0 1.11111E-6 L 0.1375 1.11111E-6 C 0.19922 1.11111E-6 0.27552 -0.07338 0.27552 -0.13195 L 0.27552 -0.26389 " pathEditMode="relative" rAng="0" ptsTypes="AAAA">
+                                      <p:cBhvr>
+                                        <p:cTn id="6" dur="2000" fill="hold"/>
+                                        <p:tgtEl>
+                                          <p:spTgt spid="4">
+                                            <p:graphicEl>
+                                              <a:dgm id="{33791715-CF7F-495B-9CB8-A408D7F1C291}"/>
+                                            </p:graphicEl>
+                                          </p:spTgt>
+                                        </p:tgtEl>
+                                        <p:attrNameLst>
+                                          <p:attrName>ppt_x</p:attrName>
+                                          <p:attrName>ppt_y</p:attrName>
+                                        </p:attrNameLst>
+                                      </p:cBhvr>
+                                      <p:rCtr x="13776" y="-13194"/>
+                                    </p:animMotion>
+                                  </p:childTnLst>
+                                </p:cTn>
+                              </p:par>
+                              <p:par>
+                                <p:cTn id="7" presetID="50" presetClass="path" presetSubtype="0" accel="50000" decel="50000" fill="hold" grpId="1" nodeType="withEffect">
+                                  <p:stCondLst>
+                                    <p:cond delay="0"/>
+                                  </p:stCondLst>
+                                  <p:childTnLst>
+                                    <p:animMotion origin="layout" path="M 0 1.11111E-6 L -0.14023 1.11111E-6 C -0.20286 1.11111E-6 -0.28008 0.07338 -0.28008 0.1331 L -0.28008 0.2669 " pathEditMode="relative" rAng="0" ptsTypes="AAAA">
+                                      <p:cBhvr>
+                                        <p:cTn id="8" dur="2000" fill="hold"/>
+                                        <p:tgtEl>
+                                          <p:spTgt spid="4">
+                                            <p:graphicEl>
+                                              <a:dgm id="{CABBE020-5913-4E63-A83D-46317209DA3C}"/>
+                                            </p:graphicEl>
+                                          </p:spTgt>
+                                        </p:tgtEl>
+                                        <p:attrNameLst>
+                                          <p:attrName>ppt_x</p:attrName>
+                                          <p:attrName>ppt_y</p:attrName>
+                                        </p:attrNameLst>
+                                      </p:cBhvr>
+                                      <p:rCtr x="-14010" y="13333"/>
+                                    </p:animMotion>
+                                  </p:childTnLst>
+                                </p:cTn>
+                              </p:par>
+                            </p:childTnLst>
+                          </p:cTn>
+                        </p:par>
+                      </p:childTnLst>
+                    </p:cTn>
+                  </p:par>
+                </p:childTnLst>
+              </p:cTn>
+              <p:prevCondLst>
+                <p:cond evt="onPrev" delay="0">
+                  <p:tgtEl>
+                    <p:sldTgt/>
+                  </p:tgtEl>
+                </p:cond>
+              </p:prevCondLst>
+              <p:nextCondLst>
+                <p:cond evt="onNext" delay="0">
+                  <p:tgtEl>
+                    <p:sldTgt/>
+                  </p:tgtEl>
+                </p:cond>
+              </p:nextCondLst>
+            </p:seq>
+          </p:childTnLst>
+        </p:cTn>
+      </p:par>
+    </p:tnLst>
+    <p:bldLst>
+      <p:bldGraphic spid="4" grpId="0" uiExpand="1">
+        <p:bldSub>
+          <a:bldDgm bld="one"/>
+        </p:bldSub>
+      </p:bldGraphic>
+      <p:bldGraphic spid="4" grpId="1" uiExpand="1">
+        <p:bldSub>
+          <a:bldDgm bld="one"/>
+        </p:bldSub>
+      </p:bldGraphic>
+    </p:bldLst>
+  </p:timing>
+</p:sld>
+</file>
+
+<file path=ppt/slides/slide14.xml><?xml version="1.0" encoding="utf-8"?>
+<p:sld xmlns:a="http://schemas.openxmlformats.org/drawingml/2006/main" xmlns:r="http://schemas.openxmlformats.org/officeDocument/2006/relationships" xmlns:p="http://schemas.openxmlformats.org/presentationml/2006/main">
+  <p:cSld>
+    <p:spTree>
+      <p:nvGrpSpPr>
+        <p:cNvPr id="1" name=""/>
+        <p:cNvGrpSpPr/>
+        <p:nvPr/>
+      </p:nvGrpSpPr>
+      <p:grpSpPr>
+        <a:xfrm>
+          <a:off x="0" y="0"/>
+          <a:ext cx="0" cy="0"/>
+          <a:chOff x="0" y="0"/>
+          <a:chExt cx="0" cy="0"/>
+        </a:xfrm>
+      </p:grpSpPr>
+      <p:sp>
+        <p:nvSpPr>
+          <p:cNvPr id="2" name="Title 1"/>
+          <p:cNvSpPr>
+            <a:spLocks noGrp="1"/>
+          </p:cNvSpPr>
+          <p:nvPr>
+            <p:ph type="title"/>
+          </p:nvPr>
+        </p:nvSpPr>
+        <p:spPr/>
+        <p:txBody>
+          <a:bodyPr>
+            <a:normAutofit/>
+          </a:bodyPr>
+          <a:lstStyle/>
+          <a:p>
+            <a:r>
+              <a:rPr lang="en-US" dirty="0" err="1" smtClean="0">
                 <a:solidFill>
                   <a:srgbClr val="663300">
                     <a:alpha val="90000"/>
@@ -3775,20 +6988,7 @@
                 <a:ea typeface="Verdana" panose="020B0604030504040204" pitchFamily="34" charset="0"/>
                 <a:cs typeface="Verdana" panose="020B0604030504040204" pitchFamily="34" charset="0"/>
               </a:rPr>
-              <a:t>Vragen</a:t>
-            </a:r>
-            <a:r>
-              <a:rPr lang="en-CA" dirty="0" smtClean="0">
-                <a:solidFill>
-                  <a:srgbClr val="663300">
-                    <a:alpha val="90000"/>
-                  </a:srgbClr>
-                </a:solidFill>
-                <a:latin typeface="Gill Sans MT" panose="020B0502020104020203" pitchFamily="34" charset="0"/>
-                <a:ea typeface="Verdana" panose="020B0604030504040204" pitchFamily="34" charset="0"/>
-                <a:cs typeface="Verdana" panose="020B0604030504040204" pitchFamily="34" charset="0"/>
-              </a:rPr>
-              <a:t>?</a:t>
+              <a:t>Overzicht</a:t>
             </a:r>
             <a:endParaRPr lang="de-DE" dirty="0">
               <a:solidFill>
@@ -3805,35 +7005,1354 @@
       </p:sp>
       <p:sp>
         <p:nvSpPr>
-          <p:cNvPr id="3" name="Subtitle 2"/>
-          <p:cNvSpPr>
-            <a:spLocks noGrp="1"/>
-          </p:cNvSpPr>
-          <p:nvPr>
-            <p:ph type="subTitle" idx="1"/>
+          <p:cNvPr id="3" name="Content Placeholder 2"/>
+          <p:cNvSpPr>
+            <a:spLocks noGrp="1"/>
+          </p:cNvSpPr>
+          <p:nvPr>
+            <p:ph idx="1"/>
           </p:nvPr>
         </p:nvSpPr>
         <p:spPr/>
         <p:txBody>
-          <a:bodyPr/>
+          <a:bodyPr>
+            <a:normAutofit/>
+          </a:bodyPr>
           <a:lstStyle/>
           <a:p>
-            <a:pPr algn="r"/>
-            <a:endParaRPr lang="de-DE" dirty="0">
+            <a:r>
+              <a:rPr lang="en-US" dirty="0" err="1" smtClean="0">
+                <a:solidFill>
+                  <a:srgbClr val="663300">
+                    <a:alpha val="88000"/>
+                  </a:srgbClr>
+                </a:solidFill>
+                <a:latin typeface="Gill Sans MT" panose="020B0502020104020203" pitchFamily="34" charset="0"/>
+              </a:rPr>
+              <a:t>Bedrijf</a:t>
+            </a:r>
+            <a:endParaRPr lang="en-US" dirty="0" smtClean="0">
               <a:solidFill>
                 <a:srgbClr val="663300">
-                  <a:alpha val="80000"/>
+                  <a:alpha val="88000"/>
                 </a:srgbClr>
               </a:solidFill>
               <a:latin typeface="Gill Sans MT" panose="020B0502020104020203" pitchFamily="34" charset="0"/>
             </a:endParaRPr>
           </a:p>
+          <a:p>
+            <a:r>
+              <a:rPr lang="en-US" dirty="0" err="1" smtClean="0">
+                <a:solidFill>
+                  <a:srgbClr val="663300">
+                    <a:alpha val="88000"/>
+                  </a:srgbClr>
+                </a:solidFill>
+                <a:latin typeface="Gill Sans MT" panose="020B0502020104020203" pitchFamily="34" charset="0"/>
+              </a:rPr>
+              <a:t>Probleemstelling</a:t>
+            </a:r>
+            <a:endParaRPr lang="en-US" dirty="0" smtClean="0">
+              <a:solidFill>
+                <a:srgbClr val="663300">
+                  <a:alpha val="88000"/>
+                </a:srgbClr>
+              </a:solidFill>
+              <a:latin typeface="Gill Sans MT" panose="020B0502020104020203" pitchFamily="34" charset="0"/>
+            </a:endParaRPr>
+          </a:p>
+          <a:p>
+            <a:r>
+              <a:rPr lang="en-US" dirty="0" err="1" smtClean="0">
+                <a:solidFill>
+                  <a:srgbClr val="663300">
+                    <a:alpha val="88000"/>
+                  </a:srgbClr>
+                </a:solidFill>
+                <a:latin typeface="Gill Sans MT" panose="020B0502020104020203" pitchFamily="34" charset="0"/>
+              </a:rPr>
+              <a:t>Doelstellingen</a:t>
+            </a:r>
+            <a:endParaRPr lang="en-US" dirty="0" smtClean="0">
+              <a:solidFill>
+                <a:srgbClr val="663300">
+                  <a:alpha val="88000"/>
+                </a:srgbClr>
+              </a:solidFill>
+              <a:latin typeface="Gill Sans MT" panose="020B0502020104020203" pitchFamily="34" charset="0"/>
+            </a:endParaRPr>
+          </a:p>
+          <a:p>
+            <a:r>
+              <a:rPr lang="en-US" dirty="0" err="1" smtClean="0">
+                <a:solidFill>
+                  <a:srgbClr val="663300">
+                    <a:alpha val="88000"/>
+                  </a:srgbClr>
+                </a:solidFill>
+                <a:latin typeface="Gill Sans MT" panose="020B0502020104020203" pitchFamily="34" charset="0"/>
+              </a:rPr>
+              <a:t>Oplossingsmethode</a:t>
+            </a:r>
+            <a:endParaRPr lang="en-US" dirty="0" smtClean="0">
+              <a:solidFill>
+                <a:srgbClr val="663300">
+                  <a:alpha val="88000"/>
+                </a:srgbClr>
+              </a:solidFill>
+              <a:latin typeface="Gill Sans MT" panose="020B0502020104020203" pitchFamily="34" charset="0"/>
+            </a:endParaRPr>
+          </a:p>
+          <a:p>
+            <a:r>
+              <a:rPr lang="en-US" b="1" dirty="0" smtClean="0">
+                <a:solidFill>
+                  <a:srgbClr val="663300">
+                    <a:alpha val="88000"/>
+                  </a:srgbClr>
+                </a:solidFill>
+                <a:latin typeface="Gill Sans MT" panose="020B0502020104020203" pitchFamily="34" charset="0"/>
+              </a:rPr>
+              <a:t>Done</a:t>
+            </a:r>
+          </a:p>
+          <a:p>
+            <a:r>
+              <a:rPr lang="en-US" dirty="0" smtClean="0">
+                <a:solidFill>
+                  <a:srgbClr val="663300">
+                    <a:alpha val="88000"/>
+                  </a:srgbClr>
+                </a:solidFill>
+                <a:latin typeface="Gill Sans MT" panose="020B0502020104020203" pitchFamily="34" charset="0"/>
+              </a:rPr>
+              <a:t>To do</a:t>
+            </a:r>
+          </a:p>
+          <a:p>
+            <a:r>
+              <a:rPr lang="en-US" dirty="0" err="1" smtClean="0">
+                <a:solidFill>
+                  <a:srgbClr val="663300">
+                    <a:alpha val="88000"/>
+                  </a:srgbClr>
+                </a:solidFill>
+                <a:latin typeface="Gill Sans MT" panose="020B0502020104020203" pitchFamily="34" charset="0"/>
+              </a:rPr>
+              <a:t>Doelstellingen</a:t>
+            </a:r>
+            <a:r>
+              <a:rPr lang="en-US" dirty="0" smtClean="0">
+                <a:solidFill>
+                  <a:srgbClr val="663300">
+                    <a:alpha val="88000"/>
+                  </a:srgbClr>
+                </a:solidFill>
+                <a:latin typeface="Gill Sans MT" panose="020B0502020104020203" pitchFamily="34" charset="0"/>
+              </a:rPr>
+              <a:t> cont.</a:t>
+            </a:r>
+            <a:endParaRPr lang="en-US" dirty="0" smtClean="0">
+              <a:solidFill>
+                <a:srgbClr val="663300">
+                  <a:alpha val="88000"/>
+                </a:srgbClr>
+              </a:solidFill>
+              <a:latin typeface="Gill Sans MT" panose="020B0502020104020203" pitchFamily="34" charset="0"/>
+            </a:endParaRPr>
+          </a:p>
+          <a:p>
+            <a:r>
+              <a:rPr lang="en-US" dirty="0" err="1" smtClean="0">
+                <a:solidFill>
+                  <a:srgbClr val="663300">
+                    <a:alpha val="88000"/>
+                  </a:srgbClr>
+                </a:solidFill>
+                <a:latin typeface="Gill Sans MT" panose="020B0502020104020203" pitchFamily="34" charset="0"/>
+              </a:rPr>
+              <a:t>Vragen</a:t>
+            </a:r>
+            <a:endParaRPr lang="en-US" dirty="0" smtClean="0">
+              <a:solidFill>
+                <a:srgbClr val="663300">
+                  <a:alpha val="88000"/>
+                </a:srgbClr>
+              </a:solidFill>
+              <a:latin typeface="Gill Sans MT" panose="020B0502020104020203" pitchFamily="34" charset="0"/>
+            </a:endParaRPr>
+          </a:p>
+          <a:p>
+            <a:endParaRPr lang="de-DE" dirty="0">
+              <a:solidFill>
+                <a:srgbClr val="663300">
+                  <a:alpha val="88000"/>
+                </a:srgbClr>
+              </a:solidFill>
+              <a:latin typeface="Gill Sans MT" panose="020B0502020104020203" pitchFamily="34" charset="0"/>
+            </a:endParaRPr>
+          </a:p>
+        </p:txBody>
+      </p:sp>
+      <p:sp>
+        <p:nvSpPr>
+          <p:cNvPr id="4" name="Slide Number Placeholder 3"/>
+          <p:cNvSpPr>
+            <a:spLocks noGrp="1"/>
+          </p:cNvSpPr>
+          <p:nvPr>
+            <p:ph type="sldNum" sz="quarter" idx="12"/>
+          </p:nvPr>
+        </p:nvSpPr>
+        <p:spPr/>
+        <p:txBody>
+          <a:bodyPr/>
+          <a:lstStyle/>
+          <a:p>
+            <a:fld id="{F141D804-3B3B-4646-AFF4-D2AC84DCEC5F}" type="slidenum">
+              <a:rPr lang="de-DE" smtClean="0"/>
+              <a:t>14</a:t>
+            </a:fld>
+            <a:endParaRPr lang="de-DE"/>
+          </a:p>
         </p:txBody>
       </p:sp>
     </p:spTree>
     <p:extLst>
       <p:ext uri="{BB962C8B-B14F-4D97-AF65-F5344CB8AC3E}">
-        <p14:creationId xmlns:p14="http://schemas.microsoft.com/office/powerpoint/2010/main" val="3492012506"/>
+        <p14:creationId xmlns:p14="http://schemas.microsoft.com/office/powerpoint/2010/main" val="166121163"/>
+      </p:ext>
+    </p:extLst>
+  </p:cSld>
+  <p:clrMapOvr>
+    <a:masterClrMapping/>
+  </p:clrMapOvr>
+  <p:timing>
+    <p:tnLst>
+      <p:par>
+        <p:cTn id="1" dur="indefinite" restart="never" nodeType="tmRoot"/>
+      </p:par>
+    </p:tnLst>
+  </p:timing>
+</p:sld>
+</file>
+
+<file path=ppt/slides/slide15.xml><?xml version="1.0" encoding="utf-8"?>
+<p:sld xmlns:a="http://schemas.openxmlformats.org/drawingml/2006/main" xmlns:r="http://schemas.openxmlformats.org/officeDocument/2006/relationships" xmlns:p="http://schemas.openxmlformats.org/presentationml/2006/main">
+  <p:cSld>
+    <p:spTree>
+      <p:nvGrpSpPr>
+        <p:cNvPr id="1" name=""/>
+        <p:cNvGrpSpPr/>
+        <p:nvPr/>
+      </p:nvGrpSpPr>
+      <p:grpSpPr>
+        <a:xfrm>
+          <a:off x="0" y="0"/>
+          <a:ext cx="0" cy="0"/>
+          <a:chOff x="0" y="0"/>
+          <a:chExt cx="0" cy="0"/>
+        </a:xfrm>
+      </p:grpSpPr>
+      <p:sp>
+        <p:nvSpPr>
+          <p:cNvPr id="2" name="Title 1"/>
+          <p:cNvSpPr>
+            <a:spLocks noGrp="1"/>
+          </p:cNvSpPr>
+          <p:nvPr>
+            <p:ph type="title"/>
+          </p:nvPr>
+        </p:nvSpPr>
+        <p:spPr/>
+        <p:txBody>
+          <a:bodyPr>
+            <a:normAutofit/>
+          </a:bodyPr>
+          <a:lstStyle/>
+          <a:p>
+            <a:endParaRPr lang="nl-BE" dirty="0">
+              <a:solidFill>
+                <a:srgbClr val="663300">
+                  <a:alpha val="90000"/>
+                </a:srgbClr>
+              </a:solidFill>
+              <a:latin typeface="Gill Sans MT" panose="020B0502020104020203" pitchFamily="34" charset="0"/>
+              <a:ea typeface="Verdana" panose="020B0604030504040204" pitchFamily="34" charset="0"/>
+              <a:cs typeface="Verdana" panose="020B0604030504040204" pitchFamily="34" charset="0"/>
+            </a:endParaRPr>
+          </a:p>
+        </p:txBody>
+      </p:sp>
+      <p:sp>
+        <p:nvSpPr>
+          <p:cNvPr id="3" name="Content Placeholder 2"/>
+          <p:cNvSpPr>
+            <a:spLocks noGrp="1"/>
+          </p:cNvSpPr>
+          <p:nvPr>
+            <p:ph idx="1"/>
+          </p:nvPr>
+        </p:nvSpPr>
+        <p:spPr/>
+        <p:txBody>
+          <a:bodyPr>
+            <a:normAutofit/>
+          </a:bodyPr>
+          <a:lstStyle/>
+          <a:p>
+            <a:endParaRPr lang="nl-BE" dirty="0" smtClean="0">
+              <a:solidFill>
+                <a:srgbClr val="663300">
+                  <a:alpha val="88000"/>
+                </a:srgbClr>
+              </a:solidFill>
+              <a:latin typeface="Gill Sans MT" panose="020B0502020104020203" pitchFamily="34" charset="0"/>
+            </a:endParaRPr>
+          </a:p>
+          <a:p>
+            <a:endParaRPr lang="nl-BE" dirty="0">
+              <a:solidFill>
+                <a:srgbClr val="663300">
+                  <a:alpha val="88000"/>
+                </a:srgbClr>
+              </a:solidFill>
+              <a:latin typeface="Gill Sans MT" panose="020B0502020104020203" pitchFamily="34" charset="0"/>
+            </a:endParaRPr>
+          </a:p>
+        </p:txBody>
+      </p:sp>
+      <p:sp>
+        <p:nvSpPr>
+          <p:cNvPr id="5" name="Slide Number Placeholder 4"/>
+          <p:cNvSpPr>
+            <a:spLocks noGrp="1"/>
+          </p:cNvSpPr>
+          <p:nvPr>
+            <p:ph type="sldNum" sz="quarter" idx="12"/>
+          </p:nvPr>
+        </p:nvSpPr>
+        <p:spPr/>
+        <p:txBody>
+          <a:bodyPr/>
+          <a:lstStyle/>
+          <a:p>
+            <a:fld id="{F141D804-3B3B-4646-AFF4-D2AC84DCEC5F}" type="slidenum">
+              <a:rPr lang="de-DE" smtClean="0"/>
+              <a:t>15</a:t>
+            </a:fld>
+            <a:endParaRPr lang="de-DE"/>
+          </a:p>
+        </p:txBody>
+      </p:sp>
+      <p:pic>
+        <p:nvPicPr>
+          <p:cNvPr id="8" name="Picture 7"/>
+          <p:cNvPicPr>
+            <a:picLocks noChangeAspect="1"/>
+          </p:cNvPicPr>
+          <p:nvPr/>
+        </p:nvPicPr>
+        <p:blipFill>
+          <a:blip r:embed="rId2">
+            <a:extLst>
+              <a:ext uri="{28A0092B-C50C-407E-A947-70E740481C1C}">
+                <a14:useLocalDpi xmlns:a14="http://schemas.microsoft.com/office/drawing/2010/main" val="0"/>
+              </a:ext>
+            </a:extLst>
+          </a:blip>
+          <a:stretch>
+            <a:fillRect/>
+          </a:stretch>
+        </p:blipFill>
+        <p:spPr>
+          <a:xfrm>
+            <a:off x="407900" y="843379"/>
+            <a:ext cx="11376199" cy="4935984"/>
+          </a:xfrm>
+          <a:prstGeom prst="rect">
+            <a:avLst/>
+          </a:prstGeom>
+        </p:spPr>
+      </p:pic>
+    </p:spTree>
+    <p:extLst>
+      <p:ext uri="{BB962C8B-B14F-4D97-AF65-F5344CB8AC3E}">
+        <p14:creationId xmlns:p14="http://schemas.microsoft.com/office/powerpoint/2010/main" val="4243470567"/>
+      </p:ext>
+    </p:extLst>
+  </p:cSld>
+  <p:clrMapOvr>
+    <a:masterClrMapping/>
+  </p:clrMapOvr>
+  <p:timing>
+    <p:tnLst>
+      <p:par>
+        <p:cTn id="1" dur="indefinite" restart="never" nodeType="tmRoot"/>
+      </p:par>
+    </p:tnLst>
+  </p:timing>
+</p:sld>
+</file>
+
+<file path=ppt/slides/slide16.xml><?xml version="1.0" encoding="utf-8"?>
+<p:sld xmlns:a="http://schemas.openxmlformats.org/drawingml/2006/main" xmlns:r="http://schemas.openxmlformats.org/officeDocument/2006/relationships" xmlns:p="http://schemas.openxmlformats.org/presentationml/2006/main">
+  <p:cSld>
+    <p:spTree>
+      <p:nvGrpSpPr>
+        <p:cNvPr id="1" name=""/>
+        <p:cNvGrpSpPr/>
+        <p:nvPr/>
+      </p:nvGrpSpPr>
+      <p:grpSpPr>
+        <a:xfrm>
+          <a:off x="0" y="0"/>
+          <a:ext cx="0" cy="0"/>
+          <a:chOff x="0" y="0"/>
+          <a:chExt cx="0" cy="0"/>
+        </a:xfrm>
+      </p:grpSpPr>
+      <p:sp>
+        <p:nvSpPr>
+          <p:cNvPr id="2" name="Title 1"/>
+          <p:cNvSpPr>
+            <a:spLocks noGrp="1"/>
+          </p:cNvSpPr>
+          <p:nvPr>
+            <p:ph type="title"/>
+          </p:nvPr>
+        </p:nvSpPr>
+        <p:spPr/>
+        <p:txBody>
+          <a:bodyPr>
+            <a:normAutofit/>
+          </a:bodyPr>
+          <a:lstStyle/>
+          <a:p>
+            <a:r>
+              <a:rPr lang="en-US" dirty="0" err="1" smtClean="0">
+                <a:solidFill>
+                  <a:srgbClr val="663300">
+                    <a:alpha val="90000"/>
+                  </a:srgbClr>
+                </a:solidFill>
+                <a:latin typeface="Gill Sans MT" panose="020B0502020104020203" pitchFamily="34" charset="0"/>
+                <a:ea typeface="Verdana" panose="020B0604030504040204" pitchFamily="34" charset="0"/>
+                <a:cs typeface="Verdana" panose="020B0604030504040204" pitchFamily="34" charset="0"/>
+              </a:rPr>
+              <a:t>Overzicht</a:t>
+            </a:r>
+            <a:endParaRPr lang="de-DE" dirty="0">
+              <a:solidFill>
+                <a:srgbClr val="663300">
+                  <a:alpha val="90000"/>
+                </a:srgbClr>
+              </a:solidFill>
+              <a:latin typeface="Gill Sans MT" panose="020B0502020104020203" pitchFamily="34" charset="0"/>
+              <a:ea typeface="Verdana" panose="020B0604030504040204" pitchFamily="34" charset="0"/>
+              <a:cs typeface="Verdana" panose="020B0604030504040204" pitchFamily="34" charset="0"/>
+            </a:endParaRPr>
+          </a:p>
+        </p:txBody>
+      </p:sp>
+      <p:sp>
+        <p:nvSpPr>
+          <p:cNvPr id="3" name="Content Placeholder 2"/>
+          <p:cNvSpPr>
+            <a:spLocks noGrp="1"/>
+          </p:cNvSpPr>
+          <p:nvPr>
+            <p:ph idx="1"/>
+          </p:nvPr>
+        </p:nvSpPr>
+        <p:spPr/>
+        <p:txBody>
+          <a:bodyPr>
+            <a:normAutofit/>
+          </a:bodyPr>
+          <a:lstStyle/>
+          <a:p>
+            <a:r>
+              <a:rPr lang="en-US" dirty="0" err="1" smtClean="0">
+                <a:solidFill>
+                  <a:srgbClr val="663300">
+                    <a:alpha val="88000"/>
+                  </a:srgbClr>
+                </a:solidFill>
+                <a:latin typeface="Gill Sans MT" panose="020B0502020104020203" pitchFamily="34" charset="0"/>
+              </a:rPr>
+              <a:t>Bedrijf</a:t>
+            </a:r>
+            <a:endParaRPr lang="en-US" dirty="0" smtClean="0">
+              <a:solidFill>
+                <a:srgbClr val="663300">
+                  <a:alpha val="88000"/>
+                </a:srgbClr>
+              </a:solidFill>
+              <a:latin typeface="Gill Sans MT" panose="020B0502020104020203" pitchFamily="34" charset="0"/>
+            </a:endParaRPr>
+          </a:p>
+          <a:p>
+            <a:r>
+              <a:rPr lang="en-US" dirty="0" err="1" smtClean="0">
+                <a:solidFill>
+                  <a:srgbClr val="663300">
+                    <a:alpha val="88000"/>
+                  </a:srgbClr>
+                </a:solidFill>
+                <a:latin typeface="Gill Sans MT" panose="020B0502020104020203" pitchFamily="34" charset="0"/>
+              </a:rPr>
+              <a:t>Probleemstelling</a:t>
+            </a:r>
+            <a:endParaRPr lang="en-US" dirty="0" smtClean="0">
+              <a:solidFill>
+                <a:srgbClr val="663300">
+                  <a:alpha val="88000"/>
+                </a:srgbClr>
+              </a:solidFill>
+              <a:latin typeface="Gill Sans MT" panose="020B0502020104020203" pitchFamily="34" charset="0"/>
+            </a:endParaRPr>
+          </a:p>
+          <a:p>
+            <a:r>
+              <a:rPr lang="en-US" dirty="0" err="1" smtClean="0">
+                <a:solidFill>
+                  <a:srgbClr val="663300">
+                    <a:alpha val="88000"/>
+                  </a:srgbClr>
+                </a:solidFill>
+                <a:latin typeface="Gill Sans MT" panose="020B0502020104020203" pitchFamily="34" charset="0"/>
+              </a:rPr>
+              <a:t>Doelstellingen</a:t>
+            </a:r>
+            <a:endParaRPr lang="en-US" dirty="0" smtClean="0">
+              <a:solidFill>
+                <a:srgbClr val="663300">
+                  <a:alpha val="88000"/>
+                </a:srgbClr>
+              </a:solidFill>
+              <a:latin typeface="Gill Sans MT" panose="020B0502020104020203" pitchFamily="34" charset="0"/>
+            </a:endParaRPr>
+          </a:p>
+          <a:p>
+            <a:r>
+              <a:rPr lang="en-US" dirty="0" err="1" smtClean="0">
+                <a:solidFill>
+                  <a:srgbClr val="663300">
+                    <a:alpha val="88000"/>
+                  </a:srgbClr>
+                </a:solidFill>
+                <a:latin typeface="Gill Sans MT" panose="020B0502020104020203" pitchFamily="34" charset="0"/>
+              </a:rPr>
+              <a:t>Oplossingsmethode</a:t>
+            </a:r>
+            <a:endParaRPr lang="en-US" dirty="0" smtClean="0">
+              <a:solidFill>
+                <a:srgbClr val="663300">
+                  <a:alpha val="88000"/>
+                </a:srgbClr>
+              </a:solidFill>
+              <a:latin typeface="Gill Sans MT" panose="020B0502020104020203" pitchFamily="34" charset="0"/>
+            </a:endParaRPr>
+          </a:p>
+          <a:p>
+            <a:r>
+              <a:rPr lang="en-US" dirty="0" smtClean="0">
+                <a:solidFill>
+                  <a:srgbClr val="663300">
+                    <a:alpha val="88000"/>
+                  </a:srgbClr>
+                </a:solidFill>
+                <a:latin typeface="Gill Sans MT" panose="020B0502020104020203" pitchFamily="34" charset="0"/>
+              </a:rPr>
+              <a:t>Done</a:t>
+            </a:r>
+          </a:p>
+          <a:p>
+            <a:r>
+              <a:rPr lang="en-US" b="1" dirty="0" smtClean="0">
+                <a:solidFill>
+                  <a:srgbClr val="663300">
+                    <a:alpha val="88000"/>
+                  </a:srgbClr>
+                </a:solidFill>
+                <a:latin typeface="Gill Sans MT" panose="020B0502020104020203" pitchFamily="34" charset="0"/>
+              </a:rPr>
+              <a:t>To do</a:t>
+            </a:r>
+            <a:endParaRPr lang="en-US" b="1" dirty="0" smtClean="0">
+              <a:solidFill>
+                <a:srgbClr val="663300">
+                  <a:alpha val="88000"/>
+                </a:srgbClr>
+              </a:solidFill>
+              <a:latin typeface="Gill Sans MT" panose="020B0502020104020203" pitchFamily="34" charset="0"/>
+            </a:endParaRPr>
+          </a:p>
+          <a:p>
+            <a:r>
+              <a:rPr lang="en-US" dirty="0" err="1" smtClean="0">
+                <a:solidFill>
+                  <a:srgbClr val="663300">
+                    <a:alpha val="88000"/>
+                  </a:srgbClr>
+                </a:solidFill>
+                <a:latin typeface="Gill Sans MT" panose="020B0502020104020203" pitchFamily="34" charset="0"/>
+              </a:rPr>
+              <a:t>Doelstellingen</a:t>
+            </a:r>
+            <a:r>
+              <a:rPr lang="en-US" dirty="0" smtClean="0">
+                <a:solidFill>
+                  <a:srgbClr val="663300">
+                    <a:alpha val="88000"/>
+                  </a:srgbClr>
+                </a:solidFill>
+                <a:latin typeface="Gill Sans MT" panose="020B0502020104020203" pitchFamily="34" charset="0"/>
+              </a:rPr>
+              <a:t> cont.</a:t>
+            </a:r>
+            <a:endParaRPr lang="en-US" dirty="0" smtClean="0">
+              <a:solidFill>
+                <a:srgbClr val="663300">
+                  <a:alpha val="88000"/>
+                </a:srgbClr>
+              </a:solidFill>
+              <a:latin typeface="Gill Sans MT" panose="020B0502020104020203" pitchFamily="34" charset="0"/>
+            </a:endParaRPr>
+          </a:p>
+          <a:p>
+            <a:r>
+              <a:rPr lang="en-US" dirty="0" err="1" smtClean="0">
+                <a:solidFill>
+                  <a:srgbClr val="663300">
+                    <a:alpha val="88000"/>
+                  </a:srgbClr>
+                </a:solidFill>
+                <a:latin typeface="Gill Sans MT" panose="020B0502020104020203" pitchFamily="34" charset="0"/>
+              </a:rPr>
+              <a:t>Vragen</a:t>
+            </a:r>
+            <a:endParaRPr lang="en-US" dirty="0" smtClean="0">
+              <a:solidFill>
+                <a:srgbClr val="663300">
+                  <a:alpha val="88000"/>
+                </a:srgbClr>
+              </a:solidFill>
+              <a:latin typeface="Gill Sans MT" panose="020B0502020104020203" pitchFamily="34" charset="0"/>
+            </a:endParaRPr>
+          </a:p>
+          <a:p>
+            <a:endParaRPr lang="de-DE" dirty="0">
+              <a:solidFill>
+                <a:srgbClr val="663300">
+                  <a:alpha val="88000"/>
+                </a:srgbClr>
+              </a:solidFill>
+              <a:latin typeface="Gill Sans MT" panose="020B0502020104020203" pitchFamily="34" charset="0"/>
+            </a:endParaRPr>
+          </a:p>
+        </p:txBody>
+      </p:sp>
+      <p:sp>
+        <p:nvSpPr>
+          <p:cNvPr id="4" name="Slide Number Placeholder 3"/>
+          <p:cNvSpPr>
+            <a:spLocks noGrp="1"/>
+          </p:cNvSpPr>
+          <p:nvPr>
+            <p:ph type="sldNum" sz="quarter" idx="12"/>
+          </p:nvPr>
+        </p:nvSpPr>
+        <p:spPr/>
+        <p:txBody>
+          <a:bodyPr/>
+          <a:lstStyle/>
+          <a:p>
+            <a:fld id="{F141D804-3B3B-4646-AFF4-D2AC84DCEC5F}" type="slidenum">
+              <a:rPr lang="de-DE" smtClean="0"/>
+              <a:t>16</a:t>
+            </a:fld>
+            <a:endParaRPr lang="de-DE"/>
+          </a:p>
+        </p:txBody>
+      </p:sp>
+    </p:spTree>
+    <p:extLst>
+      <p:ext uri="{BB962C8B-B14F-4D97-AF65-F5344CB8AC3E}">
+        <p14:creationId xmlns:p14="http://schemas.microsoft.com/office/powerpoint/2010/main" val="486966828"/>
+      </p:ext>
+    </p:extLst>
+  </p:cSld>
+  <p:clrMapOvr>
+    <a:masterClrMapping/>
+  </p:clrMapOvr>
+  <p:timing>
+    <p:tnLst>
+      <p:par>
+        <p:cTn id="1" dur="indefinite" restart="never" nodeType="tmRoot"/>
+      </p:par>
+    </p:tnLst>
+  </p:timing>
+</p:sld>
+</file>
+
+<file path=ppt/slides/slide17.xml><?xml version="1.0" encoding="utf-8"?>
+<p:sld xmlns:a="http://schemas.openxmlformats.org/drawingml/2006/main" xmlns:r="http://schemas.openxmlformats.org/officeDocument/2006/relationships" xmlns:p="http://schemas.openxmlformats.org/presentationml/2006/main">
+  <p:cSld>
+    <p:spTree>
+      <p:nvGrpSpPr>
+        <p:cNvPr id="1" name=""/>
+        <p:cNvGrpSpPr/>
+        <p:nvPr/>
+      </p:nvGrpSpPr>
+      <p:grpSpPr>
+        <a:xfrm>
+          <a:off x="0" y="0"/>
+          <a:ext cx="0" cy="0"/>
+          <a:chOff x="0" y="0"/>
+          <a:chExt cx="0" cy="0"/>
+        </a:xfrm>
+      </p:grpSpPr>
+      <p:sp>
+        <p:nvSpPr>
+          <p:cNvPr id="2" name="Title 1"/>
+          <p:cNvSpPr>
+            <a:spLocks noGrp="1"/>
+          </p:cNvSpPr>
+          <p:nvPr>
+            <p:ph type="title"/>
+          </p:nvPr>
+        </p:nvSpPr>
+        <p:spPr/>
+        <p:txBody>
+          <a:bodyPr>
+            <a:normAutofit/>
+          </a:bodyPr>
+          <a:lstStyle/>
+          <a:p>
+            <a:r>
+              <a:rPr lang="nl-BE" dirty="0" err="1" smtClean="0">
+                <a:solidFill>
+                  <a:srgbClr val="663300">
+                    <a:alpha val="90000"/>
+                  </a:srgbClr>
+                </a:solidFill>
+                <a:latin typeface="Gill Sans MT" panose="020B0502020104020203" pitchFamily="34" charset="0"/>
+                <a:ea typeface="Verdana" panose="020B0604030504040204" pitchFamily="34" charset="0"/>
+                <a:cs typeface="Verdana" panose="020B0604030504040204" pitchFamily="34" charset="0"/>
+              </a:rPr>
+              <a:t>To</a:t>
+            </a:r>
+            <a:r>
+              <a:rPr lang="nl-BE" dirty="0" smtClean="0">
+                <a:solidFill>
+                  <a:srgbClr val="663300">
+                    <a:alpha val="90000"/>
+                  </a:srgbClr>
+                </a:solidFill>
+                <a:latin typeface="Gill Sans MT" panose="020B0502020104020203" pitchFamily="34" charset="0"/>
+                <a:ea typeface="Verdana" panose="020B0604030504040204" pitchFamily="34" charset="0"/>
+                <a:cs typeface="Verdana" panose="020B0604030504040204" pitchFamily="34" charset="0"/>
+              </a:rPr>
+              <a:t> Do</a:t>
+            </a:r>
+            <a:endParaRPr lang="nl-BE" dirty="0">
+              <a:solidFill>
+                <a:srgbClr val="663300">
+                  <a:alpha val="90000"/>
+                </a:srgbClr>
+              </a:solidFill>
+              <a:latin typeface="Gill Sans MT" panose="020B0502020104020203" pitchFamily="34" charset="0"/>
+              <a:ea typeface="Verdana" panose="020B0604030504040204" pitchFamily="34" charset="0"/>
+              <a:cs typeface="Verdana" panose="020B0604030504040204" pitchFamily="34" charset="0"/>
+            </a:endParaRPr>
+          </a:p>
+        </p:txBody>
+      </p:sp>
+      <p:sp>
+        <p:nvSpPr>
+          <p:cNvPr id="3" name="Content Placeholder 2"/>
+          <p:cNvSpPr>
+            <a:spLocks noGrp="1"/>
+          </p:cNvSpPr>
+          <p:nvPr>
+            <p:ph idx="1"/>
+          </p:nvPr>
+        </p:nvSpPr>
+        <p:spPr/>
+        <p:txBody>
+          <a:bodyPr>
+            <a:normAutofit/>
+          </a:bodyPr>
+          <a:lstStyle/>
+          <a:p>
+            <a:r>
+              <a:rPr lang="nl-BE" dirty="0" err="1" smtClean="0">
+                <a:solidFill>
+                  <a:srgbClr val="663300">
+                    <a:alpha val="88000"/>
+                  </a:srgbClr>
+                </a:solidFill>
+                <a:latin typeface="Gill Sans MT" panose="020B0502020104020203" pitchFamily="34" charset="0"/>
+              </a:rPr>
+              <a:t>Working</a:t>
+            </a:r>
+            <a:r>
+              <a:rPr lang="nl-BE" dirty="0" smtClean="0">
+                <a:solidFill>
+                  <a:srgbClr val="663300">
+                    <a:alpha val="88000"/>
+                  </a:srgbClr>
+                </a:solidFill>
+                <a:latin typeface="Gill Sans MT" panose="020B0502020104020203" pitchFamily="34" charset="0"/>
+              </a:rPr>
+              <a:t> demo van test suites in serie</a:t>
+            </a:r>
+          </a:p>
+          <a:p>
+            <a:r>
+              <a:rPr lang="nl-BE" dirty="0" err="1" smtClean="0">
+                <a:solidFill>
+                  <a:srgbClr val="663300">
+                    <a:alpha val="88000"/>
+                  </a:srgbClr>
+                </a:solidFill>
+                <a:latin typeface="Gill Sans MT" panose="020B0502020104020203" pitchFamily="34" charset="0"/>
+              </a:rPr>
+              <a:t>Paralleliseren</a:t>
+            </a:r>
+            <a:r>
+              <a:rPr lang="nl-BE" dirty="0" smtClean="0">
+                <a:solidFill>
+                  <a:srgbClr val="663300">
+                    <a:alpha val="88000"/>
+                  </a:srgbClr>
+                </a:solidFill>
+                <a:latin typeface="Gill Sans MT" panose="020B0502020104020203" pitchFamily="34" charset="0"/>
+              </a:rPr>
+              <a:t> van de test suites</a:t>
+            </a:r>
+          </a:p>
+          <a:p>
+            <a:pPr lvl="1"/>
+            <a:r>
+              <a:rPr lang="nl-BE" dirty="0" smtClean="0">
+                <a:solidFill>
+                  <a:srgbClr val="663300">
+                    <a:alpha val="88000"/>
+                  </a:srgbClr>
+                </a:solidFill>
+                <a:latin typeface="Gill Sans MT" panose="020B0502020104020203" pitchFamily="34" charset="0"/>
+              </a:rPr>
+              <a:t>Unieke data</a:t>
+            </a:r>
+          </a:p>
+          <a:p>
+            <a:r>
+              <a:rPr lang="nl-BE" dirty="0" err="1" smtClean="0">
+                <a:solidFill>
+                  <a:srgbClr val="663300">
+                    <a:alpha val="88000"/>
+                  </a:srgbClr>
+                </a:solidFill>
+                <a:latin typeface="Gill Sans MT" panose="020B0502020104020203" pitchFamily="34" charset="0"/>
+              </a:rPr>
+              <a:t>Working</a:t>
+            </a:r>
+            <a:r>
+              <a:rPr lang="nl-BE" dirty="0" smtClean="0">
+                <a:solidFill>
+                  <a:srgbClr val="663300">
+                    <a:alpha val="88000"/>
+                  </a:srgbClr>
+                </a:solidFill>
+                <a:latin typeface="Gill Sans MT" panose="020B0502020104020203" pitchFamily="34" charset="0"/>
+              </a:rPr>
+              <a:t> demo van de test suites in parallel</a:t>
+            </a:r>
+            <a:endParaRPr lang="nl-BE" dirty="0" smtClean="0">
+              <a:solidFill>
+                <a:srgbClr val="663300">
+                  <a:alpha val="88000"/>
+                </a:srgbClr>
+              </a:solidFill>
+              <a:latin typeface="Gill Sans MT" panose="020B0502020104020203" pitchFamily="34" charset="0"/>
+            </a:endParaRPr>
+          </a:p>
+          <a:p>
+            <a:endParaRPr lang="nl-BE" dirty="0">
+              <a:solidFill>
+                <a:srgbClr val="663300">
+                  <a:alpha val="88000"/>
+                </a:srgbClr>
+              </a:solidFill>
+              <a:latin typeface="Gill Sans MT" panose="020B0502020104020203" pitchFamily="34" charset="0"/>
+            </a:endParaRPr>
+          </a:p>
+        </p:txBody>
+      </p:sp>
+      <p:sp>
+        <p:nvSpPr>
+          <p:cNvPr id="4" name="Slide Number Placeholder 3"/>
+          <p:cNvSpPr>
+            <a:spLocks noGrp="1"/>
+          </p:cNvSpPr>
+          <p:nvPr>
+            <p:ph type="sldNum" sz="quarter" idx="12"/>
+          </p:nvPr>
+        </p:nvSpPr>
+        <p:spPr/>
+        <p:txBody>
+          <a:bodyPr/>
+          <a:lstStyle/>
+          <a:p>
+            <a:fld id="{F141D804-3B3B-4646-AFF4-D2AC84DCEC5F}" type="slidenum">
+              <a:rPr lang="de-DE" smtClean="0"/>
+              <a:t>17</a:t>
+            </a:fld>
+            <a:endParaRPr lang="de-DE"/>
+          </a:p>
+        </p:txBody>
+      </p:sp>
+    </p:spTree>
+    <p:extLst>
+      <p:ext uri="{BB962C8B-B14F-4D97-AF65-F5344CB8AC3E}">
+        <p14:creationId xmlns:p14="http://schemas.microsoft.com/office/powerpoint/2010/main" val="3285638322"/>
+      </p:ext>
+    </p:extLst>
+  </p:cSld>
+  <p:clrMapOvr>
+    <a:masterClrMapping/>
+  </p:clrMapOvr>
+  <p:timing>
+    <p:tnLst>
+      <p:par>
+        <p:cTn id="1" dur="indefinite" restart="never" nodeType="tmRoot"/>
+      </p:par>
+    </p:tnLst>
+  </p:timing>
+</p:sld>
+</file>
+
+<file path=ppt/slides/slide18.xml><?xml version="1.0" encoding="utf-8"?>
+<p:sld xmlns:a="http://schemas.openxmlformats.org/drawingml/2006/main" xmlns:r="http://schemas.openxmlformats.org/officeDocument/2006/relationships" xmlns:p="http://schemas.openxmlformats.org/presentationml/2006/main">
+  <p:cSld>
+    <p:spTree>
+      <p:nvGrpSpPr>
+        <p:cNvPr id="1" name=""/>
+        <p:cNvGrpSpPr/>
+        <p:nvPr/>
+      </p:nvGrpSpPr>
+      <p:grpSpPr>
+        <a:xfrm>
+          <a:off x="0" y="0"/>
+          <a:ext cx="0" cy="0"/>
+          <a:chOff x="0" y="0"/>
+          <a:chExt cx="0" cy="0"/>
+        </a:xfrm>
+      </p:grpSpPr>
+      <p:sp>
+        <p:nvSpPr>
+          <p:cNvPr id="2" name="Title 1"/>
+          <p:cNvSpPr>
+            <a:spLocks noGrp="1"/>
+          </p:cNvSpPr>
+          <p:nvPr>
+            <p:ph type="title"/>
+          </p:nvPr>
+        </p:nvSpPr>
+        <p:spPr/>
+        <p:txBody>
+          <a:bodyPr>
+            <a:normAutofit/>
+          </a:bodyPr>
+          <a:lstStyle/>
+          <a:p>
+            <a:r>
+              <a:rPr lang="en-US" dirty="0" smtClean="0">
+                <a:solidFill>
+                  <a:srgbClr val="663300">
+                    <a:alpha val="90000"/>
+                  </a:srgbClr>
+                </a:solidFill>
+                <a:latin typeface="Gill Sans MT" panose="020B0502020104020203" pitchFamily="34" charset="0"/>
+                <a:ea typeface="Verdana" panose="020B0604030504040204" pitchFamily="34" charset="0"/>
+                <a:cs typeface="Verdana" panose="020B0604030504040204" pitchFamily="34" charset="0"/>
+              </a:rPr>
+              <a:t>Gantt chart</a:t>
+            </a:r>
+            <a:endParaRPr lang="de-DE" dirty="0">
+              <a:solidFill>
+                <a:srgbClr val="663300">
+                  <a:alpha val="90000"/>
+                </a:srgbClr>
+              </a:solidFill>
+              <a:latin typeface="Gill Sans MT" panose="020B0502020104020203" pitchFamily="34" charset="0"/>
+              <a:ea typeface="Verdana" panose="020B0604030504040204" pitchFamily="34" charset="0"/>
+              <a:cs typeface="Verdana" panose="020B0604030504040204" pitchFamily="34" charset="0"/>
+            </a:endParaRPr>
+          </a:p>
+        </p:txBody>
+      </p:sp>
+      <p:pic>
+        <p:nvPicPr>
+          <p:cNvPr id="5" name="Content Placeholder 4"/>
+          <p:cNvPicPr>
+            <a:picLocks noGrp="1" noChangeAspect="1"/>
+          </p:cNvPicPr>
+          <p:nvPr>
+            <p:ph idx="1"/>
+          </p:nvPr>
+        </p:nvPicPr>
+        <p:blipFill>
+          <a:blip r:embed="rId2">
+            <a:extLst>
+              <a:ext uri="{28A0092B-C50C-407E-A947-70E740481C1C}">
+                <a14:useLocalDpi xmlns:a14="http://schemas.microsoft.com/office/drawing/2010/main" val="0"/>
+              </a:ext>
+            </a:extLst>
+          </a:blip>
+          <a:stretch>
+            <a:fillRect/>
+          </a:stretch>
+        </p:blipFill>
+        <p:spPr>
+          <a:xfrm>
+            <a:off x="0" y="1477138"/>
+            <a:ext cx="12192000" cy="5380862"/>
+          </a:xfrm>
+        </p:spPr>
+      </p:pic>
+      <p:sp>
+        <p:nvSpPr>
+          <p:cNvPr id="4" name="Slide Number Placeholder 3"/>
+          <p:cNvSpPr>
+            <a:spLocks noGrp="1"/>
+          </p:cNvSpPr>
+          <p:nvPr>
+            <p:ph type="sldNum" sz="quarter" idx="12"/>
+          </p:nvPr>
+        </p:nvSpPr>
+        <p:spPr/>
+        <p:txBody>
+          <a:bodyPr/>
+          <a:lstStyle/>
+          <a:p>
+            <a:fld id="{F141D804-3B3B-4646-AFF4-D2AC84DCEC5F}" type="slidenum">
+              <a:rPr lang="de-DE" smtClean="0"/>
+              <a:t>18</a:t>
+            </a:fld>
+            <a:endParaRPr lang="de-DE"/>
+          </a:p>
+        </p:txBody>
+      </p:sp>
+    </p:spTree>
+    <p:extLst>
+      <p:ext uri="{BB962C8B-B14F-4D97-AF65-F5344CB8AC3E}">
+        <p14:creationId xmlns:p14="http://schemas.microsoft.com/office/powerpoint/2010/main" val="3071020175"/>
+      </p:ext>
+    </p:extLst>
+  </p:cSld>
+  <p:clrMapOvr>
+    <a:masterClrMapping/>
+  </p:clrMapOvr>
+  <p:timing>
+    <p:tnLst>
+      <p:par>
+        <p:cTn id="1" dur="indefinite" restart="never" nodeType="tmRoot"/>
+      </p:par>
+    </p:tnLst>
+  </p:timing>
+</p:sld>
+</file>
+
+<file path=ppt/slides/slide19.xml><?xml version="1.0" encoding="utf-8"?>
+<p:sld xmlns:a="http://schemas.openxmlformats.org/drawingml/2006/main" xmlns:r="http://schemas.openxmlformats.org/officeDocument/2006/relationships" xmlns:p="http://schemas.openxmlformats.org/presentationml/2006/main">
+  <p:cSld>
+    <p:spTree>
+      <p:nvGrpSpPr>
+        <p:cNvPr id="1" name=""/>
+        <p:cNvGrpSpPr/>
+        <p:nvPr/>
+      </p:nvGrpSpPr>
+      <p:grpSpPr>
+        <a:xfrm>
+          <a:off x="0" y="0"/>
+          <a:ext cx="0" cy="0"/>
+          <a:chOff x="0" y="0"/>
+          <a:chExt cx="0" cy="0"/>
+        </a:xfrm>
+      </p:grpSpPr>
+      <p:sp>
+        <p:nvSpPr>
+          <p:cNvPr id="2" name="Title 1"/>
+          <p:cNvSpPr>
+            <a:spLocks noGrp="1"/>
+          </p:cNvSpPr>
+          <p:nvPr>
+            <p:ph type="title"/>
+          </p:nvPr>
+        </p:nvSpPr>
+        <p:spPr/>
+        <p:txBody>
+          <a:bodyPr>
+            <a:normAutofit/>
+          </a:bodyPr>
+          <a:lstStyle/>
+          <a:p>
+            <a:r>
+              <a:rPr lang="en-US" dirty="0" err="1" smtClean="0">
+                <a:solidFill>
+                  <a:srgbClr val="663300">
+                    <a:alpha val="90000"/>
+                  </a:srgbClr>
+                </a:solidFill>
+                <a:latin typeface="Gill Sans MT" panose="020B0502020104020203" pitchFamily="34" charset="0"/>
+                <a:ea typeface="Verdana" panose="020B0604030504040204" pitchFamily="34" charset="0"/>
+                <a:cs typeface="Verdana" panose="020B0604030504040204" pitchFamily="34" charset="0"/>
+              </a:rPr>
+              <a:t>Overzicht</a:t>
+            </a:r>
+            <a:endParaRPr lang="de-DE" dirty="0">
+              <a:solidFill>
+                <a:srgbClr val="663300">
+                  <a:alpha val="90000"/>
+                </a:srgbClr>
+              </a:solidFill>
+              <a:latin typeface="Gill Sans MT" panose="020B0502020104020203" pitchFamily="34" charset="0"/>
+              <a:ea typeface="Verdana" panose="020B0604030504040204" pitchFamily="34" charset="0"/>
+              <a:cs typeface="Verdana" panose="020B0604030504040204" pitchFamily="34" charset="0"/>
+            </a:endParaRPr>
+          </a:p>
+        </p:txBody>
+      </p:sp>
+      <p:sp>
+        <p:nvSpPr>
+          <p:cNvPr id="3" name="Content Placeholder 2"/>
+          <p:cNvSpPr>
+            <a:spLocks noGrp="1"/>
+          </p:cNvSpPr>
+          <p:nvPr>
+            <p:ph idx="1"/>
+          </p:nvPr>
+        </p:nvSpPr>
+        <p:spPr/>
+        <p:txBody>
+          <a:bodyPr>
+            <a:normAutofit/>
+          </a:bodyPr>
+          <a:lstStyle/>
+          <a:p>
+            <a:r>
+              <a:rPr lang="en-US" dirty="0" err="1" smtClean="0">
+                <a:solidFill>
+                  <a:srgbClr val="663300">
+                    <a:alpha val="88000"/>
+                  </a:srgbClr>
+                </a:solidFill>
+                <a:latin typeface="Gill Sans MT" panose="020B0502020104020203" pitchFamily="34" charset="0"/>
+              </a:rPr>
+              <a:t>Bedrijf</a:t>
+            </a:r>
+            <a:endParaRPr lang="en-US" dirty="0" smtClean="0">
+              <a:solidFill>
+                <a:srgbClr val="663300">
+                  <a:alpha val="88000"/>
+                </a:srgbClr>
+              </a:solidFill>
+              <a:latin typeface="Gill Sans MT" panose="020B0502020104020203" pitchFamily="34" charset="0"/>
+            </a:endParaRPr>
+          </a:p>
+          <a:p>
+            <a:r>
+              <a:rPr lang="en-US" dirty="0" err="1" smtClean="0">
+                <a:solidFill>
+                  <a:srgbClr val="663300">
+                    <a:alpha val="88000"/>
+                  </a:srgbClr>
+                </a:solidFill>
+                <a:latin typeface="Gill Sans MT" panose="020B0502020104020203" pitchFamily="34" charset="0"/>
+              </a:rPr>
+              <a:t>Probleemstelling</a:t>
+            </a:r>
+            <a:endParaRPr lang="en-US" dirty="0" smtClean="0">
+              <a:solidFill>
+                <a:srgbClr val="663300">
+                  <a:alpha val="88000"/>
+                </a:srgbClr>
+              </a:solidFill>
+              <a:latin typeface="Gill Sans MT" panose="020B0502020104020203" pitchFamily="34" charset="0"/>
+            </a:endParaRPr>
+          </a:p>
+          <a:p>
+            <a:r>
+              <a:rPr lang="en-US" dirty="0" err="1" smtClean="0">
+                <a:solidFill>
+                  <a:srgbClr val="663300">
+                    <a:alpha val="88000"/>
+                  </a:srgbClr>
+                </a:solidFill>
+                <a:latin typeface="Gill Sans MT" panose="020B0502020104020203" pitchFamily="34" charset="0"/>
+              </a:rPr>
+              <a:t>Doelstellingen</a:t>
+            </a:r>
+            <a:endParaRPr lang="en-US" dirty="0" smtClean="0">
+              <a:solidFill>
+                <a:srgbClr val="663300">
+                  <a:alpha val="88000"/>
+                </a:srgbClr>
+              </a:solidFill>
+              <a:latin typeface="Gill Sans MT" panose="020B0502020104020203" pitchFamily="34" charset="0"/>
+            </a:endParaRPr>
+          </a:p>
+          <a:p>
+            <a:r>
+              <a:rPr lang="en-US" dirty="0" err="1" smtClean="0">
+                <a:solidFill>
+                  <a:srgbClr val="663300">
+                    <a:alpha val="88000"/>
+                  </a:srgbClr>
+                </a:solidFill>
+                <a:latin typeface="Gill Sans MT" panose="020B0502020104020203" pitchFamily="34" charset="0"/>
+              </a:rPr>
+              <a:t>Oplossingsmethode</a:t>
+            </a:r>
+            <a:endParaRPr lang="en-US" dirty="0" smtClean="0">
+              <a:solidFill>
+                <a:srgbClr val="663300">
+                  <a:alpha val="88000"/>
+                </a:srgbClr>
+              </a:solidFill>
+              <a:latin typeface="Gill Sans MT" panose="020B0502020104020203" pitchFamily="34" charset="0"/>
+            </a:endParaRPr>
+          </a:p>
+          <a:p>
+            <a:r>
+              <a:rPr lang="en-US" dirty="0" smtClean="0">
+                <a:solidFill>
+                  <a:srgbClr val="663300">
+                    <a:alpha val="88000"/>
+                  </a:srgbClr>
+                </a:solidFill>
+                <a:latin typeface="Gill Sans MT" panose="020B0502020104020203" pitchFamily="34" charset="0"/>
+              </a:rPr>
+              <a:t>Done</a:t>
+            </a:r>
+          </a:p>
+          <a:p>
+            <a:r>
+              <a:rPr lang="en-US" dirty="0" smtClean="0">
+                <a:solidFill>
+                  <a:srgbClr val="663300">
+                    <a:alpha val="88000"/>
+                  </a:srgbClr>
+                </a:solidFill>
+                <a:latin typeface="Gill Sans MT" panose="020B0502020104020203" pitchFamily="34" charset="0"/>
+              </a:rPr>
+              <a:t>To do</a:t>
+            </a:r>
+            <a:endParaRPr lang="en-US" dirty="0" smtClean="0">
+              <a:solidFill>
+                <a:srgbClr val="663300">
+                  <a:alpha val="88000"/>
+                </a:srgbClr>
+              </a:solidFill>
+              <a:latin typeface="Gill Sans MT" panose="020B0502020104020203" pitchFamily="34" charset="0"/>
+            </a:endParaRPr>
+          </a:p>
+          <a:p>
+            <a:r>
+              <a:rPr lang="en-US" b="1" dirty="0" err="1" smtClean="0">
+                <a:solidFill>
+                  <a:srgbClr val="663300">
+                    <a:alpha val="88000"/>
+                  </a:srgbClr>
+                </a:solidFill>
+                <a:latin typeface="Gill Sans MT" panose="020B0502020104020203" pitchFamily="34" charset="0"/>
+              </a:rPr>
+              <a:t>Doelstellingen</a:t>
+            </a:r>
+            <a:r>
+              <a:rPr lang="en-US" b="1" dirty="0" smtClean="0">
+                <a:solidFill>
+                  <a:srgbClr val="663300">
+                    <a:alpha val="88000"/>
+                  </a:srgbClr>
+                </a:solidFill>
+                <a:latin typeface="Gill Sans MT" panose="020B0502020104020203" pitchFamily="34" charset="0"/>
+              </a:rPr>
+              <a:t> cont.</a:t>
+            </a:r>
+            <a:endParaRPr lang="en-US" b="1" dirty="0" smtClean="0">
+              <a:solidFill>
+                <a:srgbClr val="663300">
+                  <a:alpha val="88000"/>
+                </a:srgbClr>
+              </a:solidFill>
+              <a:latin typeface="Gill Sans MT" panose="020B0502020104020203" pitchFamily="34" charset="0"/>
+            </a:endParaRPr>
+          </a:p>
+          <a:p>
+            <a:r>
+              <a:rPr lang="en-US" dirty="0" err="1" smtClean="0">
+                <a:solidFill>
+                  <a:srgbClr val="663300">
+                    <a:alpha val="88000"/>
+                  </a:srgbClr>
+                </a:solidFill>
+                <a:latin typeface="Gill Sans MT" panose="020B0502020104020203" pitchFamily="34" charset="0"/>
+              </a:rPr>
+              <a:t>Vragen</a:t>
+            </a:r>
+            <a:endParaRPr lang="en-US" dirty="0" smtClean="0">
+              <a:solidFill>
+                <a:srgbClr val="663300">
+                  <a:alpha val="88000"/>
+                </a:srgbClr>
+              </a:solidFill>
+              <a:latin typeface="Gill Sans MT" panose="020B0502020104020203" pitchFamily="34" charset="0"/>
+            </a:endParaRPr>
+          </a:p>
+          <a:p>
+            <a:endParaRPr lang="de-DE" dirty="0">
+              <a:solidFill>
+                <a:srgbClr val="663300">
+                  <a:alpha val="88000"/>
+                </a:srgbClr>
+              </a:solidFill>
+              <a:latin typeface="Gill Sans MT" panose="020B0502020104020203" pitchFamily="34" charset="0"/>
+            </a:endParaRPr>
+          </a:p>
+        </p:txBody>
+      </p:sp>
+      <p:sp>
+        <p:nvSpPr>
+          <p:cNvPr id="4" name="Slide Number Placeholder 3"/>
+          <p:cNvSpPr>
+            <a:spLocks noGrp="1"/>
+          </p:cNvSpPr>
+          <p:nvPr>
+            <p:ph type="sldNum" sz="quarter" idx="12"/>
+          </p:nvPr>
+        </p:nvSpPr>
+        <p:spPr/>
+        <p:txBody>
+          <a:bodyPr/>
+          <a:lstStyle/>
+          <a:p>
+            <a:fld id="{F141D804-3B3B-4646-AFF4-D2AC84DCEC5F}" type="slidenum">
+              <a:rPr lang="de-DE" smtClean="0"/>
+              <a:t>19</a:t>
+            </a:fld>
+            <a:endParaRPr lang="de-DE"/>
+          </a:p>
+        </p:txBody>
+      </p:sp>
+    </p:spTree>
+    <p:extLst>
+      <p:ext uri="{BB962C8B-B14F-4D97-AF65-F5344CB8AC3E}">
+        <p14:creationId xmlns:p14="http://schemas.microsoft.com/office/powerpoint/2010/main" val="3719869024"/>
       </p:ext>
     </p:extLst>
   </p:cSld>
@@ -3928,6 +8447,27 @@
           <a:lstStyle/>
           <a:p>
             <a:r>
+              <a:rPr lang="en-US" b="1" dirty="0" err="1" smtClean="0">
+                <a:solidFill>
+                  <a:srgbClr val="663300">
+                    <a:alpha val="88000"/>
+                  </a:srgbClr>
+                </a:solidFill>
+                <a:latin typeface="Gill Sans MT" panose="020B0502020104020203" pitchFamily="34" charset="0"/>
+              </a:rPr>
+              <a:t>Bedrijf</a:t>
+            </a:r>
+            <a:endParaRPr lang="en-US" b="1" dirty="0" smtClean="0">
+              <a:solidFill>
+                <a:srgbClr val="663300">
+                  <a:alpha val="88000"/>
+                </a:srgbClr>
+              </a:solidFill>
+              <a:latin typeface="Gill Sans MT" panose="020B0502020104020203" pitchFamily="34" charset="0"/>
+            </a:endParaRPr>
+          </a:p>
+          <a:p>
+            <a:r>
               <a:rPr lang="en-US" dirty="0" err="1" smtClean="0">
                 <a:solidFill>
                   <a:srgbClr val="663300">
@@ -3936,7 +8476,7 @@
                 </a:solidFill>
                 <a:latin typeface="Gill Sans MT" panose="020B0502020104020203" pitchFamily="34" charset="0"/>
               </a:rPr>
-              <a:t>Bedrijf</a:t>
+              <a:t>Probleemstelling</a:t>
             </a:r>
             <a:endParaRPr lang="en-US" dirty="0" smtClean="0">
               <a:solidFill>
@@ -3957,7 +8497,7 @@
                 </a:solidFill>
                 <a:latin typeface="Gill Sans MT" panose="020B0502020104020203" pitchFamily="34" charset="0"/>
               </a:rPr>
-              <a:t>Probleemstelling</a:t>
+              <a:t>Doelstellingen</a:t>
             </a:r>
             <a:endParaRPr lang="en-US" dirty="0" smtClean="0">
               <a:solidFill>
@@ -3978,7 +8518,7 @@
                 </a:solidFill>
                 <a:latin typeface="Gill Sans MT" panose="020B0502020104020203" pitchFamily="34" charset="0"/>
               </a:rPr>
-              <a:t>Doelstellingen</a:t>
+              <a:t>Oplossingsmethode</a:t>
             </a:r>
             <a:endParaRPr lang="en-US" dirty="0" smtClean="0">
               <a:solidFill>
@@ -3991,6 +8531,32 @@
           </a:p>
           <a:p>
             <a:r>
+              <a:rPr lang="en-US" dirty="0" smtClean="0">
+                <a:solidFill>
+                  <a:srgbClr val="663300">
+                    <a:alpha val="88000"/>
+                  </a:srgbClr>
+                </a:solidFill>
+                <a:latin typeface="Gill Sans MT" panose="020B0502020104020203" pitchFamily="34" charset="0"/>
+              </a:rPr>
+              <a:t>Done</a:t>
+            </a:r>
+          </a:p>
+          <a:p>
+            <a:r>
+              <a:rPr lang="en-US" dirty="0" smtClean="0">
+                <a:solidFill>
+                  <a:srgbClr val="663300">
+                    <a:alpha val="88000"/>
+                  </a:srgbClr>
+                </a:solidFill>
+                <a:latin typeface="Gill Sans MT" panose="020B0502020104020203" pitchFamily="34" charset="0"/>
+              </a:rPr>
+              <a:t>To do</a:t>
+            </a:r>
+          </a:p>
+          <a:p>
+            <a:r>
               <a:rPr lang="en-US" dirty="0" err="1" smtClean="0">
                 <a:solidFill>
                   <a:srgbClr val="663300">
@@ -3999,7 +8565,18 @@
                 </a:solidFill>
                 <a:latin typeface="Gill Sans MT" panose="020B0502020104020203" pitchFamily="34" charset="0"/>
               </a:rPr>
-              <a:t>Oplossingsmethode</a:t>
+              <a:t>Doelstellingen</a:t>
+            </a:r>
+            <a:r>
+              <a:rPr lang="en-US" dirty="0" smtClean="0">
+                <a:solidFill>
+                  <a:srgbClr val="663300">
+                    <a:alpha val="88000"/>
+                  </a:srgbClr>
+                </a:solidFill>
+                <a:latin typeface="Gill Sans MT" panose="020B0502020104020203" pitchFamily="34" charset="0"/>
+              </a:rPr>
+              <a:t> cont.</a:t>
             </a:r>
             <a:endParaRPr lang="en-US" dirty="0" smtClean="0">
               <a:solidFill>
@@ -4012,19 +8589,6 @@
           </a:p>
           <a:p>
             <a:r>
-              <a:rPr lang="en-US" dirty="0" smtClean="0">
-                <a:solidFill>
-                  <a:srgbClr val="663300">
-                    <a:alpha val="88000"/>
-                  </a:srgbClr>
-                </a:solidFill>
-                <a:latin typeface="Gill Sans MT" panose="020B0502020104020203" pitchFamily="34" charset="0"/>
-              </a:rPr>
-              <a:t>Planning</a:t>
-            </a:r>
-          </a:p>
-          <a:p>
-            <a:r>
               <a:rPr lang="en-US" dirty="0" err="1" smtClean="0">
                 <a:solidFill>
                   <a:srgbClr val="663300">
@@ -4033,7 +8597,7 @@
                 </a:solidFill>
                 <a:latin typeface="Gill Sans MT" panose="020B0502020104020203" pitchFamily="34" charset="0"/>
               </a:rPr>
-              <a:t>Problemen</a:t>
+              <a:t>Vragen</a:t>
             </a:r>
             <a:endParaRPr lang="en-US" dirty="0" smtClean="0">
               <a:solidFill>
@@ -4045,16 +8609,695 @@
             </a:endParaRPr>
           </a:p>
           <a:p>
+            <a:endParaRPr lang="de-DE" dirty="0">
+              <a:solidFill>
+                <a:srgbClr val="663300">
+                  <a:alpha val="88000"/>
+                </a:srgbClr>
+              </a:solidFill>
+              <a:latin typeface="Gill Sans MT" panose="020B0502020104020203" pitchFamily="34" charset="0"/>
+            </a:endParaRPr>
+          </a:p>
+        </p:txBody>
+      </p:sp>
+      <p:sp>
+        <p:nvSpPr>
+          <p:cNvPr id="4" name="Slide Number Placeholder 3"/>
+          <p:cNvSpPr>
+            <a:spLocks noGrp="1"/>
+          </p:cNvSpPr>
+          <p:nvPr>
+            <p:ph type="sldNum" sz="quarter" idx="12"/>
+          </p:nvPr>
+        </p:nvSpPr>
+        <p:spPr/>
+        <p:txBody>
+          <a:bodyPr/>
+          <a:lstStyle/>
+          <a:p>
+            <a:fld id="{F141D804-3B3B-4646-AFF4-D2AC84DCEC5F}" type="slidenum">
+              <a:rPr lang="de-DE" smtClean="0"/>
+              <a:t>2</a:t>
+            </a:fld>
+            <a:endParaRPr lang="de-DE"/>
+          </a:p>
+        </p:txBody>
+      </p:sp>
+    </p:spTree>
+    <p:extLst>
+      <p:ext uri="{BB962C8B-B14F-4D97-AF65-F5344CB8AC3E}">
+        <p14:creationId xmlns:p14="http://schemas.microsoft.com/office/powerpoint/2010/main" val="1179688311"/>
+      </p:ext>
+    </p:extLst>
+  </p:cSld>
+  <p:clrMapOvr>
+    <a:masterClrMapping/>
+  </p:clrMapOvr>
+  <p:timing>
+    <p:tnLst>
+      <p:par>
+        <p:cTn id="1" dur="indefinite" restart="never" nodeType="tmRoot"/>
+      </p:par>
+    </p:tnLst>
+  </p:timing>
+</p:sld>
+</file>
+
+<file path=ppt/slides/slide20.xml><?xml version="1.0" encoding="utf-8"?>
+<p:sld xmlns:a="http://schemas.openxmlformats.org/drawingml/2006/main" xmlns:r="http://schemas.openxmlformats.org/officeDocument/2006/relationships" xmlns:p="http://schemas.openxmlformats.org/presentationml/2006/main">
+  <p:cSld>
+    <p:spTree>
+      <p:nvGrpSpPr>
+        <p:cNvPr id="1" name=""/>
+        <p:cNvGrpSpPr/>
+        <p:nvPr/>
+      </p:nvGrpSpPr>
+      <p:grpSpPr>
+        <a:xfrm>
+          <a:off x="0" y="0"/>
+          <a:ext cx="0" cy="0"/>
+          <a:chOff x="0" y="0"/>
+          <a:chExt cx="0" cy="0"/>
+        </a:xfrm>
+      </p:grpSpPr>
+      <p:sp>
+        <p:nvSpPr>
+          <p:cNvPr id="2" name="Title 1"/>
+          <p:cNvSpPr>
+            <a:spLocks noGrp="1"/>
+          </p:cNvSpPr>
+          <p:nvPr>
+            <p:ph type="title"/>
+          </p:nvPr>
+        </p:nvSpPr>
+        <p:spPr/>
+        <p:txBody>
+          <a:bodyPr>
+            <a:normAutofit/>
+          </a:bodyPr>
+          <a:lstStyle/>
+          <a:p>
+            <a:r>
+              <a:rPr lang="nl-BE" dirty="0" smtClean="0">
+                <a:solidFill>
+                  <a:srgbClr val="663300">
+                    <a:alpha val="90000"/>
+                  </a:srgbClr>
+                </a:solidFill>
+                <a:latin typeface="Gill Sans MT" panose="020B0502020104020203" pitchFamily="34" charset="0"/>
+                <a:ea typeface="Verdana" panose="020B0604030504040204" pitchFamily="34" charset="0"/>
+                <a:cs typeface="Verdana" panose="020B0604030504040204" pitchFamily="34" charset="0"/>
+              </a:rPr>
+              <a:t>Doelstellingen: onderzoek</a:t>
+            </a:r>
+            <a:endParaRPr lang="nl-BE" dirty="0">
+              <a:solidFill>
+                <a:srgbClr val="663300">
+                  <a:alpha val="90000"/>
+                </a:srgbClr>
+              </a:solidFill>
+              <a:latin typeface="Gill Sans MT" panose="020B0502020104020203" pitchFamily="34" charset="0"/>
+              <a:ea typeface="Verdana" panose="020B0604030504040204" pitchFamily="34" charset="0"/>
+              <a:cs typeface="Verdana" panose="020B0604030504040204" pitchFamily="34" charset="0"/>
+            </a:endParaRPr>
+          </a:p>
+        </p:txBody>
+      </p:sp>
+      <p:sp>
+        <p:nvSpPr>
+          <p:cNvPr id="3" name="Content Placeholder 2"/>
+          <p:cNvSpPr>
+            <a:spLocks noGrp="1"/>
+          </p:cNvSpPr>
+          <p:nvPr>
+            <p:ph idx="1"/>
+          </p:nvPr>
+        </p:nvSpPr>
+        <p:spPr/>
+        <p:txBody>
+          <a:bodyPr>
+            <a:normAutofit/>
+          </a:bodyPr>
+          <a:lstStyle/>
+          <a:p>
+            <a:r>
+              <a:rPr lang="nl-BE" dirty="0" smtClean="0">
+                <a:solidFill>
+                  <a:srgbClr val="663300">
+                    <a:alpha val="88000"/>
+                  </a:srgbClr>
+                </a:solidFill>
+                <a:latin typeface="Gill Sans MT" panose="020B0502020104020203" pitchFamily="34" charset="0"/>
+              </a:rPr>
+              <a:t>Documenteer voor- en nadelen</a:t>
+            </a:r>
+          </a:p>
+          <a:p>
+            <a:r>
+              <a:rPr lang="nl-BE" dirty="0" smtClean="0">
+                <a:solidFill>
+                  <a:srgbClr val="663300">
+                    <a:alpha val="88000"/>
+                  </a:srgbClr>
+                </a:solidFill>
+                <a:latin typeface="Gill Sans MT" panose="020B0502020104020203" pitchFamily="34" charset="0"/>
+              </a:rPr>
+              <a:t>Bespreek gebruikte technologieën en moeilijkheden</a:t>
+            </a:r>
+          </a:p>
+          <a:p>
+            <a:r>
+              <a:rPr lang="nl-BE" dirty="0" smtClean="0">
+                <a:solidFill>
+                  <a:srgbClr val="663300">
+                    <a:alpha val="88000"/>
+                  </a:srgbClr>
+                </a:solidFill>
+                <a:latin typeface="Gill Sans MT" panose="020B0502020104020203" pitchFamily="34" charset="0"/>
+              </a:rPr>
+              <a:t>Kwantificeer de impact op de performance</a:t>
+            </a:r>
+          </a:p>
+          <a:p>
+            <a:endParaRPr lang="nl-BE" dirty="0" smtClean="0">
+              <a:solidFill>
+                <a:srgbClr val="663300">
+                  <a:alpha val="88000"/>
+                </a:srgbClr>
+              </a:solidFill>
+              <a:latin typeface="Gill Sans MT" panose="020B0502020104020203" pitchFamily="34" charset="0"/>
+            </a:endParaRPr>
+          </a:p>
+          <a:p>
+            <a:endParaRPr lang="nl-BE" dirty="0">
+              <a:solidFill>
+                <a:srgbClr val="663300">
+                  <a:alpha val="88000"/>
+                </a:srgbClr>
+              </a:solidFill>
+              <a:latin typeface="Gill Sans MT" panose="020B0502020104020203" pitchFamily="34" charset="0"/>
+            </a:endParaRPr>
+          </a:p>
+        </p:txBody>
+      </p:sp>
+      <p:sp>
+        <p:nvSpPr>
+          <p:cNvPr id="4" name="Slide Number Placeholder 3"/>
+          <p:cNvSpPr>
+            <a:spLocks noGrp="1"/>
+          </p:cNvSpPr>
+          <p:nvPr>
+            <p:ph type="sldNum" sz="quarter" idx="12"/>
+          </p:nvPr>
+        </p:nvSpPr>
+        <p:spPr/>
+        <p:txBody>
+          <a:bodyPr/>
+          <a:lstStyle/>
+          <a:p>
+            <a:fld id="{F141D804-3B3B-4646-AFF4-D2AC84DCEC5F}" type="slidenum">
+              <a:rPr lang="de-DE" smtClean="0"/>
+              <a:t>20</a:t>
+            </a:fld>
+            <a:endParaRPr lang="de-DE"/>
+          </a:p>
+        </p:txBody>
+      </p:sp>
+    </p:spTree>
+    <p:extLst>
+      <p:ext uri="{BB962C8B-B14F-4D97-AF65-F5344CB8AC3E}">
+        <p14:creationId xmlns:p14="http://schemas.microsoft.com/office/powerpoint/2010/main" val="1058753443"/>
+      </p:ext>
+    </p:extLst>
+  </p:cSld>
+  <p:clrMapOvr>
+    <a:masterClrMapping/>
+  </p:clrMapOvr>
+  <p:timing>
+    <p:tnLst>
+      <p:par>
+        <p:cTn id="1" dur="indefinite" restart="never" nodeType="tmRoot"/>
+      </p:par>
+    </p:tnLst>
+  </p:timing>
+</p:sld>
+</file>
+
+<file path=ppt/slides/slide21.xml><?xml version="1.0" encoding="utf-8"?>
+<p:sld xmlns:a="http://schemas.openxmlformats.org/drawingml/2006/main" xmlns:r="http://schemas.openxmlformats.org/officeDocument/2006/relationships" xmlns:p="http://schemas.openxmlformats.org/presentationml/2006/main">
+  <p:cSld>
+    <p:spTree>
+      <p:nvGrpSpPr>
+        <p:cNvPr id="1" name=""/>
+        <p:cNvGrpSpPr/>
+        <p:nvPr/>
+      </p:nvGrpSpPr>
+      <p:grpSpPr>
+        <a:xfrm>
+          <a:off x="0" y="0"/>
+          <a:ext cx="0" cy="0"/>
+          <a:chOff x="0" y="0"/>
+          <a:chExt cx="0" cy="0"/>
+        </a:xfrm>
+      </p:grpSpPr>
+      <p:sp>
+        <p:nvSpPr>
+          <p:cNvPr id="2" name="Title 1"/>
+          <p:cNvSpPr>
+            <a:spLocks noGrp="1"/>
+          </p:cNvSpPr>
+          <p:nvPr>
+            <p:ph type="title"/>
+          </p:nvPr>
+        </p:nvSpPr>
+        <p:spPr/>
+        <p:txBody>
+          <a:bodyPr>
+            <a:normAutofit/>
+          </a:bodyPr>
+          <a:lstStyle/>
+          <a:p>
+            <a:r>
+              <a:rPr lang="nl-BE" dirty="0" smtClean="0">
+                <a:solidFill>
+                  <a:srgbClr val="663300">
+                    <a:alpha val="90000"/>
+                  </a:srgbClr>
+                </a:solidFill>
+                <a:latin typeface="Gill Sans MT" panose="020B0502020104020203" pitchFamily="34" charset="0"/>
+                <a:ea typeface="Verdana" panose="020B0604030504040204" pitchFamily="34" charset="0"/>
+                <a:cs typeface="Verdana" panose="020B0604030504040204" pitchFamily="34" charset="0"/>
+              </a:rPr>
+              <a:t>Doelstellingen: “stretch goals”</a:t>
+            </a:r>
+            <a:endParaRPr lang="nl-BE" dirty="0">
+              <a:solidFill>
+                <a:srgbClr val="663300">
+                  <a:alpha val="90000"/>
+                </a:srgbClr>
+              </a:solidFill>
+              <a:latin typeface="Gill Sans MT" panose="020B0502020104020203" pitchFamily="34" charset="0"/>
+              <a:ea typeface="Verdana" panose="020B0604030504040204" pitchFamily="34" charset="0"/>
+              <a:cs typeface="Verdana" panose="020B0604030504040204" pitchFamily="34" charset="0"/>
+            </a:endParaRPr>
+          </a:p>
+        </p:txBody>
+      </p:sp>
+      <p:sp>
+        <p:nvSpPr>
+          <p:cNvPr id="3" name="Content Placeholder 2"/>
+          <p:cNvSpPr>
+            <a:spLocks noGrp="1"/>
+          </p:cNvSpPr>
+          <p:nvPr>
+            <p:ph idx="1"/>
+          </p:nvPr>
+        </p:nvSpPr>
+        <p:spPr/>
+        <p:txBody>
+          <a:bodyPr>
+            <a:normAutofit/>
+          </a:bodyPr>
+          <a:lstStyle/>
+          <a:p>
+            <a:r>
+              <a:rPr lang="nl-BE" dirty="0">
+                <a:solidFill>
+                  <a:srgbClr val="663300">
+                    <a:alpha val="88000"/>
+                  </a:srgbClr>
+                </a:solidFill>
+                <a:latin typeface="Gill Sans MT" panose="020B0502020104020203" pitchFamily="34" charset="0"/>
+              </a:rPr>
+              <a:t>Dynamisch alloceren van </a:t>
+            </a:r>
+            <a:r>
+              <a:rPr lang="nl-BE" dirty="0" smtClean="0">
+                <a:solidFill>
+                  <a:srgbClr val="663300">
+                    <a:alpha val="88000"/>
+                  </a:srgbClr>
+                </a:solidFill>
+                <a:latin typeface="Gill Sans MT" panose="020B0502020104020203" pitchFamily="34" charset="0"/>
+              </a:rPr>
+              <a:t>resources</a:t>
+            </a:r>
+          </a:p>
+          <a:p>
+            <a:r>
+              <a:rPr lang="nl-BE" dirty="0" smtClean="0">
+                <a:solidFill>
+                  <a:srgbClr val="663300">
+                    <a:alpha val="88000"/>
+                  </a:srgbClr>
+                </a:solidFill>
+                <a:latin typeface="Gill Sans MT" panose="020B0502020104020203" pitchFamily="34" charset="0"/>
+              </a:rPr>
+              <a:t>Dynamisch </a:t>
+            </a:r>
+            <a:r>
+              <a:rPr lang="nl-BE" dirty="0">
+                <a:solidFill>
+                  <a:srgbClr val="663300">
+                    <a:alpha val="88000"/>
+                  </a:srgbClr>
+                </a:solidFill>
+                <a:latin typeface="Gill Sans MT" panose="020B0502020104020203" pitchFamily="34" charset="0"/>
+              </a:rPr>
+              <a:t>creëren van </a:t>
+            </a:r>
+            <a:r>
+              <a:rPr lang="nl-BE" dirty="0" smtClean="0">
+                <a:solidFill>
+                  <a:srgbClr val="663300">
+                    <a:alpha val="88000"/>
+                  </a:srgbClr>
+                </a:solidFill>
+                <a:latin typeface="Gill Sans MT" panose="020B0502020104020203" pitchFamily="34" charset="0"/>
+              </a:rPr>
+              <a:t>containers</a:t>
+            </a:r>
+            <a:endParaRPr lang="nl-BE" dirty="0" smtClean="0">
+              <a:solidFill>
+                <a:srgbClr val="663300">
+                  <a:alpha val="88000"/>
+                </a:srgbClr>
+              </a:solidFill>
+              <a:latin typeface="Gill Sans MT" panose="020B0502020104020203" pitchFamily="34" charset="0"/>
+            </a:endParaRPr>
+          </a:p>
+          <a:p>
+            <a:r>
+              <a:rPr lang="nl-BE" dirty="0" smtClean="0">
+                <a:solidFill>
+                  <a:srgbClr val="663300">
+                    <a:alpha val="88000"/>
+                  </a:srgbClr>
+                </a:solidFill>
+                <a:latin typeface="Gill Sans MT" panose="020B0502020104020203" pitchFamily="34" charset="0"/>
+              </a:rPr>
+              <a:t>Alle </a:t>
+            </a:r>
+            <a:r>
+              <a:rPr lang="nl-BE" dirty="0" smtClean="0">
+                <a:solidFill>
+                  <a:srgbClr val="663300">
+                    <a:alpha val="88000"/>
+                  </a:srgbClr>
+                </a:solidFill>
+                <a:latin typeface="Gill Sans MT" panose="020B0502020104020203" pitchFamily="34" charset="0"/>
+              </a:rPr>
+              <a:t>browser </a:t>
+            </a:r>
+            <a:r>
+              <a:rPr lang="nl-BE" dirty="0" err="1" smtClean="0">
+                <a:solidFill>
+                  <a:srgbClr val="663300">
+                    <a:alpha val="88000"/>
+                  </a:srgbClr>
+                </a:solidFill>
+                <a:latin typeface="Gill Sans MT" panose="020B0502020104020203" pitchFamily="34" charset="0"/>
+              </a:rPr>
+              <a:t>nodes</a:t>
+            </a:r>
+            <a:r>
+              <a:rPr lang="nl-BE" dirty="0" smtClean="0">
+                <a:solidFill>
+                  <a:srgbClr val="663300">
+                    <a:alpha val="88000"/>
+                  </a:srgbClr>
+                </a:solidFill>
+                <a:latin typeface="Gill Sans MT" panose="020B0502020104020203" pitchFamily="34" charset="0"/>
+              </a:rPr>
+              <a:t> in “</a:t>
+            </a:r>
+            <a:r>
+              <a:rPr lang="nl-BE" dirty="0" err="1" smtClean="0">
+                <a:solidFill>
+                  <a:srgbClr val="663300">
+                    <a:alpha val="88000"/>
+                  </a:srgbClr>
+                </a:solidFill>
+                <a:latin typeface="Gill Sans MT" panose="020B0502020104020203" pitchFamily="34" charset="0"/>
+              </a:rPr>
+              <a:t>headless</a:t>
+            </a:r>
+            <a:r>
+              <a:rPr lang="nl-BE" dirty="0" smtClean="0">
+                <a:solidFill>
+                  <a:srgbClr val="663300">
+                    <a:alpha val="88000"/>
+                  </a:srgbClr>
+                </a:solidFill>
+                <a:latin typeface="Gill Sans MT" panose="020B0502020104020203" pitchFamily="34" charset="0"/>
+              </a:rPr>
+              <a:t> mode”</a:t>
+            </a:r>
+          </a:p>
+          <a:p>
+            <a:r>
+              <a:rPr lang="nl-BE" dirty="0" smtClean="0">
+                <a:solidFill>
+                  <a:srgbClr val="663300">
+                    <a:alpha val="88000"/>
+                  </a:srgbClr>
+                </a:solidFill>
+                <a:latin typeface="Gill Sans MT" panose="020B0502020104020203" pitchFamily="34" charset="0"/>
+              </a:rPr>
+              <a:t>Migreer de </a:t>
+            </a:r>
+            <a:r>
+              <a:rPr lang="nl-BE" dirty="0" err="1" smtClean="0">
+                <a:solidFill>
+                  <a:srgbClr val="663300">
+                    <a:alpha val="88000"/>
+                  </a:srgbClr>
+                </a:solidFill>
+                <a:latin typeface="Gill Sans MT" panose="020B0502020104020203" pitchFamily="34" charset="0"/>
+              </a:rPr>
+              <a:t>Build</a:t>
+            </a:r>
+            <a:r>
+              <a:rPr lang="nl-BE" dirty="0" smtClean="0">
+                <a:solidFill>
+                  <a:srgbClr val="663300">
+                    <a:alpha val="88000"/>
+                  </a:srgbClr>
+                </a:solidFill>
+                <a:latin typeface="Gill Sans MT" panose="020B0502020104020203" pitchFamily="34" charset="0"/>
+              </a:rPr>
+              <a:t> </a:t>
+            </a:r>
+            <a:r>
+              <a:rPr lang="nl-BE" dirty="0" smtClean="0">
+                <a:solidFill>
+                  <a:srgbClr val="663300">
+                    <a:alpha val="88000"/>
+                  </a:srgbClr>
+                </a:solidFill>
+                <a:latin typeface="Gill Sans MT" panose="020B0502020104020203" pitchFamily="34" charset="0"/>
+              </a:rPr>
+              <a:t>Intake suites</a:t>
+            </a:r>
+          </a:p>
+          <a:p>
+            <a:r>
+              <a:rPr lang="nl-BE" dirty="0" smtClean="0">
+                <a:solidFill>
+                  <a:srgbClr val="663300">
+                    <a:alpha val="88000"/>
+                  </a:srgbClr>
+                </a:solidFill>
+                <a:latin typeface="Gill Sans MT" panose="020B0502020104020203" pitchFamily="34" charset="0"/>
+              </a:rPr>
+              <a:t>Migreer de </a:t>
+            </a:r>
+            <a:r>
+              <a:rPr lang="nl-BE" dirty="0" smtClean="0">
+                <a:solidFill>
+                  <a:srgbClr val="663300">
+                    <a:alpha val="88000"/>
+                  </a:srgbClr>
+                </a:solidFill>
+                <a:latin typeface="Gill Sans MT" panose="020B0502020104020203" pitchFamily="34" charset="0"/>
+              </a:rPr>
+              <a:t>Radius </a:t>
+            </a:r>
+            <a:r>
+              <a:rPr lang="nl-BE" dirty="0" err="1" smtClean="0">
+                <a:solidFill>
+                  <a:srgbClr val="663300">
+                    <a:alpha val="88000"/>
+                  </a:srgbClr>
+                </a:solidFill>
+                <a:latin typeface="Gill Sans MT" panose="020B0502020104020203" pitchFamily="34" charset="0"/>
+              </a:rPr>
+              <a:t>Authentication</a:t>
+            </a:r>
+            <a:r>
+              <a:rPr lang="nl-BE" dirty="0" smtClean="0">
+                <a:solidFill>
+                  <a:srgbClr val="663300">
+                    <a:alpha val="88000"/>
+                  </a:srgbClr>
+                </a:solidFill>
+                <a:latin typeface="Gill Sans MT" panose="020B0502020104020203" pitchFamily="34" charset="0"/>
+              </a:rPr>
+              <a:t> suites</a:t>
+            </a:r>
+          </a:p>
+          <a:p>
+            <a:endParaRPr lang="nl-BE" dirty="0" smtClean="0">
+              <a:solidFill>
+                <a:srgbClr val="663300">
+                  <a:alpha val="88000"/>
+                </a:srgbClr>
+              </a:solidFill>
+              <a:latin typeface="Gill Sans MT" panose="020B0502020104020203" pitchFamily="34" charset="0"/>
+            </a:endParaRPr>
+          </a:p>
+          <a:p>
+            <a:endParaRPr lang="nl-BE" dirty="0">
+              <a:solidFill>
+                <a:srgbClr val="663300">
+                  <a:alpha val="88000"/>
+                </a:srgbClr>
+              </a:solidFill>
+              <a:latin typeface="Gill Sans MT" panose="020B0502020104020203" pitchFamily="34" charset="0"/>
+            </a:endParaRPr>
+          </a:p>
+        </p:txBody>
+      </p:sp>
+      <p:sp>
+        <p:nvSpPr>
+          <p:cNvPr id="4" name="Slide Number Placeholder 3"/>
+          <p:cNvSpPr>
+            <a:spLocks noGrp="1"/>
+          </p:cNvSpPr>
+          <p:nvPr>
+            <p:ph type="sldNum" sz="quarter" idx="12"/>
+          </p:nvPr>
+        </p:nvSpPr>
+        <p:spPr/>
+        <p:txBody>
+          <a:bodyPr/>
+          <a:lstStyle/>
+          <a:p>
+            <a:fld id="{F141D804-3B3B-4646-AFF4-D2AC84DCEC5F}" type="slidenum">
+              <a:rPr lang="de-DE" smtClean="0"/>
+              <a:t>21</a:t>
+            </a:fld>
+            <a:endParaRPr lang="de-DE"/>
+          </a:p>
+        </p:txBody>
+      </p:sp>
+    </p:spTree>
+    <p:extLst>
+      <p:ext uri="{BB962C8B-B14F-4D97-AF65-F5344CB8AC3E}">
+        <p14:creationId xmlns:p14="http://schemas.microsoft.com/office/powerpoint/2010/main" val="1861276686"/>
+      </p:ext>
+    </p:extLst>
+  </p:cSld>
+  <p:clrMapOvr>
+    <a:masterClrMapping/>
+  </p:clrMapOvr>
+  <p:timing>
+    <p:tnLst>
+      <p:par>
+        <p:cTn id="1" dur="indefinite" restart="never" nodeType="tmRoot"/>
+      </p:par>
+    </p:tnLst>
+  </p:timing>
+</p:sld>
+</file>
+
+<file path=ppt/slides/slide22.xml><?xml version="1.0" encoding="utf-8"?>
+<p:sld xmlns:a="http://schemas.openxmlformats.org/drawingml/2006/main" xmlns:r="http://schemas.openxmlformats.org/officeDocument/2006/relationships" xmlns:p="http://schemas.openxmlformats.org/presentationml/2006/main">
+  <p:cSld>
+    <p:spTree>
+      <p:nvGrpSpPr>
+        <p:cNvPr id="1" name=""/>
+        <p:cNvGrpSpPr/>
+        <p:nvPr/>
+      </p:nvGrpSpPr>
+      <p:grpSpPr>
+        <a:xfrm>
+          <a:off x="0" y="0"/>
+          <a:ext cx="0" cy="0"/>
+          <a:chOff x="0" y="0"/>
+          <a:chExt cx="0" cy="0"/>
+        </a:xfrm>
+      </p:grpSpPr>
+      <p:sp>
+        <p:nvSpPr>
+          <p:cNvPr id="2" name="Title 1"/>
+          <p:cNvSpPr>
+            <a:spLocks noGrp="1"/>
+          </p:cNvSpPr>
+          <p:nvPr>
+            <p:ph type="title"/>
+          </p:nvPr>
+        </p:nvSpPr>
+        <p:spPr/>
+        <p:txBody>
+          <a:bodyPr>
+            <a:normAutofit/>
+          </a:bodyPr>
+          <a:lstStyle/>
+          <a:p>
             <a:r>
               <a:rPr lang="en-US" dirty="0" err="1" smtClean="0">
                 <a:solidFill>
                   <a:srgbClr val="663300">
-                    <a:alpha val="88000"/>
-                  </a:srgbClr>
-                </a:solidFill>
-                <a:latin typeface="Gill Sans MT" panose="020B0502020104020203" pitchFamily="34" charset="0"/>
-              </a:rPr>
-              <a:t>Vragen</a:t>
+                    <a:alpha val="90000"/>
+                  </a:srgbClr>
+                </a:solidFill>
+                <a:latin typeface="Gill Sans MT" panose="020B0502020104020203" pitchFamily="34" charset="0"/>
+                <a:ea typeface="Verdana" panose="020B0604030504040204" pitchFamily="34" charset="0"/>
+                <a:cs typeface="Verdana" panose="020B0604030504040204" pitchFamily="34" charset="0"/>
+              </a:rPr>
+              <a:t>Overzicht</a:t>
+            </a:r>
+            <a:endParaRPr lang="de-DE" dirty="0">
+              <a:solidFill>
+                <a:srgbClr val="663300">
+                  <a:alpha val="90000"/>
+                </a:srgbClr>
+              </a:solidFill>
+              <a:latin typeface="Gill Sans MT" panose="020B0502020104020203" pitchFamily="34" charset="0"/>
+              <a:ea typeface="Verdana" panose="020B0604030504040204" pitchFamily="34" charset="0"/>
+              <a:cs typeface="Verdana" panose="020B0604030504040204" pitchFamily="34" charset="0"/>
+            </a:endParaRPr>
+          </a:p>
+        </p:txBody>
+      </p:sp>
+      <p:sp>
+        <p:nvSpPr>
+          <p:cNvPr id="3" name="Content Placeholder 2"/>
+          <p:cNvSpPr>
+            <a:spLocks noGrp="1"/>
+          </p:cNvSpPr>
+          <p:nvPr>
+            <p:ph idx="1"/>
+          </p:nvPr>
+        </p:nvSpPr>
+        <p:spPr/>
+        <p:txBody>
+          <a:bodyPr>
+            <a:normAutofit/>
+          </a:bodyPr>
+          <a:lstStyle/>
+          <a:p>
+            <a:r>
+              <a:rPr lang="en-US" dirty="0" err="1" smtClean="0">
+                <a:solidFill>
+                  <a:srgbClr val="663300">
+                    <a:alpha val="88000"/>
+                  </a:srgbClr>
+                </a:solidFill>
+                <a:latin typeface="Gill Sans MT" panose="020B0502020104020203" pitchFamily="34" charset="0"/>
+              </a:rPr>
+              <a:t>Bedrijf</a:t>
             </a:r>
             <a:endParaRPr lang="en-US" dirty="0" smtClean="0">
               <a:solidFill>
@@ -4066,6 +9309,156 @@
             </a:endParaRPr>
           </a:p>
           <a:p>
+            <a:r>
+              <a:rPr lang="en-US" dirty="0" err="1" smtClean="0">
+                <a:solidFill>
+                  <a:srgbClr val="663300">
+                    <a:alpha val="88000"/>
+                  </a:srgbClr>
+                </a:solidFill>
+                <a:latin typeface="Gill Sans MT" panose="020B0502020104020203" pitchFamily="34" charset="0"/>
+              </a:rPr>
+              <a:t>Probleemstelling</a:t>
+            </a:r>
+            <a:endParaRPr lang="en-US" dirty="0" smtClean="0">
+              <a:solidFill>
+                <a:srgbClr val="663300">
+                  <a:alpha val="88000"/>
+                </a:srgbClr>
+              </a:solidFill>
+              <a:latin typeface="Gill Sans MT" panose="020B0502020104020203" pitchFamily="34" charset="0"/>
+            </a:endParaRPr>
+          </a:p>
+          <a:p>
+            <a:r>
+              <a:rPr lang="en-US" dirty="0" err="1" smtClean="0">
+                <a:solidFill>
+                  <a:srgbClr val="663300">
+                    <a:alpha val="88000"/>
+                  </a:srgbClr>
+                </a:solidFill>
+                <a:latin typeface="Gill Sans MT" panose="020B0502020104020203" pitchFamily="34" charset="0"/>
+              </a:rPr>
+              <a:t>Doelstellingen</a:t>
+            </a:r>
+            <a:endParaRPr lang="en-US" dirty="0" smtClean="0">
+              <a:solidFill>
+                <a:srgbClr val="663300">
+                  <a:alpha val="88000"/>
+                </a:srgbClr>
+              </a:solidFill>
+              <a:latin typeface="Gill Sans MT" panose="020B0502020104020203" pitchFamily="34" charset="0"/>
+            </a:endParaRPr>
+          </a:p>
+          <a:p>
+            <a:r>
+              <a:rPr lang="en-US" dirty="0" err="1" smtClean="0">
+                <a:solidFill>
+                  <a:srgbClr val="663300">
+                    <a:alpha val="88000"/>
+                  </a:srgbClr>
+                </a:solidFill>
+                <a:latin typeface="Gill Sans MT" panose="020B0502020104020203" pitchFamily="34" charset="0"/>
+              </a:rPr>
+              <a:t>Oplossingsmethode</a:t>
+            </a:r>
+            <a:endParaRPr lang="en-US" dirty="0" smtClean="0">
+              <a:solidFill>
+                <a:srgbClr val="663300">
+                  <a:alpha val="88000"/>
+                </a:srgbClr>
+              </a:solidFill>
+              <a:latin typeface="Gill Sans MT" panose="020B0502020104020203" pitchFamily="34" charset="0"/>
+            </a:endParaRPr>
+          </a:p>
+          <a:p>
+            <a:r>
+              <a:rPr lang="en-US" dirty="0" smtClean="0">
+                <a:solidFill>
+                  <a:srgbClr val="663300">
+                    <a:alpha val="88000"/>
+                  </a:srgbClr>
+                </a:solidFill>
+                <a:latin typeface="Gill Sans MT" panose="020B0502020104020203" pitchFamily="34" charset="0"/>
+              </a:rPr>
+              <a:t>Done</a:t>
+            </a:r>
+          </a:p>
+          <a:p>
+            <a:r>
+              <a:rPr lang="en-US" dirty="0" smtClean="0">
+                <a:solidFill>
+                  <a:srgbClr val="663300">
+                    <a:alpha val="88000"/>
+                  </a:srgbClr>
+                </a:solidFill>
+                <a:latin typeface="Gill Sans MT" panose="020B0502020104020203" pitchFamily="34" charset="0"/>
+              </a:rPr>
+              <a:t>To do</a:t>
+            </a:r>
+            <a:endParaRPr lang="en-US" dirty="0" smtClean="0">
+              <a:solidFill>
+                <a:srgbClr val="663300">
+                  <a:alpha val="88000"/>
+                </a:srgbClr>
+              </a:solidFill>
+              <a:latin typeface="Gill Sans MT" panose="020B0502020104020203" pitchFamily="34" charset="0"/>
+            </a:endParaRPr>
+          </a:p>
+          <a:p>
+            <a:r>
+              <a:rPr lang="en-US" dirty="0" err="1" smtClean="0">
+                <a:solidFill>
+                  <a:srgbClr val="663300">
+                    <a:alpha val="88000"/>
+                  </a:srgbClr>
+                </a:solidFill>
+                <a:latin typeface="Gill Sans MT" panose="020B0502020104020203" pitchFamily="34" charset="0"/>
+              </a:rPr>
+              <a:t>Doelstellingen</a:t>
+            </a:r>
+            <a:r>
+              <a:rPr lang="en-US" dirty="0" smtClean="0">
+                <a:solidFill>
+                  <a:srgbClr val="663300">
+                    <a:alpha val="88000"/>
+                  </a:srgbClr>
+                </a:solidFill>
+                <a:latin typeface="Gill Sans MT" panose="020B0502020104020203" pitchFamily="34" charset="0"/>
+              </a:rPr>
+              <a:t> cont.</a:t>
+            </a:r>
+            <a:endParaRPr lang="en-US" dirty="0" smtClean="0">
+              <a:solidFill>
+                <a:srgbClr val="663300">
+                  <a:alpha val="88000"/>
+                </a:srgbClr>
+              </a:solidFill>
+              <a:latin typeface="Gill Sans MT" panose="020B0502020104020203" pitchFamily="34" charset="0"/>
+            </a:endParaRPr>
+          </a:p>
+          <a:p>
+            <a:r>
+              <a:rPr lang="en-US" b="1" dirty="0" err="1" smtClean="0">
+                <a:solidFill>
+                  <a:srgbClr val="663300">
+                    <a:alpha val="88000"/>
+                  </a:srgbClr>
+                </a:solidFill>
+                <a:latin typeface="Gill Sans MT" panose="020B0502020104020203" pitchFamily="34" charset="0"/>
+              </a:rPr>
+              <a:t>Vragen</a:t>
+            </a:r>
+            <a:endParaRPr lang="en-US" b="1" dirty="0" smtClean="0">
+              <a:solidFill>
+                <a:srgbClr val="663300">
+                  <a:alpha val="88000"/>
+                </a:srgbClr>
+              </a:solidFill>
+              <a:latin typeface="Gill Sans MT" panose="020B0502020104020203" pitchFamily="34" charset="0"/>
+            </a:endParaRPr>
+          </a:p>
+          <a:p>
             <a:endParaRPr lang="de-DE" dirty="0">
               <a:solidFill>
                 <a:srgbClr val="663300">
@@ -4077,10 +9470,177 @@
           </a:p>
         </p:txBody>
       </p:sp>
+      <p:sp>
+        <p:nvSpPr>
+          <p:cNvPr id="4" name="Slide Number Placeholder 3"/>
+          <p:cNvSpPr>
+            <a:spLocks noGrp="1"/>
+          </p:cNvSpPr>
+          <p:nvPr>
+            <p:ph type="sldNum" sz="quarter" idx="12"/>
+          </p:nvPr>
+        </p:nvSpPr>
+        <p:spPr/>
+        <p:txBody>
+          <a:bodyPr/>
+          <a:lstStyle/>
+          <a:p>
+            <a:fld id="{F141D804-3B3B-4646-AFF4-D2AC84DCEC5F}" type="slidenum">
+              <a:rPr lang="de-DE" smtClean="0"/>
+              <a:t>22</a:t>
+            </a:fld>
+            <a:endParaRPr lang="de-DE"/>
+          </a:p>
+        </p:txBody>
+      </p:sp>
     </p:spTree>
     <p:extLst>
       <p:ext uri="{BB962C8B-B14F-4D97-AF65-F5344CB8AC3E}">
-        <p14:creationId xmlns:p14="http://schemas.microsoft.com/office/powerpoint/2010/main" val="4016776567"/>
+        <p14:creationId xmlns:p14="http://schemas.microsoft.com/office/powerpoint/2010/main" val="3865418211"/>
+      </p:ext>
+    </p:extLst>
+  </p:cSld>
+  <p:clrMapOvr>
+    <a:masterClrMapping/>
+  </p:clrMapOvr>
+  <p:timing>
+    <p:tnLst>
+      <p:par>
+        <p:cTn id="1" dur="indefinite" restart="never" nodeType="tmRoot"/>
+      </p:par>
+    </p:tnLst>
+  </p:timing>
+</p:sld>
+</file>
+
+<file path=ppt/slides/slide23.xml><?xml version="1.0" encoding="utf-8"?>
+<p:sld xmlns:a="http://schemas.openxmlformats.org/drawingml/2006/main" xmlns:r="http://schemas.openxmlformats.org/officeDocument/2006/relationships" xmlns:p="http://schemas.openxmlformats.org/presentationml/2006/main">
+  <p:cSld>
+    <p:spTree>
+      <p:nvGrpSpPr>
+        <p:cNvPr id="1" name=""/>
+        <p:cNvGrpSpPr/>
+        <p:nvPr/>
+      </p:nvGrpSpPr>
+      <p:grpSpPr>
+        <a:xfrm>
+          <a:off x="0" y="0"/>
+          <a:ext cx="0" cy="0"/>
+          <a:chOff x="0" y="0"/>
+          <a:chExt cx="0" cy="0"/>
+        </a:xfrm>
+      </p:grpSpPr>
+      <p:sp>
+        <p:nvSpPr>
+          <p:cNvPr id="2" name="Title 1"/>
+          <p:cNvSpPr>
+            <a:spLocks noGrp="1"/>
+          </p:cNvSpPr>
+          <p:nvPr>
+            <p:ph type="ctrTitle"/>
+          </p:nvPr>
+        </p:nvSpPr>
+        <p:spPr/>
+        <p:txBody>
+          <a:bodyPr>
+            <a:normAutofit/>
+          </a:bodyPr>
+          <a:lstStyle/>
+          <a:p>
+            <a:pPr algn="l"/>
+            <a:r>
+              <a:rPr lang="en-CA" dirty="0" err="1" smtClean="0">
+                <a:solidFill>
+                  <a:srgbClr val="663300">
+                    <a:alpha val="90000"/>
+                  </a:srgbClr>
+                </a:solidFill>
+                <a:latin typeface="Gill Sans MT" panose="020B0502020104020203" pitchFamily="34" charset="0"/>
+                <a:ea typeface="Verdana" panose="020B0604030504040204" pitchFamily="34" charset="0"/>
+                <a:cs typeface="Verdana" panose="020B0604030504040204" pitchFamily="34" charset="0"/>
+              </a:rPr>
+              <a:t>Vragen</a:t>
+            </a:r>
+            <a:r>
+              <a:rPr lang="en-CA" dirty="0" smtClean="0">
+                <a:solidFill>
+                  <a:srgbClr val="663300">
+                    <a:alpha val="90000"/>
+                  </a:srgbClr>
+                </a:solidFill>
+                <a:latin typeface="Gill Sans MT" panose="020B0502020104020203" pitchFamily="34" charset="0"/>
+                <a:ea typeface="Verdana" panose="020B0604030504040204" pitchFamily="34" charset="0"/>
+                <a:cs typeface="Verdana" panose="020B0604030504040204" pitchFamily="34" charset="0"/>
+              </a:rPr>
+              <a:t>?</a:t>
+            </a:r>
+            <a:endParaRPr lang="de-DE" dirty="0">
+              <a:solidFill>
+                <a:srgbClr val="663300">
+                  <a:alpha val="90000"/>
+                </a:srgbClr>
+              </a:solidFill>
+              <a:latin typeface="Gill Sans MT" panose="020B0502020104020203" pitchFamily="34" charset="0"/>
+              <a:ea typeface="Verdana" panose="020B0604030504040204" pitchFamily="34" charset="0"/>
+              <a:cs typeface="Verdana" panose="020B0604030504040204" pitchFamily="34" charset="0"/>
+            </a:endParaRPr>
+          </a:p>
+        </p:txBody>
+      </p:sp>
+      <p:sp>
+        <p:nvSpPr>
+          <p:cNvPr id="3" name="Subtitle 2"/>
+          <p:cNvSpPr>
+            <a:spLocks noGrp="1"/>
+          </p:cNvSpPr>
+          <p:nvPr>
+            <p:ph type="subTitle" idx="1"/>
+          </p:nvPr>
+        </p:nvSpPr>
+        <p:spPr/>
+        <p:txBody>
+          <a:bodyPr/>
+          <a:lstStyle/>
+          <a:p>
+            <a:pPr algn="r"/>
+            <a:endParaRPr lang="de-DE" dirty="0">
+              <a:solidFill>
+                <a:srgbClr val="663300">
+                  <a:alpha val="80000"/>
+                </a:srgbClr>
+              </a:solidFill>
+              <a:latin typeface="Gill Sans MT" panose="020B0502020104020203" pitchFamily="34" charset="0"/>
+            </a:endParaRPr>
+          </a:p>
+        </p:txBody>
+      </p:sp>
+      <p:sp>
+        <p:nvSpPr>
+          <p:cNvPr id="4" name="Slide Number Placeholder 3"/>
+          <p:cNvSpPr>
+            <a:spLocks noGrp="1"/>
+          </p:cNvSpPr>
+          <p:nvPr>
+            <p:ph type="sldNum" sz="quarter" idx="12"/>
+          </p:nvPr>
+        </p:nvSpPr>
+        <p:spPr/>
+        <p:txBody>
+          <a:bodyPr/>
+          <a:lstStyle/>
+          <a:p>
+            <a:fld id="{F141D804-3B3B-4646-AFF4-D2AC84DCEC5F}" type="slidenum">
+              <a:rPr lang="de-DE" smtClean="0"/>
+              <a:t>23</a:t>
+            </a:fld>
+            <a:endParaRPr lang="de-DE"/>
+          </a:p>
+        </p:txBody>
+      </p:sp>
+    </p:spTree>
+    <p:extLst>
+      <p:ext uri="{BB962C8B-B14F-4D97-AF65-F5344CB8AC3E}">
+        <p14:creationId xmlns:p14="http://schemas.microsoft.com/office/powerpoint/2010/main" val="3492012506"/>
       </p:ext>
     </p:extLst>
   </p:cSld>
@@ -4398,6 +9958,29 @@
           </a:prstGeom>
         </p:spPr>
       </p:pic>
+      <p:sp>
+        <p:nvSpPr>
+          <p:cNvPr id="5" name="Slide Number Placeholder 4"/>
+          <p:cNvSpPr>
+            <a:spLocks noGrp="1"/>
+          </p:cNvSpPr>
+          <p:nvPr>
+            <p:ph type="sldNum" sz="quarter" idx="12"/>
+          </p:nvPr>
+        </p:nvSpPr>
+        <p:spPr/>
+        <p:txBody>
+          <a:bodyPr/>
+          <a:lstStyle/>
+          <a:p>
+            <a:fld id="{F141D804-3B3B-4646-AFF4-D2AC84DCEC5F}" type="slidenum">
+              <a:rPr lang="de-DE" smtClean="0"/>
+              <a:t>3</a:t>
+            </a:fld>
+            <a:endParaRPr lang="de-DE"/>
+          </a:p>
+        </p:txBody>
+      </p:sp>
     </p:spTree>
     <p:extLst>
       <p:ext uri="{BB962C8B-B14F-4D97-AF65-F5344CB8AC3E}">
@@ -4554,6 +10137,29 @@
           </a:prstGeom>
         </p:spPr>
       </p:pic>
+      <p:sp>
+        <p:nvSpPr>
+          <p:cNvPr id="6" name="Slide Number Placeholder 5"/>
+          <p:cNvSpPr>
+            <a:spLocks noGrp="1"/>
+          </p:cNvSpPr>
+          <p:nvPr>
+            <p:ph type="sldNum" sz="quarter" idx="12"/>
+          </p:nvPr>
+        </p:nvSpPr>
+        <p:spPr/>
+        <p:txBody>
+          <a:bodyPr/>
+          <a:lstStyle/>
+          <a:p>
+            <a:fld id="{F141D804-3B3B-4646-AFF4-D2AC84DCEC5F}" type="slidenum">
+              <a:rPr lang="de-DE" smtClean="0"/>
+              <a:t>4</a:t>
+            </a:fld>
+            <a:endParaRPr lang="de-DE"/>
+          </a:p>
+        </p:txBody>
+      </p:sp>
     </p:spTree>
     <p:extLst>
       <p:ext uri="{BB962C8B-B14F-4D97-AF65-F5344CB8AC3E}">
@@ -4575,6 +10181,408 @@
 </file>
 
 <file path=ppt/slides/slide5.xml><?xml version="1.0" encoding="utf-8"?>
+<p:sld xmlns:a="http://schemas.openxmlformats.org/drawingml/2006/main" xmlns:r="http://schemas.openxmlformats.org/officeDocument/2006/relationships" xmlns:p="http://schemas.openxmlformats.org/presentationml/2006/main">
+  <p:cSld>
+    <p:spTree>
+      <p:nvGrpSpPr>
+        <p:cNvPr id="1" name=""/>
+        <p:cNvGrpSpPr/>
+        <p:nvPr/>
+      </p:nvGrpSpPr>
+      <p:grpSpPr>
+        <a:xfrm>
+          <a:off x="0" y="0"/>
+          <a:ext cx="0" cy="0"/>
+          <a:chOff x="0" y="0"/>
+          <a:chExt cx="0" cy="0"/>
+        </a:xfrm>
+      </p:grpSpPr>
+      <p:sp>
+        <p:nvSpPr>
+          <p:cNvPr id="2" name="Title 1"/>
+          <p:cNvSpPr>
+            <a:spLocks noGrp="1"/>
+          </p:cNvSpPr>
+          <p:nvPr>
+            <p:ph type="title"/>
+          </p:nvPr>
+        </p:nvSpPr>
+        <p:spPr/>
+        <p:txBody>
+          <a:bodyPr>
+            <a:normAutofit/>
+          </a:bodyPr>
+          <a:lstStyle/>
+          <a:p>
+            <a:r>
+              <a:rPr lang="en-US" dirty="0" err="1" smtClean="0">
+                <a:solidFill>
+                  <a:srgbClr val="663300">
+                    <a:alpha val="90000"/>
+                  </a:srgbClr>
+                </a:solidFill>
+                <a:latin typeface="Gill Sans MT" panose="020B0502020104020203" pitchFamily="34" charset="0"/>
+                <a:ea typeface="Verdana" panose="020B0604030504040204" pitchFamily="34" charset="0"/>
+                <a:cs typeface="Verdana" panose="020B0604030504040204" pitchFamily="34" charset="0"/>
+              </a:rPr>
+              <a:t>Overzicht</a:t>
+            </a:r>
+            <a:endParaRPr lang="de-DE" dirty="0">
+              <a:solidFill>
+                <a:srgbClr val="663300">
+                  <a:alpha val="90000"/>
+                </a:srgbClr>
+              </a:solidFill>
+              <a:latin typeface="Gill Sans MT" panose="020B0502020104020203" pitchFamily="34" charset="0"/>
+              <a:ea typeface="Verdana" panose="020B0604030504040204" pitchFamily="34" charset="0"/>
+              <a:cs typeface="Verdana" panose="020B0604030504040204" pitchFamily="34" charset="0"/>
+            </a:endParaRPr>
+          </a:p>
+        </p:txBody>
+      </p:sp>
+      <p:sp>
+        <p:nvSpPr>
+          <p:cNvPr id="3" name="Content Placeholder 2"/>
+          <p:cNvSpPr>
+            <a:spLocks noGrp="1"/>
+          </p:cNvSpPr>
+          <p:nvPr>
+            <p:ph idx="1"/>
+          </p:nvPr>
+        </p:nvSpPr>
+        <p:spPr/>
+        <p:txBody>
+          <a:bodyPr>
+            <a:normAutofit/>
+          </a:bodyPr>
+          <a:lstStyle/>
+          <a:p>
+            <a:r>
+              <a:rPr lang="en-US" dirty="0" err="1" smtClean="0">
+                <a:solidFill>
+                  <a:srgbClr val="663300">
+                    <a:alpha val="88000"/>
+                  </a:srgbClr>
+                </a:solidFill>
+                <a:latin typeface="Gill Sans MT" panose="020B0502020104020203" pitchFamily="34" charset="0"/>
+              </a:rPr>
+              <a:t>Bedrijf</a:t>
+            </a:r>
+            <a:endParaRPr lang="en-US" dirty="0" smtClean="0">
+              <a:solidFill>
+                <a:srgbClr val="663300">
+                  <a:alpha val="88000"/>
+                </a:srgbClr>
+              </a:solidFill>
+              <a:latin typeface="Gill Sans MT" panose="020B0502020104020203" pitchFamily="34" charset="0"/>
+            </a:endParaRPr>
+          </a:p>
+          <a:p>
+            <a:r>
+              <a:rPr lang="en-US" b="1" dirty="0" err="1" smtClean="0">
+                <a:solidFill>
+                  <a:srgbClr val="663300">
+                    <a:alpha val="88000"/>
+                  </a:srgbClr>
+                </a:solidFill>
+                <a:latin typeface="Gill Sans MT" panose="020B0502020104020203" pitchFamily="34" charset="0"/>
+              </a:rPr>
+              <a:t>Probleemstelling</a:t>
+            </a:r>
+            <a:endParaRPr lang="en-US" b="1" dirty="0" smtClean="0">
+              <a:solidFill>
+                <a:srgbClr val="663300">
+                  <a:alpha val="88000"/>
+                </a:srgbClr>
+              </a:solidFill>
+              <a:latin typeface="Gill Sans MT" panose="020B0502020104020203" pitchFamily="34" charset="0"/>
+            </a:endParaRPr>
+          </a:p>
+          <a:p>
+            <a:r>
+              <a:rPr lang="en-US" dirty="0" err="1" smtClean="0">
+                <a:solidFill>
+                  <a:srgbClr val="663300">
+                    <a:alpha val="88000"/>
+                  </a:srgbClr>
+                </a:solidFill>
+                <a:latin typeface="Gill Sans MT" panose="020B0502020104020203" pitchFamily="34" charset="0"/>
+              </a:rPr>
+              <a:t>Doelstellingen</a:t>
+            </a:r>
+            <a:endParaRPr lang="en-US" dirty="0" smtClean="0">
+              <a:solidFill>
+                <a:srgbClr val="663300">
+                  <a:alpha val="88000"/>
+                </a:srgbClr>
+              </a:solidFill>
+              <a:latin typeface="Gill Sans MT" panose="020B0502020104020203" pitchFamily="34" charset="0"/>
+            </a:endParaRPr>
+          </a:p>
+          <a:p>
+            <a:r>
+              <a:rPr lang="en-US" dirty="0" err="1" smtClean="0">
+                <a:solidFill>
+                  <a:srgbClr val="663300">
+                    <a:alpha val="88000"/>
+                  </a:srgbClr>
+                </a:solidFill>
+                <a:latin typeface="Gill Sans MT" panose="020B0502020104020203" pitchFamily="34" charset="0"/>
+              </a:rPr>
+              <a:t>Oplossingsmethode</a:t>
+            </a:r>
+            <a:endParaRPr lang="en-US" dirty="0" smtClean="0">
+              <a:solidFill>
+                <a:srgbClr val="663300">
+                  <a:alpha val="88000"/>
+                </a:srgbClr>
+              </a:solidFill>
+              <a:latin typeface="Gill Sans MT" panose="020B0502020104020203" pitchFamily="34" charset="0"/>
+            </a:endParaRPr>
+          </a:p>
+          <a:p>
+            <a:r>
+              <a:rPr lang="en-US" dirty="0" smtClean="0">
+                <a:solidFill>
+                  <a:srgbClr val="663300">
+                    <a:alpha val="88000"/>
+                  </a:srgbClr>
+                </a:solidFill>
+                <a:latin typeface="Gill Sans MT" panose="020B0502020104020203" pitchFamily="34" charset="0"/>
+              </a:rPr>
+              <a:t>Done</a:t>
+            </a:r>
+          </a:p>
+          <a:p>
+            <a:r>
+              <a:rPr lang="en-US" dirty="0" smtClean="0">
+                <a:solidFill>
+                  <a:srgbClr val="663300">
+                    <a:alpha val="88000"/>
+                  </a:srgbClr>
+                </a:solidFill>
+                <a:latin typeface="Gill Sans MT" panose="020B0502020104020203" pitchFamily="34" charset="0"/>
+              </a:rPr>
+              <a:t>To do</a:t>
+            </a:r>
+          </a:p>
+          <a:p>
+            <a:r>
+              <a:rPr lang="en-US" dirty="0" err="1" smtClean="0">
+                <a:solidFill>
+                  <a:srgbClr val="663300">
+                    <a:alpha val="88000"/>
+                  </a:srgbClr>
+                </a:solidFill>
+                <a:latin typeface="Gill Sans MT" panose="020B0502020104020203" pitchFamily="34" charset="0"/>
+              </a:rPr>
+              <a:t>Doelstellingen</a:t>
+            </a:r>
+            <a:r>
+              <a:rPr lang="en-US" dirty="0" smtClean="0">
+                <a:solidFill>
+                  <a:srgbClr val="663300">
+                    <a:alpha val="88000"/>
+                  </a:srgbClr>
+                </a:solidFill>
+                <a:latin typeface="Gill Sans MT" panose="020B0502020104020203" pitchFamily="34" charset="0"/>
+              </a:rPr>
+              <a:t> cont.</a:t>
+            </a:r>
+            <a:endParaRPr lang="en-US" dirty="0" smtClean="0">
+              <a:solidFill>
+                <a:srgbClr val="663300">
+                  <a:alpha val="88000"/>
+                </a:srgbClr>
+              </a:solidFill>
+              <a:latin typeface="Gill Sans MT" panose="020B0502020104020203" pitchFamily="34" charset="0"/>
+            </a:endParaRPr>
+          </a:p>
+          <a:p>
+            <a:r>
+              <a:rPr lang="en-US" dirty="0" err="1" smtClean="0">
+                <a:solidFill>
+                  <a:srgbClr val="663300">
+                    <a:alpha val="88000"/>
+                  </a:srgbClr>
+                </a:solidFill>
+                <a:latin typeface="Gill Sans MT" panose="020B0502020104020203" pitchFamily="34" charset="0"/>
+              </a:rPr>
+              <a:t>Vragen</a:t>
+            </a:r>
+            <a:endParaRPr lang="en-US" dirty="0" smtClean="0">
+              <a:solidFill>
+                <a:srgbClr val="663300">
+                  <a:alpha val="88000"/>
+                </a:srgbClr>
+              </a:solidFill>
+              <a:latin typeface="Gill Sans MT" panose="020B0502020104020203" pitchFamily="34" charset="0"/>
+            </a:endParaRPr>
+          </a:p>
+          <a:p>
+            <a:endParaRPr lang="de-DE" dirty="0">
+              <a:solidFill>
+                <a:srgbClr val="663300">
+                  <a:alpha val="88000"/>
+                </a:srgbClr>
+              </a:solidFill>
+              <a:latin typeface="Gill Sans MT" panose="020B0502020104020203" pitchFamily="34" charset="0"/>
+            </a:endParaRPr>
+          </a:p>
+        </p:txBody>
+      </p:sp>
+      <p:sp>
+        <p:nvSpPr>
+          <p:cNvPr id="4" name="Slide Number Placeholder 3"/>
+          <p:cNvSpPr>
+            <a:spLocks noGrp="1"/>
+          </p:cNvSpPr>
+          <p:nvPr>
+            <p:ph type="sldNum" sz="quarter" idx="12"/>
+          </p:nvPr>
+        </p:nvSpPr>
+        <p:spPr/>
+        <p:txBody>
+          <a:bodyPr/>
+          <a:lstStyle/>
+          <a:p>
+            <a:fld id="{F141D804-3B3B-4646-AFF4-D2AC84DCEC5F}" type="slidenum">
+              <a:rPr lang="de-DE" smtClean="0"/>
+              <a:t>5</a:t>
+            </a:fld>
+            <a:endParaRPr lang="de-DE"/>
+          </a:p>
+        </p:txBody>
+      </p:sp>
+    </p:spTree>
+    <p:extLst>
+      <p:ext uri="{BB962C8B-B14F-4D97-AF65-F5344CB8AC3E}">
+        <p14:creationId xmlns:p14="http://schemas.microsoft.com/office/powerpoint/2010/main" val="3047461956"/>
+      </p:ext>
+    </p:extLst>
+  </p:cSld>
+  <p:clrMapOvr>
+    <a:masterClrMapping/>
+  </p:clrMapOvr>
+  <p:timing>
+    <p:tnLst>
+      <p:par>
+        <p:cTn id="1" dur="indefinite" restart="never" nodeType="tmRoot"/>
+      </p:par>
+    </p:tnLst>
+  </p:timing>
+</p:sld>
+</file>
+
+<file path=ppt/slides/slide6.xml><?xml version="1.0" encoding="utf-8"?>
+<p:sld xmlns:a="http://schemas.openxmlformats.org/drawingml/2006/main" xmlns:r="http://schemas.openxmlformats.org/officeDocument/2006/relationships" xmlns:p="http://schemas.openxmlformats.org/presentationml/2006/main">
+  <p:cSld>
+    <p:spTree>
+      <p:nvGrpSpPr>
+        <p:cNvPr id="1" name=""/>
+        <p:cNvGrpSpPr/>
+        <p:nvPr/>
+      </p:nvGrpSpPr>
+      <p:grpSpPr>
+        <a:xfrm>
+          <a:off x="0" y="0"/>
+          <a:ext cx="0" cy="0"/>
+          <a:chOff x="0" y="0"/>
+          <a:chExt cx="0" cy="0"/>
+        </a:xfrm>
+      </p:grpSpPr>
+      <p:sp>
+        <p:nvSpPr>
+          <p:cNvPr id="2" name="Title 1"/>
+          <p:cNvSpPr>
+            <a:spLocks noGrp="1"/>
+          </p:cNvSpPr>
+          <p:nvPr>
+            <p:ph type="title"/>
+          </p:nvPr>
+        </p:nvSpPr>
+        <p:spPr/>
+        <p:txBody>
+          <a:bodyPr/>
+          <a:lstStyle/>
+          <a:p>
+            <a:endParaRPr lang="de-DE"/>
+          </a:p>
+        </p:txBody>
+      </p:sp>
+      <p:pic>
+        <p:nvPicPr>
+          <p:cNvPr id="5" name="Content Placeholder 4"/>
+          <p:cNvPicPr>
+            <a:picLocks noGrp="1" noChangeAspect="1"/>
+          </p:cNvPicPr>
+          <p:nvPr>
+            <p:ph idx="1"/>
+          </p:nvPr>
+        </p:nvPicPr>
+        <p:blipFill>
+          <a:blip r:embed="rId2">
+            <a:extLst>
+              <a:ext uri="{28A0092B-C50C-407E-A947-70E740481C1C}">
+                <a14:useLocalDpi xmlns:a14="http://schemas.microsoft.com/office/drawing/2010/main" val="0"/>
+              </a:ext>
+            </a:extLst>
+          </a:blip>
+          <a:stretch>
+            <a:fillRect/>
+          </a:stretch>
+        </p:blipFill>
+        <p:spPr>
+          <a:xfrm>
+            <a:off x="3262814" y="53037"/>
+            <a:ext cx="5666371" cy="6668438"/>
+          </a:xfrm>
+        </p:spPr>
+      </p:pic>
+      <p:sp>
+        <p:nvSpPr>
+          <p:cNvPr id="4" name="Slide Number Placeholder 3"/>
+          <p:cNvSpPr>
+            <a:spLocks noGrp="1"/>
+          </p:cNvSpPr>
+          <p:nvPr>
+            <p:ph type="sldNum" sz="quarter" idx="12"/>
+          </p:nvPr>
+        </p:nvSpPr>
+        <p:spPr/>
+        <p:txBody>
+          <a:bodyPr/>
+          <a:lstStyle/>
+          <a:p>
+            <a:fld id="{F141D804-3B3B-4646-AFF4-D2AC84DCEC5F}" type="slidenum">
+              <a:rPr lang="de-DE" smtClean="0"/>
+              <a:t>6</a:t>
+            </a:fld>
+            <a:endParaRPr lang="de-DE"/>
+          </a:p>
+        </p:txBody>
+      </p:sp>
+    </p:spTree>
+    <p:extLst>
+      <p:ext uri="{BB962C8B-B14F-4D97-AF65-F5344CB8AC3E}">
+        <p14:creationId xmlns:p14="http://schemas.microsoft.com/office/powerpoint/2010/main" val="4154239775"/>
+      </p:ext>
+    </p:extLst>
+  </p:cSld>
+  <p:clrMapOvr>
+    <a:masterClrMapping/>
+  </p:clrMapOvr>
+  <p:timing>
+    <p:tnLst>
+      <p:par>
+        <p:cTn id="1" dur="indefinite" restart="never" nodeType="tmRoot"/>
+      </p:par>
+    </p:tnLst>
+  </p:timing>
+</p:sld>
+</file>
+
+<file path=ppt/slides/slide7.xml><?xml version="1.0" encoding="utf-8"?>
 <p:sld xmlns:a="http://schemas.openxmlformats.org/drawingml/2006/main" xmlns:r="http://schemas.openxmlformats.org/officeDocument/2006/relationships" xmlns:p="http://schemas.openxmlformats.org/presentationml/2006/main">
   <p:cSld>
     <p:bg>
@@ -4831,6 +10839,29 @@
           </a:p>
         </p:txBody>
       </p:sp>
+      <p:sp>
+        <p:nvSpPr>
+          <p:cNvPr id="4" name="Slide Number Placeholder 3"/>
+          <p:cNvSpPr>
+            <a:spLocks noGrp="1"/>
+          </p:cNvSpPr>
+          <p:nvPr>
+            <p:ph type="sldNum" sz="quarter" idx="12"/>
+          </p:nvPr>
+        </p:nvSpPr>
+        <p:spPr/>
+        <p:txBody>
+          <a:bodyPr/>
+          <a:lstStyle/>
+          <a:p>
+            <a:fld id="{F141D804-3B3B-4646-AFF4-D2AC84DCEC5F}" type="slidenum">
+              <a:rPr lang="de-DE" smtClean="0"/>
+              <a:t>7</a:t>
+            </a:fld>
+            <a:endParaRPr lang="de-DE"/>
+          </a:p>
+        </p:txBody>
+      </p:sp>
     </p:spTree>
     <p:extLst>
       <p:ext uri="{BB962C8B-B14F-4D97-AF65-F5344CB8AC3E}">
@@ -4851,7 +10882,301 @@
 </p:sld>
 </file>
 
-<file path=ppt/slides/slide6.xml><?xml version="1.0" encoding="utf-8"?>
+<file path=ppt/slides/slide8.xml><?xml version="1.0" encoding="utf-8"?>
+<p:sld xmlns:a="http://schemas.openxmlformats.org/drawingml/2006/main" xmlns:r="http://schemas.openxmlformats.org/officeDocument/2006/relationships" xmlns:p="http://schemas.openxmlformats.org/presentationml/2006/main">
+  <p:cSld>
+    <p:spTree>
+      <p:nvGrpSpPr>
+        <p:cNvPr id="1" name=""/>
+        <p:cNvGrpSpPr/>
+        <p:nvPr/>
+      </p:nvGrpSpPr>
+      <p:grpSpPr>
+        <a:xfrm>
+          <a:off x="0" y="0"/>
+          <a:ext cx="0" cy="0"/>
+          <a:chOff x="0" y="0"/>
+          <a:chExt cx="0" cy="0"/>
+        </a:xfrm>
+      </p:grpSpPr>
+      <p:sp>
+        <p:nvSpPr>
+          <p:cNvPr id="2" name="Title 1"/>
+          <p:cNvSpPr>
+            <a:spLocks noGrp="1"/>
+          </p:cNvSpPr>
+          <p:nvPr>
+            <p:ph type="title"/>
+          </p:nvPr>
+        </p:nvSpPr>
+        <p:spPr/>
+        <p:txBody>
+          <a:bodyPr>
+            <a:normAutofit/>
+          </a:bodyPr>
+          <a:lstStyle/>
+          <a:p>
+            <a:r>
+              <a:rPr lang="en-US" dirty="0" err="1" smtClean="0">
+                <a:solidFill>
+                  <a:srgbClr val="663300">
+                    <a:alpha val="90000"/>
+                  </a:srgbClr>
+                </a:solidFill>
+                <a:latin typeface="Gill Sans MT" panose="020B0502020104020203" pitchFamily="34" charset="0"/>
+                <a:ea typeface="Verdana" panose="020B0604030504040204" pitchFamily="34" charset="0"/>
+                <a:cs typeface="Verdana" panose="020B0604030504040204" pitchFamily="34" charset="0"/>
+              </a:rPr>
+              <a:t>Overzicht</a:t>
+            </a:r>
+            <a:endParaRPr lang="de-DE" dirty="0">
+              <a:solidFill>
+                <a:srgbClr val="663300">
+                  <a:alpha val="90000"/>
+                </a:srgbClr>
+              </a:solidFill>
+              <a:latin typeface="Gill Sans MT" panose="020B0502020104020203" pitchFamily="34" charset="0"/>
+              <a:ea typeface="Verdana" panose="020B0604030504040204" pitchFamily="34" charset="0"/>
+              <a:cs typeface="Verdana" panose="020B0604030504040204" pitchFamily="34" charset="0"/>
+            </a:endParaRPr>
+          </a:p>
+        </p:txBody>
+      </p:sp>
+      <p:sp>
+        <p:nvSpPr>
+          <p:cNvPr id="3" name="Content Placeholder 2"/>
+          <p:cNvSpPr>
+            <a:spLocks noGrp="1"/>
+          </p:cNvSpPr>
+          <p:nvPr>
+            <p:ph idx="1"/>
+          </p:nvPr>
+        </p:nvSpPr>
+        <p:spPr/>
+        <p:txBody>
+          <a:bodyPr>
+            <a:normAutofit/>
+          </a:bodyPr>
+          <a:lstStyle/>
+          <a:p>
+            <a:r>
+              <a:rPr lang="en-US" dirty="0" err="1" smtClean="0">
+                <a:solidFill>
+                  <a:srgbClr val="663300">
+                    <a:alpha val="88000"/>
+                  </a:srgbClr>
+                </a:solidFill>
+                <a:latin typeface="Gill Sans MT" panose="020B0502020104020203" pitchFamily="34" charset="0"/>
+              </a:rPr>
+              <a:t>Bedrijf</a:t>
+            </a:r>
+            <a:endParaRPr lang="en-US" dirty="0" smtClean="0">
+              <a:solidFill>
+                <a:srgbClr val="663300">
+                  <a:alpha val="88000"/>
+                </a:srgbClr>
+              </a:solidFill>
+              <a:latin typeface="Gill Sans MT" panose="020B0502020104020203" pitchFamily="34" charset="0"/>
+            </a:endParaRPr>
+          </a:p>
+          <a:p>
+            <a:r>
+              <a:rPr lang="en-US" dirty="0" err="1" smtClean="0">
+                <a:solidFill>
+                  <a:srgbClr val="663300">
+                    <a:alpha val="88000"/>
+                  </a:srgbClr>
+                </a:solidFill>
+                <a:latin typeface="Gill Sans MT" panose="020B0502020104020203" pitchFamily="34" charset="0"/>
+              </a:rPr>
+              <a:t>Probleemstelling</a:t>
+            </a:r>
+            <a:endParaRPr lang="en-US" dirty="0" smtClean="0">
+              <a:solidFill>
+                <a:srgbClr val="663300">
+                  <a:alpha val="88000"/>
+                </a:srgbClr>
+              </a:solidFill>
+              <a:latin typeface="Gill Sans MT" panose="020B0502020104020203" pitchFamily="34" charset="0"/>
+            </a:endParaRPr>
+          </a:p>
+          <a:p>
+            <a:r>
+              <a:rPr lang="en-US" b="1" dirty="0" err="1" smtClean="0">
+                <a:solidFill>
+                  <a:srgbClr val="663300">
+                    <a:alpha val="88000"/>
+                  </a:srgbClr>
+                </a:solidFill>
+                <a:latin typeface="Gill Sans MT" panose="020B0502020104020203" pitchFamily="34" charset="0"/>
+              </a:rPr>
+              <a:t>Doelstellingen</a:t>
+            </a:r>
+            <a:endParaRPr lang="en-US" b="1" dirty="0" smtClean="0">
+              <a:solidFill>
+                <a:srgbClr val="663300">
+                  <a:alpha val="88000"/>
+                </a:srgbClr>
+              </a:solidFill>
+              <a:latin typeface="Gill Sans MT" panose="020B0502020104020203" pitchFamily="34" charset="0"/>
+            </a:endParaRPr>
+          </a:p>
+          <a:p>
+            <a:r>
+              <a:rPr lang="en-US" dirty="0" err="1" smtClean="0">
+                <a:solidFill>
+                  <a:srgbClr val="663300">
+                    <a:alpha val="88000"/>
+                  </a:srgbClr>
+                </a:solidFill>
+                <a:latin typeface="Gill Sans MT" panose="020B0502020104020203" pitchFamily="34" charset="0"/>
+              </a:rPr>
+              <a:t>Oplossingsmethode</a:t>
+            </a:r>
+            <a:endParaRPr lang="en-US" dirty="0" smtClean="0">
+              <a:solidFill>
+                <a:srgbClr val="663300">
+                  <a:alpha val="88000"/>
+                </a:srgbClr>
+              </a:solidFill>
+              <a:latin typeface="Gill Sans MT" panose="020B0502020104020203" pitchFamily="34" charset="0"/>
+            </a:endParaRPr>
+          </a:p>
+          <a:p>
+            <a:r>
+              <a:rPr lang="en-US" dirty="0" smtClean="0">
+                <a:solidFill>
+                  <a:srgbClr val="663300">
+                    <a:alpha val="88000"/>
+                  </a:srgbClr>
+                </a:solidFill>
+                <a:latin typeface="Gill Sans MT" panose="020B0502020104020203" pitchFamily="34" charset="0"/>
+              </a:rPr>
+              <a:t>Done</a:t>
+            </a:r>
+          </a:p>
+          <a:p>
+            <a:r>
+              <a:rPr lang="en-US" dirty="0" smtClean="0">
+                <a:solidFill>
+                  <a:srgbClr val="663300">
+                    <a:alpha val="88000"/>
+                  </a:srgbClr>
+                </a:solidFill>
+                <a:latin typeface="Gill Sans MT" panose="020B0502020104020203" pitchFamily="34" charset="0"/>
+              </a:rPr>
+              <a:t>To do</a:t>
+            </a:r>
+          </a:p>
+          <a:p>
+            <a:r>
+              <a:rPr lang="en-US" dirty="0" err="1" smtClean="0">
+                <a:solidFill>
+                  <a:srgbClr val="663300">
+                    <a:alpha val="88000"/>
+                  </a:srgbClr>
+                </a:solidFill>
+                <a:latin typeface="Gill Sans MT" panose="020B0502020104020203" pitchFamily="34" charset="0"/>
+              </a:rPr>
+              <a:t>Doelstellingen</a:t>
+            </a:r>
+            <a:r>
+              <a:rPr lang="en-US" dirty="0" smtClean="0">
+                <a:solidFill>
+                  <a:srgbClr val="663300">
+                    <a:alpha val="88000"/>
+                  </a:srgbClr>
+                </a:solidFill>
+                <a:latin typeface="Gill Sans MT" panose="020B0502020104020203" pitchFamily="34" charset="0"/>
+              </a:rPr>
+              <a:t> cont.</a:t>
+            </a:r>
+            <a:endParaRPr lang="en-US" dirty="0" smtClean="0">
+              <a:solidFill>
+                <a:srgbClr val="663300">
+                  <a:alpha val="88000"/>
+                </a:srgbClr>
+              </a:solidFill>
+              <a:latin typeface="Gill Sans MT" panose="020B0502020104020203" pitchFamily="34" charset="0"/>
+            </a:endParaRPr>
+          </a:p>
+          <a:p>
+            <a:r>
+              <a:rPr lang="en-US" dirty="0" err="1" smtClean="0">
+                <a:solidFill>
+                  <a:srgbClr val="663300">
+                    <a:alpha val="88000"/>
+                  </a:srgbClr>
+                </a:solidFill>
+                <a:latin typeface="Gill Sans MT" panose="020B0502020104020203" pitchFamily="34" charset="0"/>
+              </a:rPr>
+              <a:t>Vragen</a:t>
+            </a:r>
+            <a:endParaRPr lang="en-US" dirty="0" smtClean="0">
+              <a:solidFill>
+                <a:srgbClr val="663300">
+                  <a:alpha val="88000"/>
+                </a:srgbClr>
+              </a:solidFill>
+              <a:latin typeface="Gill Sans MT" panose="020B0502020104020203" pitchFamily="34" charset="0"/>
+            </a:endParaRPr>
+          </a:p>
+          <a:p>
+            <a:endParaRPr lang="de-DE" dirty="0">
+              <a:solidFill>
+                <a:srgbClr val="663300">
+                  <a:alpha val="88000"/>
+                </a:srgbClr>
+              </a:solidFill>
+              <a:latin typeface="Gill Sans MT" panose="020B0502020104020203" pitchFamily="34" charset="0"/>
+            </a:endParaRPr>
+          </a:p>
+        </p:txBody>
+      </p:sp>
+      <p:sp>
+        <p:nvSpPr>
+          <p:cNvPr id="4" name="Slide Number Placeholder 3"/>
+          <p:cNvSpPr>
+            <a:spLocks noGrp="1"/>
+          </p:cNvSpPr>
+          <p:nvPr>
+            <p:ph type="sldNum" sz="quarter" idx="12"/>
+          </p:nvPr>
+        </p:nvSpPr>
+        <p:spPr/>
+        <p:txBody>
+          <a:bodyPr/>
+          <a:lstStyle/>
+          <a:p>
+            <a:fld id="{F141D804-3B3B-4646-AFF4-D2AC84DCEC5F}" type="slidenum">
+              <a:rPr lang="de-DE" smtClean="0"/>
+              <a:t>8</a:t>
+            </a:fld>
+            <a:endParaRPr lang="de-DE"/>
+          </a:p>
+        </p:txBody>
+      </p:sp>
+    </p:spTree>
+    <p:extLst>
+      <p:ext uri="{BB962C8B-B14F-4D97-AF65-F5344CB8AC3E}">
+        <p14:creationId xmlns:p14="http://schemas.microsoft.com/office/powerpoint/2010/main" val="3431622870"/>
+      </p:ext>
+    </p:extLst>
+  </p:cSld>
+  <p:clrMapOvr>
+    <a:masterClrMapping/>
+  </p:clrMapOvr>
+  <p:timing>
+    <p:tnLst>
+      <p:par>
+        <p:cTn id="1" dur="indefinite" restart="never" nodeType="tmRoot"/>
+      </p:par>
+    </p:tnLst>
+  </p:timing>
+</p:sld>
+</file>
+
+<file path=ppt/slides/slide9.xml><?xml version="1.0" encoding="utf-8"?>
 <p:sld xmlns:a="http://schemas.openxmlformats.org/drawingml/2006/main" xmlns:r="http://schemas.openxmlformats.org/officeDocument/2006/relationships" xmlns:p="http://schemas.openxmlformats.org/presentationml/2006/main">
   <p:cSld>
     <p:bg>
@@ -5136,6 +11461,29 @@
           </a:prstGeom>
         </p:spPr>
       </p:pic>
+      <p:sp>
+        <p:nvSpPr>
+          <p:cNvPr id="6" name="Slide Number Placeholder 5"/>
+          <p:cNvSpPr>
+            <a:spLocks noGrp="1"/>
+          </p:cNvSpPr>
+          <p:nvPr>
+            <p:ph type="sldNum" sz="quarter" idx="12"/>
+          </p:nvPr>
+        </p:nvSpPr>
+        <p:spPr/>
+        <p:txBody>
+          <a:bodyPr/>
+          <a:lstStyle/>
+          <a:p>
+            <a:fld id="{F141D804-3B3B-4646-AFF4-D2AC84DCEC5F}" type="slidenum">
+              <a:rPr lang="de-DE" smtClean="0"/>
+              <a:t>9</a:t>
+            </a:fld>
+            <a:endParaRPr lang="de-DE"/>
+          </a:p>
+        </p:txBody>
+      </p:sp>
     </p:spTree>
     <p:extLst>
       <p:ext uri="{BB962C8B-B14F-4D97-AF65-F5344CB8AC3E}">
@@ -5145,502 +11493,6 @@
   </p:cSld>
   <p:clrMapOvr>
     <a:overrideClrMapping bg1="lt1" tx1="dk1" bg2="lt2" tx2="dk2" accent1="accent1" accent2="accent2" accent3="accent3" accent4="accent4" accent5="accent5" accent6="accent6" hlink="hlink" folHlink="folHlink"/>
-  </p:clrMapOvr>
-  <p:timing>
-    <p:tnLst>
-      <p:par>
-        <p:cTn id="1" dur="indefinite" restart="never" nodeType="tmRoot"/>
-      </p:par>
-    </p:tnLst>
-  </p:timing>
-</p:sld>
-</file>
-
-<file path=ppt/slides/slide7.xml><?xml version="1.0" encoding="utf-8"?>
-<p:sld xmlns:a="http://schemas.openxmlformats.org/drawingml/2006/main" xmlns:r="http://schemas.openxmlformats.org/officeDocument/2006/relationships" xmlns:p="http://schemas.openxmlformats.org/presentationml/2006/main">
-  <p:cSld>
-    <p:spTree>
-      <p:nvGrpSpPr>
-        <p:cNvPr id="1" name=""/>
-        <p:cNvGrpSpPr/>
-        <p:nvPr/>
-      </p:nvGrpSpPr>
-      <p:grpSpPr>
-        <a:xfrm>
-          <a:off x="0" y="0"/>
-          <a:ext cx="0" cy="0"/>
-          <a:chOff x="0" y="0"/>
-          <a:chExt cx="0" cy="0"/>
-        </a:xfrm>
-      </p:grpSpPr>
-      <p:sp>
-        <p:nvSpPr>
-          <p:cNvPr id="2" name="Title 1"/>
-          <p:cNvSpPr>
-            <a:spLocks noGrp="1"/>
-          </p:cNvSpPr>
-          <p:nvPr>
-            <p:ph type="title"/>
-          </p:nvPr>
-        </p:nvSpPr>
-        <p:spPr/>
-        <p:txBody>
-          <a:bodyPr>
-            <a:normAutofit/>
-          </a:bodyPr>
-          <a:lstStyle/>
-          <a:p>
-            <a:r>
-              <a:rPr lang="nl-BE" dirty="0" err="1" smtClean="0">
-                <a:solidFill>
-                  <a:srgbClr val="663300">
-                    <a:alpha val="90000"/>
-                  </a:srgbClr>
-                </a:solidFill>
-                <a:latin typeface="Gill Sans MT" panose="020B0502020104020203" pitchFamily="34" charset="0"/>
-                <a:ea typeface="Verdana" panose="020B0604030504040204" pitchFamily="34" charset="0"/>
-                <a:cs typeface="Verdana" panose="020B0604030504040204" pitchFamily="34" charset="0"/>
-              </a:rPr>
-              <a:t>VM’s</a:t>
-            </a:r>
-            <a:r>
-              <a:rPr lang="nl-BE" dirty="0" smtClean="0">
-                <a:solidFill>
-                  <a:srgbClr val="663300">
-                    <a:alpha val="90000"/>
-                  </a:srgbClr>
-                </a:solidFill>
-                <a:latin typeface="Gill Sans MT" panose="020B0502020104020203" pitchFamily="34" charset="0"/>
-                <a:ea typeface="Verdana" panose="020B0604030504040204" pitchFamily="34" charset="0"/>
-                <a:cs typeface="Verdana" panose="020B0604030504040204" pitchFamily="34" charset="0"/>
-              </a:rPr>
-              <a:t> </a:t>
-            </a:r>
-            <a:r>
-              <a:rPr lang="nl-BE" dirty="0" err="1" smtClean="0">
-                <a:solidFill>
-                  <a:srgbClr val="663300">
-                    <a:alpha val="90000"/>
-                  </a:srgbClr>
-                </a:solidFill>
-                <a:latin typeface="Gill Sans MT" panose="020B0502020104020203" pitchFamily="34" charset="0"/>
-                <a:ea typeface="Verdana" panose="020B0604030504040204" pitchFamily="34" charset="0"/>
-                <a:cs typeface="Verdana" panose="020B0604030504040204" pitchFamily="34" charset="0"/>
-              </a:rPr>
-              <a:t>vs</a:t>
-            </a:r>
-            <a:r>
-              <a:rPr lang="nl-BE" dirty="0" smtClean="0">
-                <a:solidFill>
-                  <a:srgbClr val="663300">
-                    <a:alpha val="90000"/>
-                  </a:srgbClr>
-                </a:solidFill>
-                <a:latin typeface="Gill Sans MT" panose="020B0502020104020203" pitchFamily="34" charset="0"/>
-                <a:ea typeface="Verdana" panose="020B0604030504040204" pitchFamily="34" charset="0"/>
-                <a:cs typeface="Verdana" panose="020B0604030504040204" pitchFamily="34" charset="0"/>
-              </a:rPr>
-              <a:t> container</a:t>
-            </a:r>
-            <a:endParaRPr lang="nl-BE" dirty="0">
-              <a:solidFill>
-                <a:srgbClr val="663300">
-                  <a:alpha val="90000"/>
-                </a:srgbClr>
-              </a:solidFill>
-              <a:latin typeface="Gill Sans MT" panose="020B0502020104020203" pitchFamily="34" charset="0"/>
-              <a:ea typeface="Verdana" panose="020B0604030504040204" pitchFamily="34" charset="0"/>
-              <a:cs typeface="Verdana" panose="020B0604030504040204" pitchFamily="34" charset="0"/>
-            </a:endParaRPr>
-          </a:p>
-        </p:txBody>
-      </p:sp>
-      <p:sp>
-        <p:nvSpPr>
-          <p:cNvPr id="3" name="Content Placeholder 2"/>
-          <p:cNvSpPr>
-            <a:spLocks noGrp="1"/>
-          </p:cNvSpPr>
-          <p:nvPr>
-            <p:ph idx="1"/>
-          </p:nvPr>
-        </p:nvSpPr>
-        <p:spPr/>
-        <p:txBody>
-          <a:bodyPr>
-            <a:normAutofit/>
-          </a:bodyPr>
-          <a:lstStyle/>
-          <a:p>
-            <a:endParaRPr lang="nl-BE" dirty="0" smtClean="0">
-              <a:solidFill>
-                <a:srgbClr val="663300">
-                  <a:alpha val="88000"/>
-                </a:srgbClr>
-              </a:solidFill>
-              <a:latin typeface="Gill Sans MT" panose="020B0502020104020203" pitchFamily="34" charset="0"/>
-            </a:endParaRPr>
-          </a:p>
-          <a:p>
-            <a:endParaRPr lang="nl-BE" dirty="0">
-              <a:solidFill>
-                <a:srgbClr val="663300">
-                  <a:alpha val="88000"/>
-                </a:srgbClr>
-              </a:solidFill>
-              <a:latin typeface="Gill Sans MT" panose="020B0502020104020203" pitchFamily="34" charset="0"/>
-            </a:endParaRPr>
-          </a:p>
-        </p:txBody>
-      </p:sp>
-      <p:pic>
-        <p:nvPicPr>
-          <p:cNvPr id="4" name="Picture 3"/>
-          <p:cNvPicPr>
-            <a:picLocks noChangeAspect="1"/>
-          </p:cNvPicPr>
-          <p:nvPr/>
-        </p:nvPicPr>
-        <p:blipFill>
-          <a:blip r:embed="rId2">
-            <a:extLst>
-              <a:ext uri="{28A0092B-C50C-407E-A947-70E740481C1C}">
-                <a14:useLocalDpi xmlns:a14="http://schemas.microsoft.com/office/drawing/2010/main" val="0"/>
-              </a:ext>
-            </a:extLst>
-          </a:blip>
-          <a:stretch>
-            <a:fillRect/>
-          </a:stretch>
-        </p:blipFill>
-        <p:spPr>
-          <a:xfrm>
-            <a:off x="1772398" y="1780594"/>
-            <a:ext cx="8647203" cy="4441399"/>
-          </a:xfrm>
-          <a:prstGeom prst="rect">
-            <a:avLst/>
-          </a:prstGeom>
-        </p:spPr>
-      </p:pic>
-    </p:spTree>
-    <p:extLst>
-      <p:ext uri="{BB962C8B-B14F-4D97-AF65-F5344CB8AC3E}">
-        <p14:creationId xmlns:p14="http://schemas.microsoft.com/office/powerpoint/2010/main" val="2774182617"/>
-      </p:ext>
-    </p:extLst>
-  </p:cSld>
-  <p:clrMapOvr>
-    <a:masterClrMapping/>
-  </p:clrMapOvr>
-  <p:timing>
-    <p:tnLst>
-      <p:par>
-        <p:cTn id="1" dur="indefinite" restart="never" nodeType="tmRoot"/>
-      </p:par>
-    </p:tnLst>
-  </p:timing>
-</p:sld>
-</file>
-
-<file path=ppt/slides/slide8.xml><?xml version="1.0" encoding="utf-8"?>
-<p:sld xmlns:a="http://schemas.openxmlformats.org/drawingml/2006/main" xmlns:r="http://schemas.openxmlformats.org/officeDocument/2006/relationships" xmlns:p="http://schemas.openxmlformats.org/presentationml/2006/main">
-  <p:cSld>
-    <p:spTree>
-      <p:nvGrpSpPr>
-        <p:cNvPr id="1" name=""/>
-        <p:cNvGrpSpPr/>
-        <p:nvPr/>
-      </p:nvGrpSpPr>
-      <p:grpSpPr>
-        <a:xfrm>
-          <a:off x="0" y="0"/>
-          <a:ext cx="0" cy="0"/>
-          <a:chOff x="0" y="0"/>
-          <a:chExt cx="0" cy="0"/>
-        </a:xfrm>
-      </p:grpSpPr>
-      <p:sp>
-        <p:nvSpPr>
-          <p:cNvPr id="2" name="Title 1"/>
-          <p:cNvSpPr>
-            <a:spLocks noGrp="1"/>
-          </p:cNvSpPr>
-          <p:nvPr>
-            <p:ph type="title"/>
-          </p:nvPr>
-        </p:nvSpPr>
-        <p:spPr/>
-        <p:txBody>
-          <a:bodyPr>
-            <a:normAutofit/>
-          </a:bodyPr>
-          <a:lstStyle/>
-          <a:p>
-            <a:r>
-              <a:rPr lang="nl-BE" dirty="0" smtClean="0">
-                <a:solidFill>
-                  <a:srgbClr val="663300">
-                    <a:alpha val="90000"/>
-                  </a:srgbClr>
-                </a:solidFill>
-                <a:latin typeface="Gill Sans MT" panose="020B0502020104020203" pitchFamily="34" charset="0"/>
-                <a:ea typeface="Verdana" panose="020B0604030504040204" pitchFamily="34" charset="0"/>
-                <a:cs typeface="Verdana" panose="020B0604030504040204" pitchFamily="34" charset="0"/>
-              </a:rPr>
-              <a:t>Deployment </a:t>
-            </a:r>
-            <a:r>
-              <a:rPr lang="nl-BE" dirty="0" err="1" smtClean="0">
-                <a:solidFill>
-                  <a:srgbClr val="663300">
-                    <a:alpha val="90000"/>
-                  </a:srgbClr>
-                </a:solidFill>
-                <a:latin typeface="Gill Sans MT" panose="020B0502020104020203" pitchFamily="34" charset="0"/>
-                <a:ea typeface="Verdana" panose="020B0604030504040204" pitchFamily="34" charset="0"/>
-                <a:cs typeface="Verdana" panose="020B0604030504040204" pitchFamily="34" charset="0"/>
-              </a:rPr>
-              <a:t>architecture</a:t>
-            </a:r>
-            <a:endParaRPr lang="nl-BE" dirty="0">
-              <a:solidFill>
-                <a:srgbClr val="663300">
-                  <a:alpha val="90000"/>
-                </a:srgbClr>
-              </a:solidFill>
-              <a:latin typeface="Gill Sans MT" panose="020B0502020104020203" pitchFamily="34" charset="0"/>
-              <a:ea typeface="Verdana" panose="020B0604030504040204" pitchFamily="34" charset="0"/>
-              <a:cs typeface="Verdana" panose="020B0604030504040204" pitchFamily="34" charset="0"/>
-            </a:endParaRPr>
-          </a:p>
-        </p:txBody>
-      </p:sp>
-      <p:sp>
-        <p:nvSpPr>
-          <p:cNvPr id="3" name="Content Placeholder 2"/>
-          <p:cNvSpPr>
-            <a:spLocks noGrp="1"/>
-          </p:cNvSpPr>
-          <p:nvPr>
-            <p:ph idx="1"/>
-          </p:nvPr>
-        </p:nvSpPr>
-        <p:spPr/>
-        <p:txBody>
-          <a:bodyPr>
-            <a:normAutofit/>
-          </a:bodyPr>
-          <a:lstStyle/>
-          <a:p>
-            <a:endParaRPr lang="nl-BE" dirty="0" smtClean="0">
-              <a:solidFill>
-                <a:srgbClr val="663300">
-                  <a:alpha val="88000"/>
-                </a:srgbClr>
-              </a:solidFill>
-              <a:latin typeface="Gill Sans MT" panose="020B0502020104020203" pitchFamily="34" charset="0"/>
-            </a:endParaRPr>
-          </a:p>
-          <a:p>
-            <a:endParaRPr lang="nl-BE" dirty="0">
-              <a:solidFill>
-                <a:srgbClr val="663300">
-                  <a:alpha val="88000"/>
-                </a:srgbClr>
-              </a:solidFill>
-              <a:latin typeface="Gill Sans MT" panose="020B0502020104020203" pitchFamily="34" charset="0"/>
-            </a:endParaRPr>
-          </a:p>
-        </p:txBody>
-      </p:sp>
-      <p:pic>
-        <p:nvPicPr>
-          <p:cNvPr id="6" name="Picture 5"/>
-          <p:cNvPicPr>
-            <a:picLocks noChangeAspect="1"/>
-          </p:cNvPicPr>
-          <p:nvPr/>
-        </p:nvPicPr>
-        <p:blipFill>
-          <a:blip r:embed="rId2">
-            <a:extLst>
-              <a:ext uri="{28A0092B-C50C-407E-A947-70E740481C1C}">
-                <a14:useLocalDpi xmlns:a14="http://schemas.microsoft.com/office/drawing/2010/main" val="0"/>
-              </a:ext>
-            </a:extLst>
-          </a:blip>
-          <a:stretch>
-            <a:fillRect/>
-          </a:stretch>
-        </p:blipFill>
-        <p:spPr>
-          <a:xfrm>
-            <a:off x="2842758" y="2085787"/>
-            <a:ext cx="6506483" cy="2686425"/>
-          </a:xfrm>
-          <a:prstGeom prst="rect">
-            <a:avLst/>
-          </a:prstGeom>
-        </p:spPr>
-      </p:pic>
-    </p:spTree>
-    <p:extLst>
-      <p:ext uri="{BB962C8B-B14F-4D97-AF65-F5344CB8AC3E}">
-        <p14:creationId xmlns:p14="http://schemas.microsoft.com/office/powerpoint/2010/main" val="3895039079"/>
-      </p:ext>
-    </p:extLst>
-  </p:cSld>
-  <p:clrMapOvr>
-    <a:masterClrMapping/>
-  </p:clrMapOvr>
-  <p:timing>
-    <p:tnLst>
-      <p:par>
-        <p:cTn id="1" dur="indefinite" restart="never" nodeType="tmRoot"/>
-      </p:par>
-    </p:tnLst>
-  </p:timing>
-</p:sld>
-</file>
-
-<file path=ppt/slides/slide9.xml><?xml version="1.0" encoding="utf-8"?>
-<p:sld xmlns:a="http://schemas.openxmlformats.org/drawingml/2006/main" xmlns:r="http://schemas.openxmlformats.org/officeDocument/2006/relationships" xmlns:p="http://schemas.openxmlformats.org/presentationml/2006/main">
-  <p:cSld>
-    <p:spTree>
-      <p:nvGrpSpPr>
-        <p:cNvPr id="1" name=""/>
-        <p:cNvGrpSpPr/>
-        <p:nvPr/>
-      </p:nvGrpSpPr>
-      <p:grpSpPr>
-        <a:xfrm>
-          <a:off x="0" y="0"/>
-          <a:ext cx="0" cy="0"/>
-          <a:chOff x="0" y="0"/>
-          <a:chExt cx="0" cy="0"/>
-        </a:xfrm>
-      </p:grpSpPr>
-      <p:sp>
-        <p:nvSpPr>
-          <p:cNvPr id="2" name="Title 1"/>
-          <p:cNvSpPr>
-            <a:spLocks noGrp="1"/>
-          </p:cNvSpPr>
-          <p:nvPr>
-            <p:ph type="title"/>
-          </p:nvPr>
-        </p:nvSpPr>
-        <p:spPr/>
-        <p:txBody>
-          <a:bodyPr>
-            <a:normAutofit/>
-          </a:bodyPr>
-          <a:lstStyle/>
-          <a:p>
-            <a:r>
-              <a:rPr lang="nl-BE" dirty="0" smtClean="0">
-                <a:solidFill>
-                  <a:srgbClr val="663300">
-                    <a:alpha val="90000"/>
-                  </a:srgbClr>
-                </a:solidFill>
-                <a:latin typeface="Gill Sans MT" panose="020B0502020104020203" pitchFamily="34" charset="0"/>
-                <a:ea typeface="Verdana" panose="020B0604030504040204" pitchFamily="34" charset="0"/>
-                <a:cs typeface="Verdana" panose="020B0604030504040204" pitchFamily="34" charset="0"/>
-              </a:rPr>
-              <a:t>Planning</a:t>
-            </a:r>
-            <a:endParaRPr lang="nl-BE" dirty="0">
-              <a:solidFill>
-                <a:srgbClr val="663300">
-                  <a:alpha val="90000"/>
-                </a:srgbClr>
-              </a:solidFill>
-              <a:latin typeface="Gill Sans MT" panose="020B0502020104020203" pitchFamily="34" charset="0"/>
-              <a:ea typeface="Verdana" panose="020B0604030504040204" pitchFamily="34" charset="0"/>
-              <a:cs typeface="Verdana" panose="020B0604030504040204" pitchFamily="34" charset="0"/>
-            </a:endParaRPr>
-          </a:p>
-        </p:txBody>
-      </p:sp>
-      <p:sp>
-        <p:nvSpPr>
-          <p:cNvPr id="3" name="Content Placeholder 2"/>
-          <p:cNvSpPr>
-            <a:spLocks noGrp="1"/>
-          </p:cNvSpPr>
-          <p:nvPr>
-            <p:ph idx="1"/>
-          </p:nvPr>
-        </p:nvSpPr>
-        <p:spPr/>
-        <p:txBody>
-          <a:bodyPr>
-            <a:normAutofit/>
-          </a:bodyPr>
-          <a:lstStyle/>
-          <a:p>
-            <a:endParaRPr lang="nl-BE" dirty="0" smtClean="0">
-              <a:solidFill>
-                <a:srgbClr val="663300">
-                  <a:alpha val="88000"/>
-                </a:srgbClr>
-              </a:solidFill>
-              <a:latin typeface="Gill Sans MT" panose="020B0502020104020203" pitchFamily="34" charset="0"/>
-            </a:endParaRPr>
-          </a:p>
-          <a:p>
-            <a:endParaRPr lang="nl-BE" dirty="0">
-              <a:solidFill>
-                <a:srgbClr val="663300">
-                  <a:alpha val="88000"/>
-                </a:srgbClr>
-              </a:solidFill>
-              <a:latin typeface="Gill Sans MT" panose="020B0502020104020203" pitchFamily="34" charset="0"/>
-            </a:endParaRPr>
-          </a:p>
-        </p:txBody>
-      </p:sp>
-      <p:pic>
-        <p:nvPicPr>
-          <p:cNvPr id="4" name="Picture 3"/>
-          <p:cNvPicPr>
-            <a:picLocks noChangeAspect="1"/>
-          </p:cNvPicPr>
-          <p:nvPr/>
-        </p:nvPicPr>
-        <p:blipFill>
-          <a:blip r:embed="rId2">
-            <a:extLst>
-              <a:ext uri="{28A0092B-C50C-407E-A947-70E740481C1C}">
-                <a14:useLocalDpi xmlns:a14="http://schemas.microsoft.com/office/drawing/2010/main" val="0"/>
-              </a:ext>
-            </a:extLst>
-          </a:blip>
-          <a:stretch>
-            <a:fillRect/>
-          </a:stretch>
-        </p:blipFill>
-        <p:spPr>
-          <a:xfrm>
-            <a:off x="0" y="1477139"/>
-            <a:ext cx="12192000" cy="5380861"/>
-          </a:xfrm>
-          <a:prstGeom prst="rect">
-            <a:avLst/>
-          </a:prstGeom>
-        </p:spPr>
-      </p:pic>
-    </p:spTree>
-    <p:extLst>
-      <p:ext uri="{BB962C8B-B14F-4D97-AF65-F5344CB8AC3E}">
-        <p14:creationId xmlns:p14="http://schemas.microsoft.com/office/powerpoint/2010/main" val="2211483857"/>
-      </p:ext>
-    </p:extLst>
-  </p:cSld>
-  <p:clrMapOvr>
-    <a:masterClrMapping/>
   </p:clrMapOvr>
   <p:timing>
     <p:tnLst>
@@ -5917,6 +11769,267 @@
 </a:theme>
 </file>
 
+<file path=ppt/theme/theme2.xml><?xml version="1.0" encoding="utf-8"?>
+<a:theme xmlns:a="http://schemas.openxmlformats.org/drawingml/2006/main" name="Office Theme">
+  <a:themeElements>
+    <a:clrScheme name="Office">
+      <a:dk1>
+        <a:sysClr val="windowText" lastClr="000000"/>
+      </a:dk1>
+      <a:lt1>
+        <a:sysClr val="window" lastClr="FFFFFF"/>
+      </a:lt1>
+      <a:dk2>
+        <a:srgbClr val="44546A"/>
+      </a:dk2>
+      <a:lt2>
+        <a:srgbClr val="E7E6E6"/>
+      </a:lt2>
+      <a:accent1>
+        <a:srgbClr val="5B9BD5"/>
+      </a:accent1>
+      <a:accent2>
+        <a:srgbClr val="ED7D31"/>
+      </a:accent2>
+      <a:accent3>
+        <a:srgbClr val="A5A5A5"/>
+      </a:accent3>
+      <a:accent4>
+        <a:srgbClr val="FFC000"/>
+      </a:accent4>
+      <a:accent5>
+        <a:srgbClr val="4472C4"/>
+      </a:accent5>
+      <a:accent6>
+        <a:srgbClr val="70AD47"/>
+      </a:accent6>
+      <a:hlink>
+        <a:srgbClr val="0563C1"/>
+      </a:hlink>
+      <a:folHlink>
+        <a:srgbClr val="954F72"/>
+      </a:folHlink>
+    </a:clrScheme>
+    <a:fontScheme name="Office">
+      <a:majorFont>
+        <a:latin typeface="Calibri Light" panose="020F0302020204030204"/>
+        <a:ea typeface=""/>
+        <a:cs typeface=""/>
+        <a:font script="Jpan" typeface="游ゴシック Light"/>
+        <a:font script="Hang" typeface="맑은 고딕"/>
+        <a:font script="Hans" typeface="等线 Light"/>
+        <a:font script="Hant" typeface="新細明體"/>
+        <a:font script="Arab" typeface="Times New Roman"/>
+        <a:font script="Hebr" typeface="Times New Roman"/>
+        <a:font script="Thai" typeface="Angsana New"/>
+        <a:font script="Ethi" typeface="Nyala"/>
+        <a:font script="Beng" typeface="Vrinda"/>
+        <a:font script="Gujr" typeface="Shruti"/>
+        <a:font script="Khmr" typeface="MoolBoran"/>
+        <a:font script="Knda" typeface="Tunga"/>
+        <a:font script="Guru" typeface="Raavi"/>
+        <a:font script="Cans" typeface="Euphemia"/>
+        <a:font script="Cher" typeface="Plantagenet Cherokee"/>
+        <a:font script="Yiii" typeface="Microsoft Yi Baiti"/>
+        <a:font script="Tibt" typeface="Microsoft Himalaya"/>
+        <a:font script="Thaa" typeface="MV Boli"/>
+        <a:font script="Deva" typeface="Mangal"/>
+        <a:font script="Telu" typeface="Gautami"/>
+        <a:font script="Taml" typeface="Latha"/>
+        <a:font script="Syrc" typeface="Estrangelo Edessa"/>
+        <a:font script="Orya" typeface="Kalinga"/>
+        <a:font script="Mlym" typeface="Kartika"/>
+        <a:font script="Laoo" typeface="DokChampa"/>
+        <a:font script="Sinh" typeface="Iskoola Pota"/>
+        <a:font script="Mong" typeface="Mongolian Baiti"/>
+        <a:font script="Viet" typeface="Times New Roman"/>
+        <a:font script="Uigh" typeface="Microsoft Uighur"/>
+        <a:font script="Geor" typeface="Sylfaen"/>
+      </a:majorFont>
+      <a:minorFont>
+        <a:latin typeface="Calibri" panose="020F0502020204030204"/>
+        <a:ea typeface=""/>
+        <a:cs typeface=""/>
+        <a:font script="Jpan" typeface="游ゴシック"/>
+        <a:font script="Hang" typeface="맑은 고딕"/>
+        <a:font script="Hans" typeface="等线"/>
+        <a:font script="Hant" typeface="新細明體"/>
+        <a:font script="Arab" typeface="Arial"/>
+        <a:font script="Hebr" typeface="Arial"/>
+        <a:font script="Thai" typeface="Cordia New"/>
+        <a:font script="Ethi" typeface="Nyala"/>
+        <a:font script="Beng" typeface="Vrinda"/>
+        <a:font script="Gujr" typeface="Shruti"/>
+        <a:font script="Khmr" typeface="DaunPenh"/>
+        <a:font script="Knda" typeface="Tunga"/>
+        <a:font script="Guru" typeface="Raavi"/>
+        <a:font script="Cans" typeface="Euphemia"/>
+        <a:font script="Cher" typeface="Plantagenet Cherokee"/>
+        <a:font script="Yiii" typeface="Microsoft Yi Baiti"/>
+        <a:font script="Tibt" typeface="Microsoft Himalaya"/>
+        <a:font script="Thaa" typeface="MV Boli"/>
+        <a:font script="Deva" typeface="Mangal"/>
+        <a:font script="Telu" typeface="Gautami"/>
+        <a:font script="Taml" typeface="Latha"/>
+        <a:font script="Syrc" typeface="Estrangelo Edessa"/>
+        <a:font script="Orya" typeface="Kalinga"/>
+        <a:font script="Mlym" typeface="Kartika"/>
+        <a:font script="Laoo" typeface="DokChampa"/>
+        <a:font script="Sinh" typeface="Iskoola Pota"/>
+        <a:font script="Mong" typeface="Mongolian Baiti"/>
+        <a:font script="Viet" typeface="Arial"/>
+        <a:font script="Uigh" typeface="Microsoft Uighur"/>
+        <a:font script="Geor" typeface="Sylfaen"/>
+      </a:minorFont>
+    </a:fontScheme>
+    <a:fmtScheme name="Office">
+      <a:fillStyleLst>
+        <a:solidFill>
+          <a:schemeClr val="phClr"/>
+        </a:solidFill>
+        <a:gradFill rotWithShape="1">
+          <a:gsLst>
+            <a:gs pos="0">
+              <a:schemeClr val="phClr">
+                <a:lumMod val="110000"/>
+                <a:satMod val="105000"/>
+                <a:tint val="67000"/>
+              </a:schemeClr>
+            </a:gs>
+            <a:gs pos="50000">
+              <a:schemeClr val="phClr">
+                <a:lumMod val="105000"/>
+                <a:satMod val="103000"/>
+                <a:tint val="73000"/>
+              </a:schemeClr>
+            </a:gs>
+            <a:gs pos="100000">
+              <a:schemeClr val="phClr">
+                <a:lumMod val="105000"/>
+                <a:satMod val="109000"/>
+                <a:tint val="81000"/>
+              </a:schemeClr>
+            </a:gs>
+          </a:gsLst>
+          <a:lin ang="5400000" scaled="0"/>
+        </a:gradFill>
+        <a:gradFill rotWithShape="1">
+          <a:gsLst>
+            <a:gs pos="0">
+              <a:schemeClr val="phClr">
+                <a:satMod val="103000"/>
+                <a:lumMod val="102000"/>
+                <a:tint val="94000"/>
+              </a:schemeClr>
+            </a:gs>
+            <a:gs pos="50000">
+              <a:schemeClr val="phClr">
+                <a:satMod val="110000"/>
+                <a:lumMod val="100000"/>
+                <a:shade val="100000"/>
+              </a:schemeClr>
+            </a:gs>
+            <a:gs pos="100000">
+              <a:schemeClr val="phClr">
+                <a:lumMod val="99000"/>
+                <a:satMod val="120000"/>
+                <a:shade val="78000"/>
+              </a:schemeClr>
+            </a:gs>
+          </a:gsLst>
+          <a:lin ang="5400000" scaled="0"/>
+        </a:gradFill>
+      </a:fillStyleLst>
+      <a:lnStyleLst>
+        <a:ln w="6350" cap="flat" cmpd="sng" algn="ctr">
+          <a:solidFill>
+            <a:schemeClr val="phClr"/>
+          </a:solidFill>
+          <a:prstDash val="solid"/>
+          <a:miter lim="800000"/>
+        </a:ln>
+        <a:ln w="12700" cap="flat" cmpd="sng" algn="ctr">
+          <a:solidFill>
+            <a:schemeClr val="phClr"/>
+          </a:solidFill>
+          <a:prstDash val="solid"/>
+          <a:miter lim="800000"/>
+        </a:ln>
+        <a:ln w="19050" cap="flat" cmpd="sng" algn="ctr">
+          <a:solidFill>
+            <a:schemeClr val="phClr"/>
+          </a:solidFill>
+          <a:prstDash val="solid"/>
+          <a:miter lim="800000"/>
+        </a:ln>
+      </a:lnStyleLst>
+      <a:effectStyleLst>
+        <a:effectStyle>
+          <a:effectLst/>
+        </a:effectStyle>
+        <a:effectStyle>
+          <a:effectLst/>
+        </a:effectStyle>
+        <a:effectStyle>
+          <a:effectLst>
+            <a:outerShdw blurRad="57150" dist="19050" dir="5400000" algn="ctr" rotWithShape="0">
+              <a:srgbClr val="000000">
+                <a:alpha val="63000"/>
+              </a:srgbClr>
+            </a:outerShdw>
+          </a:effectLst>
+        </a:effectStyle>
+      </a:effectStyleLst>
+      <a:bgFillStyleLst>
+        <a:solidFill>
+          <a:schemeClr val="phClr"/>
+        </a:solidFill>
+        <a:solidFill>
+          <a:schemeClr val="phClr">
+            <a:tint val="95000"/>
+            <a:satMod val="170000"/>
+          </a:schemeClr>
+        </a:solidFill>
+        <a:gradFill rotWithShape="1">
+          <a:gsLst>
+            <a:gs pos="0">
+              <a:schemeClr val="phClr">
+                <a:tint val="93000"/>
+                <a:satMod val="150000"/>
+                <a:shade val="98000"/>
+                <a:lumMod val="102000"/>
+              </a:schemeClr>
+            </a:gs>
+            <a:gs pos="50000">
+              <a:schemeClr val="phClr">
+                <a:tint val="98000"/>
+                <a:satMod val="130000"/>
+                <a:shade val="90000"/>
+                <a:lumMod val="103000"/>
+              </a:schemeClr>
+            </a:gs>
+            <a:gs pos="100000">
+              <a:schemeClr val="phClr">
+                <a:shade val="63000"/>
+                <a:satMod val="120000"/>
+              </a:schemeClr>
+            </a:gs>
+          </a:gsLst>
+          <a:lin ang="5400000" scaled="0"/>
+        </a:gradFill>
+      </a:bgFillStyleLst>
+    </a:fmtScheme>
+  </a:themeElements>
+  <a:objectDefaults/>
+  <a:extraClrSchemeLst/>
+  <a:extLst>
+    <a:ext uri="{05A4C25C-085E-4340-85A3-A5531E510DB2}">
+      <thm15:themeFamily xmlns:thm15="http://schemas.microsoft.com/office/thememl/2012/main" name="Office Theme" id="{62F939B6-93AF-4DB8-9C6B-D6C7DFDC589F}" vid="{4A3C46E8-61CC-4603-A589-7422A47A8E4A}"/>
+    </a:ext>
+  </a:extLst>
+</a:theme>
+</file>
+
 <file path=ppt/theme/themeOverride1.xml><?xml version="1.0" encoding="utf-8"?>
 <a:themeOverride xmlns:a="http://schemas.openxmlformats.org/drawingml/2006/main">
   <a:clrScheme name="Office">

--- a/Presentaties/tussentijdse_presentatie_arno_willaert_POGING_TWEE.pptx
+++ b/Presentaties/tussentijdse_presentatie_arno_willaert_POGING_TWEE.pptx
@@ -1021,6 +1021,13 @@
         </dgm:presLayoutVars>
       </dgm:prSet>
       <dgm:spPr/>
+      <dgm:t>
+        <a:bodyPr/>
+        <a:lstStyle/>
+        <a:p>
+          <a:endParaRPr lang="en-US"/>
+        </a:p>
+      </dgm:t>
     </dgm:pt>
     <dgm:pt modelId="{A0E85F1E-39CD-4A83-866A-A285064CECAD}" type="pres">
       <dgm:prSet presAssocID="{84317895-0ADC-47A4-A6E9-C37E0F4360B2}" presName="parTxOnlySpace" presStyleCnt="0"/>
@@ -1035,6 +1042,13 @@
         </dgm:presLayoutVars>
       </dgm:prSet>
       <dgm:spPr/>
+      <dgm:t>
+        <a:bodyPr/>
+        <a:lstStyle/>
+        <a:p>
+          <a:endParaRPr lang="en-US"/>
+        </a:p>
+      </dgm:t>
     </dgm:pt>
     <dgm:pt modelId="{1CA8CA9C-42A0-4417-9E7F-EBE4F9D06D00}" type="pres">
       <dgm:prSet presAssocID="{9B09435D-7632-4F04-B4AE-5538836CF0C6}" presName="parTxOnlySpace" presStyleCnt="0"/>
@@ -1049,6 +1063,13 @@
         </dgm:presLayoutVars>
       </dgm:prSet>
       <dgm:spPr/>
+      <dgm:t>
+        <a:bodyPr/>
+        <a:lstStyle/>
+        <a:p>
+          <a:endParaRPr lang="en-US"/>
+        </a:p>
+      </dgm:t>
     </dgm:pt>
   </dgm:ptLst>
   <dgm:cxnLst>
@@ -6270,14 +6291,6 @@
               </a:rPr>
               <a:t> cont.</a:t>
             </a:r>
-            <a:endParaRPr lang="en-US" dirty="0" smtClean="0">
-              <a:solidFill>
-                <a:srgbClr val="663300">
-                  <a:alpha val="88000"/>
-                </a:srgbClr>
-              </a:solidFill>
-              <a:latin typeface="Gill Sans MT" panose="020B0502020104020203" pitchFamily="34" charset="0"/>
-            </a:endParaRPr>
           </a:p>
           <a:p>
             <a:r>
@@ -7152,14 +7165,6 @@
               </a:rPr>
               <a:t> cont.</a:t>
             </a:r>
-            <a:endParaRPr lang="en-US" dirty="0" smtClean="0">
-              <a:solidFill>
-                <a:srgbClr val="663300">
-                  <a:alpha val="88000"/>
-                </a:srgbClr>
-              </a:solidFill>
-              <a:latin typeface="Gill Sans MT" panose="020B0502020104020203" pitchFamily="34" charset="0"/>
-            </a:endParaRPr>
           </a:p>
           <a:p>
             <a:r>
@@ -7580,14 +7585,6 @@
               </a:rPr>
               <a:t>To do</a:t>
             </a:r>
-            <a:endParaRPr lang="en-US" b="1" dirty="0" smtClean="0">
-              <a:solidFill>
-                <a:srgbClr val="663300">
-                  <a:alpha val="88000"/>
-                </a:srgbClr>
-              </a:solidFill>
-              <a:latin typeface="Gill Sans MT" panose="020B0502020104020203" pitchFamily="34" charset="0"/>
-            </a:endParaRPr>
           </a:p>
           <a:p>
             <a:r>
@@ -7612,14 +7609,6 @@
               </a:rPr>
               <a:t> cont.</a:t>
             </a:r>
-            <a:endParaRPr lang="en-US" dirty="0" smtClean="0">
-              <a:solidFill>
-                <a:srgbClr val="663300">
-                  <a:alpha val="88000"/>
-                </a:srgbClr>
-              </a:solidFill>
-              <a:latin typeface="Gill Sans MT" panose="020B0502020104020203" pitchFamily="34" charset="0"/>
-            </a:endParaRPr>
           </a:p>
           <a:p>
             <a:r>
@@ -7871,14 +7860,6 @@
               </a:rPr>
               <a:t> demo van de test suites in parallel</a:t>
             </a:r>
-            <a:endParaRPr lang="nl-BE" dirty="0" smtClean="0">
-              <a:solidFill>
-                <a:srgbClr val="663300">
-                  <a:alpha val="88000"/>
-                </a:srgbClr>
-              </a:solidFill>
-              <a:latin typeface="Gill Sans MT" panose="020B0502020104020203" pitchFamily="34" charset="0"/>
-            </a:endParaRPr>
           </a:p>
           <a:p>
             <a:endParaRPr lang="nl-BE" dirty="0">
@@ -8252,14 +8233,6 @@
               </a:rPr>
               <a:t>To do</a:t>
             </a:r>
-            <a:endParaRPr lang="en-US" dirty="0" smtClean="0">
-              <a:solidFill>
-                <a:srgbClr val="663300">
-                  <a:alpha val="88000"/>
-                </a:srgbClr>
-              </a:solidFill>
-              <a:latin typeface="Gill Sans MT" panose="020B0502020104020203" pitchFamily="34" charset="0"/>
-            </a:endParaRPr>
           </a:p>
           <a:p>
             <a:r>
@@ -8284,14 +8257,6 @@
               </a:rPr>
               <a:t> cont.</a:t>
             </a:r>
-            <a:endParaRPr lang="en-US" b="1" dirty="0" smtClean="0">
-              <a:solidFill>
-                <a:srgbClr val="663300">
-                  <a:alpha val="88000"/>
-                </a:srgbClr>
-              </a:solidFill>
-              <a:latin typeface="Gill Sans MT" panose="020B0502020104020203" pitchFamily="34" charset="0"/>
-            </a:endParaRPr>
           </a:p>
           <a:p>
             <a:r>
@@ -8578,14 +8543,6 @@
               </a:rPr>
               <a:t> cont.</a:t>
             </a:r>
-            <a:endParaRPr lang="en-US" dirty="0" smtClean="0">
-              <a:solidFill>
-                <a:srgbClr val="663300">
-                  <a:alpha val="88000"/>
-                </a:srgbClr>
-              </a:solidFill>
-              <a:latin typeface="Gill Sans MT" panose="020B0502020104020203" pitchFamily="34" charset="0"/>
-            </a:endParaRPr>
           </a:p>
           <a:p>
             <a:r>
@@ -8977,14 +8934,6 @@
               </a:rPr>
               <a:t>containers</a:t>
             </a:r>
-            <a:endParaRPr lang="nl-BE" dirty="0" smtClean="0">
-              <a:solidFill>
-                <a:srgbClr val="663300">
-                  <a:alpha val="88000"/>
-                </a:srgbClr>
-              </a:solidFill>
-              <a:latin typeface="Gill Sans MT" panose="020B0502020104020203" pitchFamily="34" charset="0"/>
-            </a:endParaRPr>
           </a:p>
           <a:p>
             <a:r>
@@ -8996,7 +8945,18 @@
                 </a:solidFill>
                 <a:latin typeface="Gill Sans MT" panose="020B0502020104020203" pitchFamily="34" charset="0"/>
               </a:rPr>
-              <a:t>Alle </a:t>
+              <a:t>Alle browser </a:t>
+            </a:r>
+            <a:r>
+              <a:rPr lang="nl-BE" dirty="0" err="1" smtClean="0">
+                <a:solidFill>
+                  <a:srgbClr val="663300">
+                    <a:alpha val="88000"/>
+                  </a:srgbClr>
+                </a:solidFill>
+                <a:latin typeface="Gill Sans MT" panose="020B0502020104020203" pitchFamily="34" charset="0"/>
+              </a:rPr>
+              <a:t>nodes</a:t>
             </a:r>
             <a:r>
               <a:rPr lang="nl-BE" dirty="0" smtClean="0">
@@ -9007,7 +8967,7 @@
                 </a:solidFill>
                 <a:latin typeface="Gill Sans MT" panose="020B0502020104020203" pitchFamily="34" charset="0"/>
               </a:rPr>
-              <a:t>browser </a:t>
+              <a:t> in “</a:t>
             </a:r>
             <a:r>
               <a:rPr lang="nl-BE" dirty="0" err="1" smtClean="0">
@@ -9018,7 +8978,7 @@
                 </a:solidFill>
                 <a:latin typeface="Gill Sans MT" panose="020B0502020104020203" pitchFamily="34" charset="0"/>
               </a:rPr>
-              <a:t>nodes</a:t>
+              <a:t>headless</a:t>
             </a:r>
             <a:r>
               <a:rPr lang="nl-BE" dirty="0" smtClean="0">
@@ -9029,7 +8989,20 @@
                 </a:solidFill>
                 <a:latin typeface="Gill Sans MT" panose="020B0502020104020203" pitchFamily="34" charset="0"/>
               </a:rPr>
-              <a:t> in “</a:t>
+              <a:t> mode”</a:t>
+            </a:r>
+          </a:p>
+          <a:p>
+            <a:r>
+              <a:rPr lang="nl-BE" dirty="0" smtClean="0">
+                <a:solidFill>
+                  <a:srgbClr val="663300">
+                    <a:alpha val="88000"/>
+                  </a:srgbClr>
+                </a:solidFill>
+                <a:latin typeface="Gill Sans MT" panose="020B0502020104020203" pitchFamily="34" charset="0"/>
+              </a:rPr>
+              <a:t>Migreer de </a:t>
             </a:r>
             <a:r>
               <a:rPr lang="nl-BE" dirty="0" err="1" smtClean="0">
@@ -9040,7 +9013,7 @@
                 </a:solidFill>
                 <a:latin typeface="Gill Sans MT" panose="020B0502020104020203" pitchFamily="34" charset="0"/>
               </a:rPr>
-              <a:t>headless</a:t>
+              <a:t>Build</a:t>
             </a:r>
             <a:r>
               <a:rPr lang="nl-BE" dirty="0" smtClean="0">
@@ -9051,7 +9024,7 @@
                 </a:solidFill>
                 <a:latin typeface="Gill Sans MT" panose="020B0502020104020203" pitchFamily="34" charset="0"/>
               </a:rPr>
-              <a:t> mode”</a:t>
+              <a:t> Intake suites</a:t>
             </a:r>
           </a:p>
           <a:p>
@@ -9064,64 +9037,7 @@
                 </a:solidFill>
                 <a:latin typeface="Gill Sans MT" panose="020B0502020104020203" pitchFamily="34" charset="0"/>
               </a:rPr>
-              <a:t>Migreer de </a:t>
-            </a:r>
-            <a:r>
-              <a:rPr lang="nl-BE" dirty="0" err="1" smtClean="0">
-                <a:solidFill>
-                  <a:srgbClr val="663300">
-                    <a:alpha val="88000"/>
-                  </a:srgbClr>
-                </a:solidFill>
-                <a:latin typeface="Gill Sans MT" panose="020B0502020104020203" pitchFamily="34" charset="0"/>
-              </a:rPr>
-              <a:t>Build</a:t>
-            </a:r>
-            <a:r>
-              <a:rPr lang="nl-BE" dirty="0" smtClean="0">
-                <a:solidFill>
-                  <a:srgbClr val="663300">
-                    <a:alpha val="88000"/>
-                  </a:srgbClr>
-                </a:solidFill>
-                <a:latin typeface="Gill Sans MT" panose="020B0502020104020203" pitchFamily="34" charset="0"/>
-              </a:rPr>
-              <a:t> </a:t>
-            </a:r>
-            <a:r>
-              <a:rPr lang="nl-BE" dirty="0" smtClean="0">
-                <a:solidFill>
-                  <a:srgbClr val="663300">
-                    <a:alpha val="88000"/>
-                  </a:srgbClr>
-                </a:solidFill>
-                <a:latin typeface="Gill Sans MT" panose="020B0502020104020203" pitchFamily="34" charset="0"/>
-              </a:rPr>
-              <a:t>Intake suites</a:t>
-            </a:r>
-          </a:p>
-          <a:p>
-            <a:r>
-              <a:rPr lang="nl-BE" dirty="0" smtClean="0">
-                <a:solidFill>
-                  <a:srgbClr val="663300">
-                    <a:alpha val="88000"/>
-                  </a:srgbClr>
-                </a:solidFill>
-                <a:latin typeface="Gill Sans MT" panose="020B0502020104020203" pitchFamily="34" charset="0"/>
-              </a:rPr>
-              <a:t>Migreer de </a:t>
-            </a:r>
-            <a:r>
-              <a:rPr lang="nl-BE" dirty="0" smtClean="0">
-                <a:solidFill>
-                  <a:srgbClr val="663300">
-                    <a:alpha val="88000"/>
-                  </a:srgbClr>
-                </a:solidFill>
-                <a:latin typeface="Gill Sans MT" panose="020B0502020104020203" pitchFamily="34" charset="0"/>
-              </a:rPr>
-              <a:t>Radius </a:t>
+              <a:t>Migreer de Radius </a:t>
             </a:r>
             <a:r>
               <a:rPr lang="nl-BE" dirty="0" err="1" smtClean="0">
@@ -9396,14 +9312,6 @@
               </a:rPr>
               <a:t>To do</a:t>
             </a:r>
-            <a:endParaRPr lang="en-US" dirty="0" smtClean="0">
-              <a:solidFill>
-                <a:srgbClr val="663300">
-                  <a:alpha val="88000"/>
-                </a:srgbClr>
-              </a:solidFill>
-              <a:latin typeface="Gill Sans MT" panose="020B0502020104020203" pitchFamily="34" charset="0"/>
-            </a:endParaRPr>
           </a:p>
           <a:p>
             <a:r>
@@ -9428,14 +9336,6 @@
               </a:rPr>
               <a:t> cont.</a:t>
             </a:r>
-            <a:endParaRPr lang="en-US" dirty="0" smtClean="0">
-              <a:solidFill>
-                <a:srgbClr val="663300">
-                  <a:alpha val="88000"/>
-                </a:srgbClr>
-              </a:solidFill>
-              <a:latin typeface="Gill Sans MT" panose="020B0502020104020203" pitchFamily="34" charset="0"/>
-            </a:endParaRPr>
           </a:p>
           <a:p>
             <a:r>
@@ -10389,14 +10289,6 @@
               </a:rPr>
               <a:t> cont.</a:t>
             </a:r>
-            <a:endParaRPr lang="en-US" dirty="0" smtClean="0">
-              <a:solidFill>
-                <a:srgbClr val="663300">
-                  <a:alpha val="88000"/>
-                </a:srgbClr>
-              </a:solidFill>
-              <a:latin typeface="Gill Sans MT" panose="020B0502020104020203" pitchFamily="34" charset="0"/>
-            </a:endParaRPr>
           </a:p>
           <a:p>
             <a:r>
@@ -11091,14 +10983,6 @@
               </a:rPr>
               <a:t> cont.</a:t>
             </a:r>
-            <a:endParaRPr lang="en-US" dirty="0" smtClean="0">
-              <a:solidFill>
-                <a:srgbClr val="663300">
-                  <a:alpha val="88000"/>
-                </a:srgbClr>
-              </a:solidFill>
-              <a:latin typeface="Gill Sans MT" panose="020B0502020104020203" pitchFamily="34" charset="0"/>
-            </a:endParaRPr>
           </a:p>
           <a:p>
             <a:r>
@@ -11396,8 +11280,54 @@
                 </a:solidFill>
                 <a:latin typeface="Gill Sans MT" panose="020B0502020104020203" pitchFamily="34" charset="0"/>
               </a:rPr>
-              <a:t>Werkende demo</a:t>
-            </a:r>
+              <a:t>Werkende </a:t>
+            </a:r>
+            <a:r>
+              <a:rPr lang="nl-BE" dirty="0" smtClean="0">
+                <a:solidFill>
+                  <a:srgbClr val="663300">
+                    <a:alpha val="88000"/>
+                  </a:srgbClr>
+                </a:solidFill>
+                <a:latin typeface="Gill Sans MT" panose="020B0502020104020203" pitchFamily="34" charset="0"/>
+              </a:rPr>
+              <a:t>demo</a:t>
+            </a:r>
+          </a:p>
+          <a:p>
+            <a:pPr lvl="1"/>
+            <a:endParaRPr lang="nl-BE" dirty="0">
+              <a:solidFill>
+                <a:srgbClr val="663300">
+                  <a:alpha val="88000"/>
+                </a:srgbClr>
+              </a:solidFill>
+              <a:latin typeface="Gill Sans MT" panose="020B0502020104020203" pitchFamily="34" charset="0"/>
+            </a:endParaRPr>
+          </a:p>
+          <a:p>
+            <a:pPr marL="0" indent="0">
+              <a:buNone/>
+            </a:pPr>
+            <a:r>
+              <a:rPr lang="nl-BE" dirty="0" smtClean="0">
+                <a:solidFill>
+                  <a:srgbClr val="663300">
+                    <a:alpha val="88000"/>
+                  </a:srgbClr>
+                </a:solidFill>
+                <a:latin typeface="Gill Sans MT" panose="020B0502020104020203" pitchFamily="34" charset="0"/>
+              </a:rPr>
+              <a:t>=&gt; Hogere efficiëntie </a:t>
+            </a:r>
+            <a:endParaRPr lang="nl-BE" dirty="0" smtClean="0">
+              <a:solidFill>
+                <a:srgbClr val="663300">
+                  <a:alpha val="88000"/>
+                </a:srgbClr>
+              </a:solidFill>
+              <a:latin typeface="Gill Sans MT" panose="020B0502020104020203" pitchFamily="34" charset="0"/>
+            </a:endParaRPr>
           </a:p>
         </p:txBody>
       </p:sp>
